--- a/Lab 1. Enterprise analysis/Presentation.pptx
+++ b/Lab 1. Enterprise analysis/Presentation.pptx
@@ -43,7 +43,7 @@
       </p:grpSpPr>
       <p:sp>
         <p:nvSpPr>
-          <p:cNvPr id="82" name="PlaceHolder 1"/>
+          <p:cNvPr id="76" name="PlaceHolder 1"/>
           <p:cNvSpPr>
             <a:spLocks noGrp="1"/>
           </p:cNvSpPr>
@@ -63,27 +63,22 @@
         <p:txBody>
           <a:bodyPr lIns="0" rIns="0" tIns="0" bIns="0" anchor="ctr"/>
           <a:p>
-            <a:r>
-              <a:rPr b="0" lang="en-US" sz="1400" spc="-1" strike="noStrike">
-                <a:solidFill>
-                  <a:srgbClr val="000000"/>
-                </a:solidFill>
+            <a:pPr algn="ctr"/>
+            <a:r>
+              <a:rPr b="0" lang="en-US" sz="4400" spc="-1" strike="noStrike">
                 <a:latin typeface="Arial"/>
               </a:rPr>
               <a:t>Click to move the slide</a:t>
             </a:r>
-            <a:endParaRPr b="0" lang="en-US" sz="1400" spc="-1" strike="noStrike">
-              <a:solidFill>
-                <a:srgbClr val="000000"/>
-              </a:solidFill>
-              <a:latin typeface="Arial"/>
-            </a:endParaRPr>
-          </a:p>
-        </p:txBody>
-      </p:sp>
-      <p:sp>
-        <p:nvSpPr>
-          <p:cNvPr id="83" name="PlaceHolder 2"/>
+            <a:endParaRPr b="0" lang="en-US" sz="4400" spc="-1" strike="noStrike">
+              <a:latin typeface="Arial"/>
+            </a:endParaRPr>
+          </a:p>
+        </p:txBody>
+      </p:sp>
+      <p:sp>
+        <p:nvSpPr>
+          <p:cNvPr id="77" name="PlaceHolder 2"/>
           <p:cNvSpPr>
             <a:spLocks noGrp="1"/>
           </p:cNvSpPr>
@@ -117,7 +112,7 @@
       </p:sp>
       <p:sp>
         <p:nvSpPr>
-          <p:cNvPr id="84" name="PlaceHolder 3"/>
+          <p:cNvPr id="78" name="PlaceHolder 3"/>
           <p:cNvSpPr>
             <a:spLocks noGrp="1"/>
           </p:cNvSpPr>
@@ -151,7 +146,7 @@
       </p:sp>
       <p:sp>
         <p:nvSpPr>
-          <p:cNvPr id="85" name="PlaceHolder 4"/>
+          <p:cNvPr id="79" name="PlaceHolder 4"/>
           <p:cNvSpPr>
             <a:spLocks noGrp="1"/>
           </p:cNvSpPr>
@@ -186,7 +181,7 @@
       </p:sp>
       <p:sp>
         <p:nvSpPr>
-          <p:cNvPr id="86" name="PlaceHolder 5"/>
+          <p:cNvPr id="80" name="PlaceHolder 5"/>
           <p:cNvSpPr>
             <a:spLocks noGrp="1"/>
           </p:cNvSpPr>
@@ -220,7 +215,7 @@
       </p:sp>
       <p:sp>
         <p:nvSpPr>
-          <p:cNvPr id="87" name="PlaceHolder 6"/>
+          <p:cNvPr id="81" name="PlaceHolder 6"/>
           <p:cNvSpPr>
             <a:spLocks noGrp="1"/>
           </p:cNvSpPr>
@@ -241,7 +236,7 @@
           <a:bodyPr lIns="0" rIns="0" tIns="0" bIns="0" anchor="b"/>
           <a:p>
             <a:pPr algn="r"/>
-            <a:fld id="{3F033FB4-99B7-4E0A-9BB7-18FC38E32D2C}" type="slidenum">
+            <a:fld id="{3107F693-C0FB-4626-95A5-2203C3F0C469}" type="slidenum">
               <a:rPr b="0" lang="en-US" sz="1400" spc="-1" strike="noStrike">
                 <a:latin typeface="Times New Roman"/>
               </a:rPr>
@@ -278,7 +273,7 @@
       </p:grpSpPr>
       <p:sp>
         <p:nvSpPr>
-          <p:cNvPr id="144" name="PlaceHolder 1"/>
+          <p:cNvPr id="138" name="PlaceHolder 1"/>
           <p:cNvSpPr>
             <a:spLocks noGrp="1"/>
           </p:cNvSpPr>
@@ -289,16 +284,16 @@
         <p:spPr>
           <a:xfrm>
             <a:off x="709560" y="4861080"/>
-            <a:ext cx="5682960" cy="4605120"/>
-          </a:xfrm>
-          <a:prstGeom prst="rect">
-            <a:avLst/>
-          </a:prstGeom>
-        </p:spPr>
-        <p:txBody>
-          <a:bodyPr tIns="91440" bIns="91440"/>
-          <a:p>
-            <a:pPr marL="457200" indent="-228240">
+            <a:ext cx="5682600" cy="4604760"/>
+          </a:xfrm>
+          <a:prstGeom prst="rect">
+            <a:avLst/>
+          </a:prstGeom>
+        </p:spPr>
+        <p:txBody>
+          <a:bodyPr lIns="0" rIns="0" tIns="91440" bIns="91440"/>
+          <a:p>
+            <a:pPr marL="457200" indent="-227880">
               <a:lnSpc>
                 <a:spcPct val="100000"/>
               </a:lnSpc>
@@ -318,7 +313,7 @@
             </a:endParaRPr>
           </a:p>
           <a:p>
-            <a:pPr marL="457200" indent="-228240">
+            <a:pPr marL="457200" indent="-227880">
               <a:lnSpc>
                 <a:spcPct val="100000"/>
               </a:lnSpc>
@@ -378,7 +373,7 @@
             </a:endParaRPr>
           </a:p>
           <a:p>
-            <a:pPr marL="457200" indent="-228240">
+            <a:pPr marL="457200" indent="-227880">
               <a:lnSpc>
                 <a:spcPct val="100000"/>
               </a:lnSpc>
@@ -398,7 +393,7 @@
             </a:endParaRPr>
           </a:p>
           <a:p>
-            <a:pPr marL="457200" indent="-228240">
+            <a:pPr marL="457200" indent="-227880">
               <a:lnSpc>
                 <a:spcPct val="100000"/>
               </a:lnSpc>
@@ -418,7 +413,7 @@
             </a:endParaRPr>
           </a:p>
           <a:p>
-            <a:pPr marL="457200" indent="-228240">
+            <a:pPr marL="457200" indent="-227880">
               <a:lnSpc>
                 <a:spcPct val="100000"/>
               </a:lnSpc>
@@ -438,7 +433,7 @@
             </a:endParaRPr>
           </a:p>
           <a:p>
-            <a:pPr marL="457200" indent="-228240">
+            <a:pPr marL="457200" indent="-227880">
               <a:lnSpc>
                 <a:spcPct val="100000"/>
               </a:lnSpc>
@@ -458,7 +453,7 @@
             </a:endParaRPr>
           </a:p>
           <a:p>
-            <a:pPr marL="457200" indent="-228240">
+            <a:pPr marL="457200" indent="-227880">
               <a:lnSpc>
                 <a:spcPct val="100000"/>
               </a:lnSpc>
@@ -478,7 +473,7 @@
             </a:endParaRPr>
           </a:p>
           <a:p>
-            <a:pPr marL="457200" indent="-228240">
+            <a:pPr marL="457200" indent="-227880">
               <a:lnSpc>
                 <a:spcPct val="100000"/>
               </a:lnSpc>
@@ -498,7 +493,7 @@
             </a:endParaRPr>
           </a:p>
           <a:p>
-            <a:pPr marL="457200" indent="-228240">
+            <a:pPr marL="457200" indent="-227880">
               <a:lnSpc>
                 <a:spcPct val="100000"/>
               </a:lnSpc>
@@ -518,7 +513,7 @@
             </a:endParaRPr>
           </a:p>
           <a:p>
-            <a:pPr marL="457200" indent="-228240">
+            <a:pPr marL="457200" indent="-227880">
               <a:lnSpc>
                 <a:spcPct val="100000"/>
               </a:lnSpc>
@@ -538,7 +533,7 @@
             </a:endParaRPr>
           </a:p>
           <a:p>
-            <a:pPr marL="457200" indent="-228240">
+            <a:pPr marL="457200" indent="-227880">
               <a:lnSpc>
                 <a:spcPct val="100000"/>
               </a:lnSpc>
@@ -558,7 +553,7 @@
             </a:endParaRPr>
           </a:p>
           <a:p>
-            <a:pPr marL="457200" indent="-228240">
+            <a:pPr marL="457200" indent="-227880">
               <a:lnSpc>
                 <a:spcPct val="100000"/>
               </a:lnSpc>
@@ -578,7 +573,7 @@
             </a:endParaRPr>
           </a:p>
           <a:p>
-            <a:pPr marL="457200" indent="-228240">
+            <a:pPr marL="457200" indent="-227880">
               <a:lnSpc>
                 <a:spcPct val="100000"/>
               </a:lnSpc>
@@ -598,7 +593,7 @@
             </a:endParaRPr>
           </a:p>
           <a:p>
-            <a:pPr marL="457200" indent="-228240">
+            <a:pPr marL="457200" indent="-227880">
               <a:lnSpc>
                 <a:spcPct val="100000"/>
               </a:lnSpc>
@@ -618,7 +613,7 @@
             </a:endParaRPr>
           </a:p>
           <a:p>
-            <a:pPr marL="457200" indent="-228240">
+            <a:pPr marL="457200" indent="-227880">
               <a:lnSpc>
                 <a:spcPct val="100000"/>
               </a:lnSpc>
@@ -638,7 +633,7 @@
             </a:endParaRPr>
           </a:p>
           <a:p>
-            <a:pPr marL="457200" indent="-228240">
+            <a:pPr marL="457200" indent="-227880">
               <a:lnSpc>
                 <a:spcPct val="100000"/>
               </a:lnSpc>
@@ -658,7 +653,7 @@
             </a:endParaRPr>
           </a:p>
           <a:p>
-            <a:pPr marL="457200" indent="-228240">
+            <a:pPr marL="457200" indent="-227880">
               <a:lnSpc>
                 <a:spcPct val="100000"/>
               </a:lnSpc>
@@ -678,7 +673,7 @@
             </a:endParaRPr>
           </a:p>
           <a:p>
-            <a:pPr marL="457200" indent="-228240">
+            <a:pPr marL="457200" indent="-227880">
               <a:lnSpc>
                 <a:spcPct val="100000"/>
               </a:lnSpc>
@@ -698,7 +693,7 @@
             </a:endParaRPr>
           </a:p>
           <a:p>
-            <a:pPr marL="457200" indent="-228240">
+            <a:pPr marL="457200" indent="-227880">
               <a:lnSpc>
                 <a:spcPct val="100000"/>
               </a:lnSpc>
@@ -718,7 +713,7 @@
             </a:endParaRPr>
           </a:p>
           <a:p>
-            <a:pPr marL="457200" indent="-228240">
+            <a:pPr marL="457200" indent="-227880">
               <a:lnSpc>
                 <a:spcPct val="100000"/>
               </a:lnSpc>
@@ -738,7 +733,7 @@
             </a:endParaRPr>
           </a:p>
           <a:p>
-            <a:pPr marL="457200" indent="-228240">
+            <a:pPr marL="457200" indent="-227880">
               <a:lnSpc>
                 <a:spcPct val="100000"/>
               </a:lnSpc>
@@ -758,7 +753,7 @@
             </a:endParaRPr>
           </a:p>
           <a:p>
-            <a:pPr marL="457200" indent="-228240">
+            <a:pPr marL="457200" indent="-227880">
               <a:lnSpc>
                 <a:spcPct val="100000"/>
               </a:lnSpc>
@@ -778,7 +773,7 @@
             </a:endParaRPr>
           </a:p>
           <a:p>
-            <a:pPr marL="457200" indent="-228240">
+            <a:pPr marL="457200" indent="-227880">
               <a:lnSpc>
                 <a:spcPct val="100000"/>
               </a:lnSpc>
@@ -798,7 +793,7 @@
             </a:endParaRPr>
           </a:p>
           <a:p>
-            <a:pPr marL="457200" indent="-228240">
+            <a:pPr marL="457200" indent="-227880">
               <a:lnSpc>
                 <a:spcPct val="100000"/>
               </a:lnSpc>
@@ -818,7 +813,7 @@
             </a:endParaRPr>
           </a:p>
           <a:p>
-            <a:pPr marL="457200" indent="-228240">
+            <a:pPr marL="457200" indent="-227880">
               <a:lnSpc>
                 <a:spcPct val="100000"/>
               </a:lnSpc>
@@ -838,7 +833,7 @@
             </a:endParaRPr>
           </a:p>
           <a:p>
-            <a:pPr marL="457200" indent="-228240">
+            <a:pPr marL="457200" indent="-227880">
               <a:lnSpc>
                 <a:spcPct val="100000"/>
               </a:lnSpc>
@@ -858,7 +853,7 @@
             </a:endParaRPr>
           </a:p>
           <a:p>
-            <a:pPr marL="457200" indent="-228240">
+            <a:pPr marL="457200" indent="-227880">
               <a:lnSpc>
                 <a:spcPct val="100000"/>
               </a:lnSpc>
@@ -878,7 +873,7 @@
             </a:endParaRPr>
           </a:p>
           <a:p>
-            <a:pPr marL="457200" indent="-228240">
+            <a:pPr marL="457200" indent="-227880">
               <a:lnSpc>
                 <a:spcPct val="100000"/>
               </a:lnSpc>
@@ -898,7 +893,7 @@
             </a:endParaRPr>
           </a:p>
           <a:p>
-            <a:pPr marL="457200" indent="-228240">
+            <a:pPr marL="457200" indent="-227880">
               <a:lnSpc>
                 <a:spcPct val="100000"/>
               </a:lnSpc>
@@ -918,7 +913,7 @@
             </a:endParaRPr>
           </a:p>
           <a:p>
-            <a:pPr marL="457200" indent="-228240">
+            <a:pPr marL="457200" indent="-227880">
               <a:lnSpc>
                 <a:spcPct val="100000"/>
               </a:lnSpc>
@@ -938,7 +933,7 @@
             </a:endParaRPr>
           </a:p>
           <a:p>
-            <a:pPr marL="457200" indent="-228240">
+            <a:pPr marL="457200" indent="-227880">
               <a:lnSpc>
                 <a:spcPct val="100000"/>
               </a:lnSpc>
@@ -958,7 +953,7 @@
             </a:endParaRPr>
           </a:p>
           <a:p>
-            <a:pPr marL="457200" indent="-228240">
+            <a:pPr marL="457200" indent="-227880">
               <a:lnSpc>
                 <a:spcPct val="100000"/>
               </a:lnSpc>
@@ -978,7 +973,7 @@
             </a:endParaRPr>
           </a:p>
           <a:p>
-            <a:pPr marL="457200" indent="-228240">
+            <a:pPr marL="457200" indent="-227880">
               <a:lnSpc>
                 <a:spcPct val="100000"/>
               </a:lnSpc>
@@ -998,7 +993,7 @@
             </a:endParaRPr>
           </a:p>
           <a:p>
-            <a:pPr marL="457200" indent="-228240">
+            <a:pPr marL="457200" indent="-227880">
               <a:lnSpc>
                 <a:spcPct val="100000"/>
               </a:lnSpc>
@@ -1018,7 +1013,7 @@
             </a:endParaRPr>
           </a:p>
           <a:p>
-            <a:pPr marL="457200" indent="-228240">
+            <a:pPr marL="457200" indent="-227880">
               <a:lnSpc>
                 <a:spcPct val="100000"/>
               </a:lnSpc>
@@ -1038,7 +1033,7 @@
             </a:endParaRPr>
           </a:p>
           <a:p>
-            <a:pPr marL="457200" indent="-228240">
+            <a:pPr marL="457200" indent="-227880">
               <a:lnSpc>
                 <a:spcPct val="100000"/>
               </a:lnSpc>
@@ -1058,7 +1053,7 @@
             </a:endParaRPr>
           </a:p>
           <a:p>
-            <a:pPr marL="457200" indent="-228240">
+            <a:pPr marL="457200" indent="-227880">
               <a:lnSpc>
                 <a:spcPct val="100000"/>
               </a:lnSpc>
@@ -1078,7 +1073,7 @@
             </a:endParaRPr>
           </a:p>
           <a:p>
-            <a:pPr marL="457200" indent="-228240">
+            <a:pPr marL="457200" indent="-227880">
               <a:lnSpc>
                 <a:spcPct val="100000"/>
               </a:lnSpc>
@@ -1098,7 +1093,7 @@
             </a:endParaRPr>
           </a:p>
           <a:p>
-            <a:pPr marL="457200" indent="-228240">
+            <a:pPr marL="457200" indent="-227880">
               <a:lnSpc>
                 <a:spcPct val="100000"/>
               </a:lnSpc>
@@ -1118,7 +1113,7 @@
             </a:endParaRPr>
           </a:p>
           <a:p>
-            <a:pPr marL="457200" indent="-228240">
+            <a:pPr marL="457200" indent="-227880">
               <a:lnSpc>
                 <a:spcPct val="100000"/>
               </a:lnSpc>
@@ -1138,7 +1133,7 @@
             </a:endParaRPr>
           </a:p>
           <a:p>
-            <a:pPr>
+            <a:pPr marL="457200" indent="-227880">
               <a:lnSpc>
                 <a:spcPct val="100000"/>
               </a:lnSpc>
@@ -1151,7 +1146,7 @@
       </p:sp>
       <p:sp>
         <p:nvSpPr>
-          <p:cNvPr id="145" name="PlaceHolder 2"/>
+          <p:cNvPr id="139" name="PlaceHolder 2"/>
           <p:cNvSpPr>
             <a:spLocks noGrp="1"/>
           </p:cNvSpPr>
@@ -1162,7 +1157,7 @@
         <p:spPr>
           <a:xfrm>
             <a:off x="992160" y="766800"/>
-            <a:ext cx="5117760" cy="3838320"/>
+            <a:ext cx="5117400" cy="3837960"/>
           </a:xfrm>
           <a:prstGeom prst="rect">
             <a:avLst/>
@@ -1193,7 +1188,7 @@
       </p:grpSpPr>
       <p:sp>
         <p:nvSpPr>
-          <p:cNvPr id="146" name="PlaceHolder 1"/>
+          <p:cNvPr id="140" name="PlaceHolder 1"/>
           <p:cNvSpPr>
             <a:spLocks noGrp="1"/>
           </p:cNvSpPr>
@@ -1204,16 +1199,16 @@
         <p:spPr>
           <a:xfrm>
             <a:off x="992160" y="766800"/>
-            <a:ext cx="5117760" cy="3838320"/>
-          </a:xfrm>
-          <a:prstGeom prst="rect">
-            <a:avLst/>
-          </a:prstGeom>
-        </p:spPr>
-      </p:sp>
-      <p:sp>
-        <p:nvSpPr>
-          <p:cNvPr id="147" name="PlaceHolder 2"/>
+            <a:ext cx="5117400" cy="3837960"/>
+          </a:xfrm>
+          <a:prstGeom prst="rect">
+            <a:avLst/>
+          </a:prstGeom>
+        </p:spPr>
+      </p:sp>
+      <p:sp>
+        <p:nvSpPr>
+          <p:cNvPr id="141" name="PlaceHolder 2"/>
           <p:cNvSpPr>
             <a:spLocks noGrp="1"/>
           </p:cNvSpPr>
@@ -1224,14 +1219,14 @@
         <p:spPr>
           <a:xfrm>
             <a:off x="709560" y="4861080"/>
-            <a:ext cx="5682960" cy="4605120"/>
-          </a:xfrm>
-          <a:prstGeom prst="rect">
-            <a:avLst/>
-          </a:prstGeom>
-        </p:spPr>
-        <p:txBody>
-          <a:bodyPr tIns="91440" bIns="91440"/>
+            <a:ext cx="5682600" cy="4604760"/>
+          </a:xfrm>
+          <a:prstGeom prst="rect">
+            <a:avLst/>
+          </a:prstGeom>
+        </p:spPr>
+        <p:txBody>
+          <a:bodyPr lIns="0" rIns="0" tIns="91440" bIns="91440"/>
           <a:p>
             <a:endParaRPr b="0" lang="en-US" sz="2000" spc="-1" strike="noStrike">
               <a:latin typeface="Arial"/>
@@ -1241,14 +1236,14 @@
       </p:sp>
       <p:sp>
         <p:nvSpPr>
-          <p:cNvPr id="148" name="TextShape 3"/>
-          <p:cNvSpPr txBox="1"/>
+          <p:cNvPr id="142" name="CustomShape 3"/>
+          <p:cNvSpPr/>
           <p:nvPr/>
         </p:nvSpPr>
         <p:spPr>
           <a:xfrm>
             <a:off x="4022640" y="9720360"/>
-            <a:ext cx="3078000" cy="510840"/>
+            <a:ext cx="3077640" cy="510480"/>
           </a:xfrm>
           <a:prstGeom prst="rect">
             <a:avLst/>
@@ -1258,6 +1253,12 @@
             <a:noFill/>
           </a:ln>
         </p:spPr>
+        <p:style>
+          <a:lnRef idx="0"/>
+          <a:fillRef idx="0"/>
+          <a:effectRef idx="0"/>
+          <a:fontRef idx="minor"/>
+        </p:style>
         <p:txBody>
           <a:bodyPr lIns="99000" rIns="99000" tIns="49680" bIns="49680" anchor="b"/>
           <a:p>
@@ -1266,14 +1267,14 @@
                 <a:spcPct val="100000"/>
               </a:lnSpc>
             </a:pPr>
-            <a:fld id="{B3DB89D8-C026-4202-A2FD-DAD617E76BC4}" type="slidenum">
+            <a:fld id="{90D873E5-B137-40B4-AF69-CE870BD1DFC4}" type="slidenum">
               <a:rPr b="0" lang="en-US" sz="1400" spc="-1" strike="noStrike">
                 <a:latin typeface="Times New Roman"/>
               </a:rPr>
               <a:t>&lt;number&gt;</a:t>
             </a:fld>
             <a:endParaRPr b="0" lang="en-US" sz="1400" spc="-1" strike="noStrike">
-              <a:latin typeface="Times New Roman"/>
+              <a:latin typeface="Arial"/>
             </a:endParaRPr>
           </a:p>
         </p:txBody>
@@ -1302,7 +1303,7 @@
       </p:grpSpPr>
       <p:sp>
         <p:nvSpPr>
-          <p:cNvPr id="149" name="PlaceHolder 1"/>
+          <p:cNvPr id="143" name="PlaceHolder 1"/>
           <p:cNvSpPr>
             <a:spLocks noGrp="1"/>
           </p:cNvSpPr>
@@ -1313,16 +1314,16 @@
         <p:spPr>
           <a:xfrm>
             <a:off x="709560" y="4861080"/>
-            <a:ext cx="5682960" cy="4605120"/>
-          </a:xfrm>
-          <a:prstGeom prst="rect">
-            <a:avLst/>
-          </a:prstGeom>
-        </p:spPr>
-        <p:txBody>
-          <a:bodyPr tIns="91440" bIns="91440"/>
-          <a:p>
-            <a:pPr>
+            <a:ext cx="5682600" cy="4604760"/>
+          </a:xfrm>
+          <a:prstGeom prst="rect">
+            <a:avLst/>
+          </a:prstGeom>
+        </p:spPr>
+        <p:txBody>
+          <a:bodyPr lIns="0" rIns="0" tIns="91440" bIns="91440"/>
+          <a:p>
+            <a:pPr marL="216000" indent="-216000">
               <a:lnSpc>
                 <a:spcPct val="100000"/>
               </a:lnSpc>
@@ -1342,7 +1343,7 @@
             </a:endParaRPr>
           </a:p>
           <a:p>
-            <a:pPr>
+            <a:pPr marL="216000" indent="-216000">
               <a:lnSpc>
                 <a:spcPct val="100000"/>
               </a:lnSpc>
@@ -1372,7 +1373,7 @@
             </a:endParaRPr>
           </a:p>
           <a:p>
-            <a:pPr>
+            <a:pPr marL="216000" indent="-216000">
               <a:lnSpc>
                 <a:spcPct val="100000"/>
               </a:lnSpc>
@@ -1405,7 +1406,7 @@
       </p:sp>
       <p:sp>
         <p:nvSpPr>
-          <p:cNvPr id="150" name="PlaceHolder 2"/>
+          <p:cNvPr id="144" name="PlaceHolder 2"/>
           <p:cNvSpPr>
             <a:spLocks noGrp="1"/>
           </p:cNvSpPr>
@@ -1416,7 +1417,7 @@
         <p:spPr>
           <a:xfrm>
             <a:off x="992160" y="766800"/>
-            <a:ext cx="5117760" cy="3838320"/>
+            <a:ext cx="5117400" cy="3837960"/>
           </a:xfrm>
           <a:prstGeom prst="rect">
             <a:avLst/>
@@ -1447,7 +1448,7 @@
       </p:grpSpPr>
       <p:sp>
         <p:nvSpPr>
-          <p:cNvPr id="151" name="PlaceHolder 1"/>
+          <p:cNvPr id="145" name="PlaceHolder 1"/>
           <p:cNvSpPr>
             <a:spLocks noGrp="1"/>
           </p:cNvSpPr>
@@ -1458,16 +1459,16 @@
         <p:spPr>
           <a:xfrm>
             <a:off x="709560" y="4861080"/>
-            <a:ext cx="5682960" cy="4605120"/>
-          </a:xfrm>
-          <a:prstGeom prst="rect">
-            <a:avLst/>
-          </a:prstGeom>
-        </p:spPr>
-        <p:txBody>
-          <a:bodyPr tIns="91440" bIns="91440"/>
-          <a:p>
-            <a:pPr>
+            <a:ext cx="5682600" cy="4604760"/>
+          </a:xfrm>
+          <a:prstGeom prst="rect">
+            <a:avLst/>
+          </a:prstGeom>
+        </p:spPr>
+        <p:txBody>
+          <a:bodyPr lIns="0" rIns="0" tIns="91440" bIns="91440"/>
+          <a:p>
+            <a:pPr marL="216000" indent="-216000">
               <a:lnSpc>
                 <a:spcPct val="100000"/>
               </a:lnSpc>
@@ -1490,7 +1491,7 @@
       </p:sp>
       <p:sp>
         <p:nvSpPr>
-          <p:cNvPr id="152" name="PlaceHolder 2"/>
+          <p:cNvPr id="146" name="PlaceHolder 2"/>
           <p:cNvSpPr>
             <a:spLocks noGrp="1"/>
           </p:cNvSpPr>
@@ -1501,7 +1502,7 @@
         <p:spPr>
           <a:xfrm>
             <a:off x="992160" y="766800"/>
-            <a:ext cx="5117760" cy="3838320"/>
+            <a:ext cx="5117400" cy="3837960"/>
           </a:xfrm>
           <a:prstGeom prst="rect">
             <a:avLst/>
@@ -1532,7 +1533,7 @@
       </p:grpSpPr>
       <p:sp>
         <p:nvSpPr>
-          <p:cNvPr id="153" name="PlaceHolder 1"/>
+          <p:cNvPr id="147" name="PlaceHolder 1"/>
           <p:cNvSpPr>
             <a:spLocks noGrp="1"/>
           </p:cNvSpPr>
@@ -1543,16 +1544,16 @@
         <p:spPr>
           <a:xfrm>
             <a:off x="709560" y="4861080"/>
-            <a:ext cx="5682960" cy="4605120"/>
-          </a:xfrm>
-          <a:prstGeom prst="rect">
-            <a:avLst/>
-          </a:prstGeom>
-        </p:spPr>
-        <p:txBody>
-          <a:bodyPr tIns="91440" bIns="91440"/>
-          <a:p>
-            <a:pPr>
+            <a:ext cx="5682600" cy="4604760"/>
+          </a:xfrm>
+          <a:prstGeom prst="rect">
+            <a:avLst/>
+          </a:prstGeom>
+        </p:spPr>
+        <p:txBody>
+          <a:bodyPr lIns="0" rIns="0" tIns="91440" bIns="91440"/>
+          <a:p>
+            <a:pPr marL="216000" indent="-216000">
               <a:lnSpc>
                 <a:spcPct val="100000"/>
               </a:lnSpc>
@@ -1572,7 +1573,7 @@
             </a:endParaRPr>
           </a:p>
           <a:p>
-            <a:pPr>
+            <a:pPr marL="216000" indent="-216000">
               <a:lnSpc>
                 <a:spcPct val="100000"/>
               </a:lnSpc>
@@ -1592,7 +1593,7 @@
             </a:endParaRPr>
           </a:p>
           <a:p>
-            <a:pPr>
+            <a:pPr marL="216000" indent="-216000">
               <a:lnSpc>
                 <a:spcPct val="100000"/>
               </a:lnSpc>
@@ -1615,7 +1616,7 @@
       </p:sp>
       <p:sp>
         <p:nvSpPr>
-          <p:cNvPr id="154" name="PlaceHolder 2"/>
+          <p:cNvPr id="148" name="PlaceHolder 2"/>
           <p:cNvSpPr>
             <a:spLocks noGrp="1"/>
           </p:cNvSpPr>
@@ -1626,7 +1627,7 @@
         <p:spPr>
           <a:xfrm>
             <a:off x="992160" y="766800"/>
-            <a:ext cx="5117760" cy="3838320"/>
+            <a:ext cx="5117400" cy="3837960"/>
           </a:xfrm>
           <a:prstGeom prst="rect">
             <a:avLst/>
@@ -1657,7 +1658,7 @@
       </p:grpSpPr>
       <p:sp>
         <p:nvSpPr>
-          <p:cNvPr id="155" name="PlaceHolder 1"/>
+          <p:cNvPr id="149" name="PlaceHolder 1"/>
           <p:cNvSpPr>
             <a:spLocks noGrp="1"/>
           </p:cNvSpPr>
@@ -1668,16 +1669,16 @@
         <p:spPr>
           <a:xfrm>
             <a:off x="709560" y="4861080"/>
-            <a:ext cx="5682960" cy="4605120"/>
-          </a:xfrm>
-          <a:prstGeom prst="rect">
-            <a:avLst/>
-          </a:prstGeom>
-        </p:spPr>
-        <p:txBody>
-          <a:bodyPr tIns="91440" bIns="91440"/>
-          <a:p>
-            <a:pPr>
+            <a:ext cx="5682600" cy="4604760"/>
+          </a:xfrm>
+          <a:prstGeom prst="rect">
+            <a:avLst/>
+          </a:prstGeom>
+        </p:spPr>
+        <p:txBody>
+          <a:bodyPr lIns="0" rIns="0" tIns="91440" bIns="91440"/>
+          <a:p>
+            <a:pPr marL="216000" indent="-216000">
               <a:lnSpc>
                 <a:spcPct val="100000"/>
               </a:lnSpc>
@@ -1700,7 +1701,7 @@
       </p:sp>
       <p:sp>
         <p:nvSpPr>
-          <p:cNvPr id="156" name="PlaceHolder 2"/>
+          <p:cNvPr id="150" name="PlaceHolder 2"/>
           <p:cNvSpPr>
             <a:spLocks noGrp="1"/>
           </p:cNvSpPr>
@@ -1711,7 +1712,7 @@
         <p:spPr>
           <a:xfrm>
             <a:off x="992160" y="766800"/>
-            <a:ext cx="5117760" cy="3838320"/>
+            <a:ext cx="5117400" cy="3837960"/>
           </a:xfrm>
           <a:prstGeom prst="rect">
             <a:avLst/>
@@ -1764,7 +1765,7 @@
       </p:grpSpPr>
       <p:sp>
         <p:nvSpPr>
-          <p:cNvPr id="26" name="PlaceHolder 1"/>
+          <p:cNvPr id="23" name="PlaceHolder 1"/>
           <p:cNvSpPr>
             <a:spLocks noGrp="1"/>
           </p:cNvSpPr>
@@ -1774,8 +1775,8 @@
         </p:nvSpPr>
         <p:spPr>
           <a:xfrm>
-            <a:off x="457200" y="274680"/>
-            <a:ext cx="8229240" cy="1142640"/>
+            <a:off x="457200" y="273600"/>
+            <a:ext cx="8229240" cy="1144800"/>
           </a:xfrm>
           <a:prstGeom prst="rect">
             <a:avLst/>
@@ -1784,18 +1785,16 @@
         <p:txBody>
           <a:bodyPr lIns="0" rIns="0" tIns="0" bIns="0" anchor="ctr"/>
           <a:p>
-            <a:endParaRPr b="0" lang="en-US" sz="1400" spc="-1" strike="noStrike">
-              <a:solidFill>
-                <a:srgbClr val="000000"/>
-              </a:solidFill>
-              <a:latin typeface="Arial"/>
-            </a:endParaRPr>
-          </a:p>
-        </p:txBody>
-      </p:sp>
-      <p:sp>
-        <p:nvSpPr>
-          <p:cNvPr id="27" name="PlaceHolder 2"/>
+            <a:pPr algn="ctr"/>
+            <a:endParaRPr b="0" lang="en-US" sz="4400" spc="-1" strike="noStrike">
+              <a:latin typeface="Arial"/>
+            </a:endParaRPr>
+          </a:p>
+        </p:txBody>
+      </p:sp>
+      <p:sp>
+        <p:nvSpPr>
+          <p:cNvPr id="24" name="PlaceHolder 2"/>
           <p:cNvSpPr>
             <a:spLocks noGrp="1"/>
           </p:cNvSpPr>
@@ -1805,8 +1804,8 @@
         </p:nvSpPr>
         <p:spPr>
           <a:xfrm>
-            <a:off x="457200" y="1600200"/>
-            <a:ext cx="8229240" cy="2158560"/>
+            <a:off x="457200" y="1604520"/>
+            <a:ext cx="8229240" cy="1896840"/>
           </a:xfrm>
           <a:prstGeom prst="rect">
             <a:avLst/>
@@ -1817,18 +1816,15 @@
             <a:normAutofit/>
           </a:bodyPr>
           <a:p>
-            <a:endParaRPr b="0" lang="en-US" sz="1400" spc="-1" strike="noStrike">
-              <a:solidFill>
-                <a:srgbClr val="000000"/>
-              </a:solidFill>
-              <a:latin typeface="Arial"/>
-            </a:endParaRPr>
-          </a:p>
-        </p:txBody>
-      </p:sp>
-      <p:sp>
-        <p:nvSpPr>
-          <p:cNvPr id="28" name="PlaceHolder 3"/>
+            <a:endParaRPr b="0" lang="en-US" sz="3200" spc="-1" strike="noStrike">
+              <a:latin typeface="Arial"/>
+            </a:endParaRPr>
+          </a:p>
+        </p:txBody>
+      </p:sp>
+      <p:sp>
+        <p:nvSpPr>
+          <p:cNvPr id="25" name="PlaceHolder 3"/>
           <p:cNvSpPr>
             <a:spLocks noGrp="1"/>
           </p:cNvSpPr>
@@ -1838,8 +1834,8 @@
         </p:nvSpPr>
         <p:spPr>
           <a:xfrm>
-            <a:off x="457200" y="3964320"/>
-            <a:ext cx="8229240" cy="2158560"/>
+            <a:off x="457200" y="3682080"/>
+            <a:ext cx="8229240" cy="1896840"/>
           </a:xfrm>
           <a:prstGeom prst="rect">
             <a:avLst/>
@@ -1850,10 +1846,7 @@
             <a:normAutofit/>
           </a:bodyPr>
           <a:p>
-            <a:endParaRPr b="0" lang="en-US" sz="1400" spc="-1" strike="noStrike">
-              <a:solidFill>
-                <a:srgbClr val="000000"/>
-              </a:solidFill>
+            <a:endParaRPr b="0" lang="en-US" sz="3200" spc="-1" strike="noStrike">
               <a:latin typeface="Arial"/>
             </a:endParaRPr>
           </a:p>
@@ -1883,7 +1876,7 @@
       </p:grpSpPr>
       <p:sp>
         <p:nvSpPr>
-          <p:cNvPr id="29" name="PlaceHolder 1"/>
+          <p:cNvPr id="26" name="PlaceHolder 1"/>
           <p:cNvSpPr>
             <a:spLocks noGrp="1"/>
           </p:cNvSpPr>
@@ -1893,8 +1886,8 @@
         </p:nvSpPr>
         <p:spPr>
           <a:xfrm>
-            <a:off x="457200" y="274680"/>
-            <a:ext cx="8229240" cy="1142640"/>
+            <a:off x="457200" y="273600"/>
+            <a:ext cx="8229240" cy="1144800"/>
           </a:xfrm>
           <a:prstGeom prst="rect">
             <a:avLst/>
@@ -1903,18 +1896,16 @@
         <p:txBody>
           <a:bodyPr lIns="0" rIns="0" tIns="0" bIns="0" anchor="ctr"/>
           <a:p>
-            <a:endParaRPr b="0" lang="en-US" sz="1400" spc="-1" strike="noStrike">
-              <a:solidFill>
-                <a:srgbClr val="000000"/>
-              </a:solidFill>
-              <a:latin typeface="Arial"/>
-            </a:endParaRPr>
-          </a:p>
-        </p:txBody>
-      </p:sp>
-      <p:sp>
-        <p:nvSpPr>
-          <p:cNvPr id="30" name="PlaceHolder 2"/>
+            <a:pPr algn="ctr"/>
+            <a:endParaRPr b="0" lang="en-US" sz="4400" spc="-1" strike="noStrike">
+              <a:latin typeface="Arial"/>
+            </a:endParaRPr>
+          </a:p>
+        </p:txBody>
+      </p:sp>
+      <p:sp>
+        <p:nvSpPr>
+          <p:cNvPr id="27" name="PlaceHolder 2"/>
           <p:cNvSpPr>
             <a:spLocks noGrp="1"/>
           </p:cNvSpPr>
@@ -1924,8 +1915,8 @@
         </p:nvSpPr>
         <p:spPr>
           <a:xfrm>
-            <a:off x="457200" y="1600200"/>
-            <a:ext cx="4015800" cy="2158560"/>
+            <a:off x="457200" y="1604520"/>
+            <a:ext cx="4015800" cy="1896840"/>
           </a:xfrm>
           <a:prstGeom prst="rect">
             <a:avLst/>
@@ -1936,18 +1927,15 @@
             <a:normAutofit/>
           </a:bodyPr>
           <a:p>
-            <a:endParaRPr b="0" lang="en-US" sz="1400" spc="-1" strike="noStrike">
-              <a:solidFill>
-                <a:srgbClr val="000000"/>
-              </a:solidFill>
-              <a:latin typeface="Arial"/>
-            </a:endParaRPr>
-          </a:p>
-        </p:txBody>
-      </p:sp>
-      <p:sp>
-        <p:nvSpPr>
-          <p:cNvPr id="31" name="PlaceHolder 3"/>
+            <a:endParaRPr b="0" lang="en-US" sz="3200" spc="-1" strike="noStrike">
+              <a:latin typeface="Arial"/>
+            </a:endParaRPr>
+          </a:p>
+        </p:txBody>
+      </p:sp>
+      <p:sp>
+        <p:nvSpPr>
+          <p:cNvPr id="28" name="PlaceHolder 3"/>
           <p:cNvSpPr>
             <a:spLocks noGrp="1"/>
           </p:cNvSpPr>
@@ -1957,8 +1945,8 @@
         </p:nvSpPr>
         <p:spPr>
           <a:xfrm>
-            <a:off x="4674240" y="1600200"/>
-            <a:ext cx="4015800" cy="2158560"/>
+            <a:off x="4674240" y="1604520"/>
+            <a:ext cx="4015800" cy="1896840"/>
           </a:xfrm>
           <a:prstGeom prst="rect">
             <a:avLst/>
@@ -1969,18 +1957,15 @@
             <a:normAutofit/>
           </a:bodyPr>
           <a:p>
-            <a:endParaRPr b="0" lang="en-US" sz="1400" spc="-1" strike="noStrike">
-              <a:solidFill>
-                <a:srgbClr val="000000"/>
-              </a:solidFill>
-              <a:latin typeface="Arial"/>
-            </a:endParaRPr>
-          </a:p>
-        </p:txBody>
-      </p:sp>
-      <p:sp>
-        <p:nvSpPr>
-          <p:cNvPr id="32" name="PlaceHolder 4"/>
+            <a:endParaRPr b="0" lang="en-US" sz="3200" spc="-1" strike="noStrike">
+              <a:latin typeface="Arial"/>
+            </a:endParaRPr>
+          </a:p>
+        </p:txBody>
+      </p:sp>
+      <p:sp>
+        <p:nvSpPr>
+          <p:cNvPr id="29" name="PlaceHolder 4"/>
           <p:cNvSpPr>
             <a:spLocks noGrp="1"/>
           </p:cNvSpPr>
@@ -1990,8 +1975,8 @@
         </p:nvSpPr>
         <p:spPr>
           <a:xfrm>
-            <a:off x="457200" y="3964320"/>
-            <a:ext cx="4015800" cy="2158560"/>
+            <a:off x="457200" y="3682080"/>
+            <a:ext cx="4015800" cy="1896840"/>
           </a:xfrm>
           <a:prstGeom prst="rect">
             <a:avLst/>
@@ -2002,18 +1987,15 @@
             <a:normAutofit/>
           </a:bodyPr>
           <a:p>
-            <a:endParaRPr b="0" lang="en-US" sz="1400" spc="-1" strike="noStrike">
-              <a:solidFill>
-                <a:srgbClr val="000000"/>
-              </a:solidFill>
-              <a:latin typeface="Arial"/>
-            </a:endParaRPr>
-          </a:p>
-        </p:txBody>
-      </p:sp>
-      <p:sp>
-        <p:nvSpPr>
-          <p:cNvPr id="33" name="PlaceHolder 5"/>
+            <a:endParaRPr b="0" lang="en-US" sz="3200" spc="-1" strike="noStrike">
+              <a:latin typeface="Arial"/>
+            </a:endParaRPr>
+          </a:p>
+        </p:txBody>
+      </p:sp>
+      <p:sp>
+        <p:nvSpPr>
+          <p:cNvPr id="30" name="PlaceHolder 5"/>
           <p:cNvSpPr>
             <a:spLocks noGrp="1"/>
           </p:cNvSpPr>
@@ -2023,8 +2005,8 @@
         </p:nvSpPr>
         <p:spPr>
           <a:xfrm>
-            <a:off x="4674240" y="3964320"/>
-            <a:ext cx="4015800" cy="2158560"/>
+            <a:off x="4674240" y="3682080"/>
+            <a:ext cx="4015800" cy="1896840"/>
           </a:xfrm>
           <a:prstGeom prst="rect">
             <a:avLst/>
@@ -2035,10 +2017,7 @@
             <a:normAutofit/>
           </a:bodyPr>
           <a:p>
-            <a:endParaRPr b="0" lang="en-US" sz="1400" spc="-1" strike="noStrike">
-              <a:solidFill>
-                <a:srgbClr val="000000"/>
-              </a:solidFill>
+            <a:endParaRPr b="0" lang="en-US" sz="3200" spc="-1" strike="noStrike">
               <a:latin typeface="Arial"/>
             </a:endParaRPr>
           </a:p>
@@ -2068,7 +2047,7 @@
       </p:grpSpPr>
       <p:sp>
         <p:nvSpPr>
-          <p:cNvPr id="34" name="PlaceHolder 1"/>
+          <p:cNvPr id="31" name="PlaceHolder 1"/>
           <p:cNvSpPr>
             <a:spLocks noGrp="1"/>
           </p:cNvSpPr>
@@ -2078,8 +2057,8 @@
         </p:nvSpPr>
         <p:spPr>
           <a:xfrm>
-            <a:off x="457200" y="274680"/>
-            <a:ext cx="8229240" cy="1142640"/>
+            <a:off x="457200" y="273600"/>
+            <a:ext cx="8229240" cy="1144800"/>
           </a:xfrm>
           <a:prstGeom prst="rect">
             <a:avLst/>
@@ -2088,18 +2067,16 @@
         <p:txBody>
           <a:bodyPr lIns="0" rIns="0" tIns="0" bIns="0" anchor="ctr"/>
           <a:p>
-            <a:endParaRPr b="0" lang="en-US" sz="1400" spc="-1" strike="noStrike">
-              <a:solidFill>
-                <a:srgbClr val="000000"/>
-              </a:solidFill>
-              <a:latin typeface="Arial"/>
-            </a:endParaRPr>
-          </a:p>
-        </p:txBody>
-      </p:sp>
-      <p:sp>
-        <p:nvSpPr>
-          <p:cNvPr id="35" name="PlaceHolder 2"/>
+            <a:pPr algn="ctr"/>
+            <a:endParaRPr b="0" lang="en-US" sz="4400" spc="-1" strike="noStrike">
+              <a:latin typeface="Arial"/>
+            </a:endParaRPr>
+          </a:p>
+        </p:txBody>
+      </p:sp>
+      <p:sp>
+        <p:nvSpPr>
+          <p:cNvPr id="32" name="PlaceHolder 2"/>
           <p:cNvSpPr>
             <a:spLocks noGrp="1"/>
           </p:cNvSpPr>
@@ -2109,8 +2086,8 @@
         </p:nvSpPr>
         <p:spPr>
           <a:xfrm>
-            <a:off x="457200" y="1600200"/>
-            <a:ext cx="2649600" cy="2158560"/>
+            <a:off x="457200" y="1604520"/>
+            <a:ext cx="2649600" cy="1896840"/>
           </a:xfrm>
           <a:prstGeom prst="rect">
             <a:avLst/>
@@ -2121,18 +2098,15 @@
             <a:normAutofit/>
           </a:bodyPr>
           <a:p>
-            <a:endParaRPr b="0" lang="en-US" sz="1400" spc="-1" strike="noStrike">
-              <a:solidFill>
-                <a:srgbClr val="000000"/>
-              </a:solidFill>
-              <a:latin typeface="Arial"/>
-            </a:endParaRPr>
-          </a:p>
-        </p:txBody>
-      </p:sp>
-      <p:sp>
-        <p:nvSpPr>
-          <p:cNvPr id="36" name="PlaceHolder 3"/>
+            <a:endParaRPr b="0" lang="en-US" sz="3200" spc="-1" strike="noStrike">
+              <a:latin typeface="Arial"/>
+            </a:endParaRPr>
+          </a:p>
+        </p:txBody>
+      </p:sp>
+      <p:sp>
+        <p:nvSpPr>
+          <p:cNvPr id="33" name="PlaceHolder 3"/>
           <p:cNvSpPr>
             <a:spLocks noGrp="1"/>
           </p:cNvSpPr>
@@ -2142,8 +2116,8 @@
         </p:nvSpPr>
         <p:spPr>
           <a:xfrm>
-            <a:off x="3239640" y="1600200"/>
-            <a:ext cx="2649600" cy="2158560"/>
+            <a:off x="3239640" y="1604520"/>
+            <a:ext cx="2649600" cy="1896840"/>
           </a:xfrm>
           <a:prstGeom prst="rect">
             <a:avLst/>
@@ -2154,18 +2128,15 @@
             <a:normAutofit/>
           </a:bodyPr>
           <a:p>
-            <a:endParaRPr b="0" lang="en-US" sz="1400" spc="-1" strike="noStrike">
-              <a:solidFill>
-                <a:srgbClr val="000000"/>
-              </a:solidFill>
-              <a:latin typeface="Arial"/>
-            </a:endParaRPr>
-          </a:p>
-        </p:txBody>
-      </p:sp>
-      <p:sp>
-        <p:nvSpPr>
-          <p:cNvPr id="37" name="PlaceHolder 4"/>
+            <a:endParaRPr b="0" lang="en-US" sz="3200" spc="-1" strike="noStrike">
+              <a:latin typeface="Arial"/>
+            </a:endParaRPr>
+          </a:p>
+        </p:txBody>
+      </p:sp>
+      <p:sp>
+        <p:nvSpPr>
+          <p:cNvPr id="34" name="PlaceHolder 4"/>
           <p:cNvSpPr>
             <a:spLocks noGrp="1"/>
           </p:cNvSpPr>
@@ -2175,8 +2146,8 @@
         </p:nvSpPr>
         <p:spPr>
           <a:xfrm>
-            <a:off x="6022080" y="1600200"/>
-            <a:ext cx="2649600" cy="2158560"/>
+            <a:off x="6022080" y="1604520"/>
+            <a:ext cx="2649600" cy="1896840"/>
           </a:xfrm>
           <a:prstGeom prst="rect">
             <a:avLst/>
@@ -2187,18 +2158,15 @@
             <a:normAutofit/>
           </a:bodyPr>
           <a:p>
-            <a:endParaRPr b="0" lang="en-US" sz="1400" spc="-1" strike="noStrike">
-              <a:solidFill>
-                <a:srgbClr val="000000"/>
-              </a:solidFill>
-              <a:latin typeface="Arial"/>
-            </a:endParaRPr>
-          </a:p>
-        </p:txBody>
-      </p:sp>
-      <p:sp>
-        <p:nvSpPr>
-          <p:cNvPr id="38" name="PlaceHolder 5"/>
+            <a:endParaRPr b="0" lang="en-US" sz="3200" spc="-1" strike="noStrike">
+              <a:latin typeface="Arial"/>
+            </a:endParaRPr>
+          </a:p>
+        </p:txBody>
+      </p:sp>
+      <p:sp>
+        <p:nvSpPr>
+          <p:cNvPr id="35" name="PlaceHolder 5"/>
           <p:cNvSpPr>
             <a:spLocks noGrp="1"/>
           </p:cNvSpPr>
@@ -2208,8 +2176,8 @@
         </p:nvSpPr>
         <p:spPr>
           <a:xfrm>
-            <a:off x="457200" y="3964320"/>
-            <a:ext cx="2649600" cy="2158560"/>
+            <a:off x="457200" y="3682080"/>
+            <a:ext cx="2649600" cy="1896840"/>
           </a:xfrm>
           <a:prstGeom prst="rect">
             <a:avLst/>
@@ -2220,18 +2188,15 @@
             <a:normAutofit/>
           </a:bodyPr>
           <a:p>
-            <a:endParaRPr b="0" lang="en-US" sz="1400" spc="-1" strike="noStrike">
-              <a:solidFill>
-                <a:srgbClr val="000000"/>
-              </a:solidFill>
-              <a:latin typeface="Arial"/>
-            </a:endParaRPr>
-          </a:p>
-        </p:txBody>
-      </p:sp>
-      <p:sp>
-        <p:nvSpPr>
-          <p:cNvPr id="39" name="PlaceHolder 6"/>
+            <a:endParaRPr b="0" lang="en-US" sz="3200" spc="-1" strike="noStrike">
+              <a:latin typeface="Arial"/>
+            </a:endParaRPr>
+          </a:p>
+        </p:txBody>
+      </p:sp>
+      <p:sp>
+        <p:nvSpPr>
+          <p:cNvPr id="36" name="PlaceHolder 6"/>
           <p:cNvSpPr>
             <a:spLocks noGrp="1"/>
           </p:cNvSpPr>
@@ -2241,8 +2206,8 @@
         </p:nvSpPr>
         <p:spPr>
           <a:xfrm>
-            <a:off x="3239640" y="3964320"/>
-            <a:ext cx="2649600" cy="2158560"/>
+            <a:off x="3239640" y="3682080"/>
+            <a:ext cx="2649600" cy="1896840"/>
           </a:xfrm>
           <a:prstGeom prst="rect">
             <a:avLst/>
@@ -2253,18 +2218,15 @@
             <a:normAutofit/>
           </a:bodyPr>
           <a:p>
-            <a:endParaRPr b="0" lang="en-US" sz="1400" spc="-1" strike="noStrike">
-              <a:solidFill>
-                <a:srgbClr val="000000"/>
-              </a:solidFill>
-              <a:latin typeface="Arial"/>
-            </a:endParaRPr>
-          </a:p>
-        </p:txBody>
-      </p:sp>
-      <p:sp>
-        <p:nvSpPr>
-          <p:cNvPr id="40" name="PlaceHolder 7"/>
+            <a:endParaRPr b="0" lang="en-US" sz="3200" spc="-1" strike="noStrike">
+              <a:latin typeface="Arial"/>
+            </a:endParaRPr>
+          </a:p>
+        </p:txBody>
+      </p:sp>
+      <p:sp>
+        <p:nvSpPr>
+          <p:cNvPr id="37" name="PlaceHolder 7"/>
           <p:cNvSpPr>
             <a:spLocks noGrp="1"/>
           </p:cNvSpPr>
@@ -2274,8 +2236,8 @@
         </p:nvSpPr>
         <p:spPr>
           <a:xfrm>
-            <a:off x="6022080" y="3964320"/>
-            <a:ext cx="2649600" cy="2158560"/>
+            <a:off x="6022080" y="3682080"/>
+            <a:ext cx="2649600" cy="1896840"/>
           </a:xfrm>
           <a:prstGeom prst="rect">
             <a:avLst/>
@@ -2286,10 +2248,7 @@
             <a:normAutofit/>
           </a:bodyPr>
           <a:p>
-            <a:endParaRPr b="0" lang="en-US" sz="1400" spc="-1" strike="noStrike">
-              <a:solidFill>
-                <a:srgbClr val="000000"/>
-              </a:solidFill>
+            <a:endParaRPr b="0" lang="en-US" sz="3200" spc="-1" strike="noStrike">
               <a:latin typeface="Arial"/>
             </a:endParaRPr>
           </a:p>
@@ -2341,7 +2300,7 @@
       </p:grpSpPr>
       <p:sp>
         <p:nvSpPr>
-          <p:cNvPr id="46" name="PlaceHolder 1"/>
+          <p:cNvPr id="40" name="PlaceHolder 1"/>
           <p:cNvSpPr>
             <a:spLocks noGrp="1"/>
           </p:cNvSpPr>
@@ -2351,8 +2310,8 @@
         </p:nvSpPr>
         <p:spPr>
           <a:xfrm>
-            <a:off x="457200" y="274680"/>
-            <a:ext cx="8229240" cy="1142640"/>
+            <a:off x="457200" y="273600"/>
+            <a:ext cx="8229240" cy="1144800"/>
           </a:xfrm>
           <a:prstGeom prst="rect">
             <a:avLst/>
@@ -2361,18 +2320,16 @@
         <p:txBody>
           <a:bodyPr lIns="0" rIns="0" tIns="0" bIns="0" anchor="ctr"/>
           <a:p>
-            <a:endParaRPr b="0" lang="en-US" sz="1400" spc="-1" strike="noStrike">
-              <a:solidFill>
-                <a:srgbClr val="000000"/>
-              </a:solidFill>
-              <a:latin typeface="Arial"/>
-            </a:endParaRPr>
-          </a:p>
-        </p:txBody>
-      </p:sp>
-      <p:sp>
-        <p:nvSpPr>
-          <p:cNvPr id="47" name="PlaceHolder 2"/>
+            <a:pPr algn="ctr"/>
+            <a:endParaRPr b="0" lang="en-US" sz="4400" spc="-1" strike="noStrike">
+              <a:latin typeface="Arial"/>
+            </a:endParaRPr>
+          </a:p>
+        </p:txBody>
+      </p:sp>
+      <p:sp>
+        <p:nvSpPr>
+          <p:cNvPr id="41" name="PlaceHolder 2"/>
           <p:cNvSpPr>
             <a:spLocks noGrp="1"/>
           </p:cNvSpPr>
@@ -2382,8 +2339,8 @@
         </p:nvSpPr>
         <p:spPr>
           <a:xfrm>
-            <a:off x="457200" y="1600200"/>
-            <a:ext cx="8229240" cy="4525560"/>
+            <a:off x="457200" y="1604520"/>
+            <a:ext cx="8229240" cy="3977280"/>
           </a:xfrm>
           <a:prstGeom prst="rect">
             <a:avLst/>
@@ -2423,7 +2380,7 @@
       </p:grpSpPr>
       <p:sp>
         <p:nvSpPr>
-          <p:cNvPr id="48" name="PlaceHolder 1"/>
+          <p:cNvPr id="42" name="PlaceHolder 1"/>
           <p:cNvSpPr>
             <a:spLocks noGrp="1"/>
           </p:cNvSpPr>
@@ -2433,8 +2390,8 @@
         </p:nvSpPr>
         <p:spPr>
           <a:xfrm>
-            <a:off x="457200" y="274680"/>
-            <a:ext cx="8229240" cy="1142640"/>
+            <a:off x="457200" y="273600"/>
+            <a:ext cx="8229240" cy="1144800"/>
           </a:xfrm>
           <a:prstGeom prst="rect">
             <a:avLst/>
@@ -2443,18 +2400,16 @@
         <p:txBody>
           <a:bodyPr lIns="0" rIns="0" tIns="0" bIns="0" anchor="ctr"/>
           <a:p>
-            <a:endParaRPr b="0" lang="en-US" sz="1400" spc="-1" strike="noStrike">
-              <a:solidFill>
-                <a:srgbClr val="000000"/>
-              </a:solidFill>
-              <a:latin typeface="Arial"/>
-            </a:endParaRPr>
-          </a:p>
-        </p:txBody>
-      </p:sp>
-      <p:sp>
-        <p:nvSpPr>
-          <p:cNvPr id="49" name="PlaceHolder 2"/>
+            <a:pPr algn="ctr"/>
+            <a:endParaRPr b="0" lang="en-US" sz="4400" spc="-1" strike="noStrike">
+              <a:latin typeface="Arial"/>
+            </a:endParaRPr>
+          </a:p>
+        </p:txBody>
+      </p:sp>
+      <p:sp>
+        <p:nvSpPr>
+          <p:cNvPr id="43" name="PlaceHolder 2"/>
           <p:cNvSpPr>
             <a:spLocks noGrp="1"/>
           </p:cNvSpPr>
@@ -2464,8 +2419,8 @@
         </p:nvSpPr>
         <p:spPr>
           <a:xfrm>
-            <a:off x="457200" y="1600200"/>
-            <a:ext cx="8229240" cy="4525560"/>
+            <a:off x="457200" y="1604520"/>
+            <a:ext cx="8229240" cy="3977280"/>
           </a:xfrm>
           <a:prstGeom prst="rect">
             <a:avLst/>
@@ -2476,10 +2431,7 @@
             <a:normAutofit/>
           </a:bodyPr>
           <a:p>
-            <a:endParaRPr b="0" lang="en-US" sz="1400" spc="-1" strike="noStrike">
-              <a:solidFill>
-                <a:srgbClr val="000000"/>
-              </a:solidFill>
+            <a:endParaRPr b="0" lang="en-US" sz="3200" spc="-1" strike="noStrike">
               <a:latin typeface="Arial"/>
             </a:endParaRPr>
           </a:p>
@@ -2509,7 +2461,7 @@
       </p:grpSpPr>
       <p:sp>
         <p:nvSpPr>
-          <p:cNvPr id="50" name="PlaceHolder 1"/>
+          <p:cNvPr id="44" name="PlaceHolder 1"/>
           <p:cNvSpPr>
             <a:spLocks noGrp="1"/>
           </p:cNvSpPr>
@@ -2519,8 +2471,8 @@
         </p:nvSpPr>
         <p:spPr>
           <a:xfrm>
-            <a:off x="457200" y="274680"/>
-            <a:ext cx="8229240" cy="1142640"/>
+            <a:off x="457200" y="273600"/>
+            <a:ext cx="8229240" cy="1144800"/>
           </a:xfrm>
           <a:prstGeom prst="rect">
             <a:avLst/>
@@ -2529,18 +2481,16 @@
         <p:txBody>
           <a:bodyPr lIns="0" rIns="0" tIns="0" bIns="0" anchor="ctr"/>
           <a:p>
-            <a:endParaRPr b="0" lang="en-US" sz="1400" spc="-1" strike="noStrike">
-              <a:solidFill>
-                <a:srgbClr val="000000"/>
-              </a:solidFill>
-              <a:latin typeface="Arial"/>
-            </a:endParaRPr>
-          </a:p>
-        </p:txBody>
-      </p:sp>
-      <p:sp>
-        <p:nvSpPr>
-          <p:cNvPr id="51" name="PlaceHolder 2"/>
+            <a:pPr algn="ctr"/>
+            <a:endParaRPr b="0" lang="en-US" sz="4400" spc="-1" strike="noStrike">
+              <a:latin typeface="Arial"/>
+            </a:endParaRPr>
+          </a:p>
+        </p:txBody>
+      </p:sp>
+      <p:sp>
+        <p:nvSpPr>
+          <p:cNvPr id="45" name="PlaceHolder 2"/>
           <p:cNvSpPr>
             <a:spLocks noGrp="1"/>
           </p:cNvSpPr>
@@ -2550,8 +2500,8 @@
         </p:nvSpPr>
         <p:spPr>
           <a:xfrm>
-            <a:off x="457200" y="1600200"/>
-            <a:ext cx="4015800" cy="4525560"/>
+            <a:off x="457200" y="1604520"/>
+            <a:ext cx="4015800" cy="3977280"/>
           </a:xfrm>
           <a:prstGeom prst="rect">
             <a:avLst/>
@@ -2562,18 +2512,15 @@
             <a:normAutofit/>
           </a:bodyPr>
           <a:p>
-            <a:endParaRPr b="0" lang="en-US" sz="1400" spc="-1" strike="noStrike">
-              <a:solidFill>
-                <a:srgbClr val="000000"/>
-              </a:solidFill>
-              <a:latin typeface="Arial"/>
-            </a:endParaRPr>
-          </a:p>
-        </p:txBody>
-      </p:sp>
-      <p:sp>
-        <p:nvSpPr>
-          <p:cNvPr id="52" name="PlaceHolder 3"/>
+            <a:endParaRPr b="0" lang="en-US" sz="3200" spc="-1" strike="noStrike">
+              <a:latin typeface="Arial"/>
+            </a:endParaRPr>
+          </a:p>
+        </p:txBody>
+      </p:sp>
+      <p:sp>
+        <p:nvSpPr>
+          <p:cNvPr id="46" name="PlaceHolder 3"/>
           <p:cNvSpPr>
             <a:spLocks noGrp="1"/>
           </p:cNvSpPr>
@@ -2583,8 +2530,8 @@
         </p:nvSpPr>
         <p:spPr>
           <a:xfrm>
-            <a:off x="4674240" y="1600200"/>
-            <a:ext cx="4015800" cy="4525560"/>
+            <a:off x="4674240" y="1604520"/>
+            <a:ext cx="4015800" cy="3977280"/>
           </a:xfrm>
           <a:prstGeom prst="rect">
             <a:avLst/>
@@ -2595,10 +2542,7 @@
             <a:normAutofit/>
           </a:bodyPr>
           <a:p>
-            <a:endParaRPr b="0" lang="en-US" sz="1400" spc="-1" strike="noStrike">
-              <a:solidFill>
-                <a:srgbClr val="000000"/>
-              </a:solidFill>
+            <a:endParaRPr b="0" lang="en-US" sz="3200" spc="-1" strike="noStrike">
               <a:latin typeface="Arial"/>
             </a:endParaRPr>
           </a:p>
@@ -2628,7 +2572,7 @@
       </p:grpSpPr>
       <p:sp>
         <p:nvSpPr>
-          <p:cNvPr id="53" name="PlaceHolder 1"/>
+          <p:cNvPr id="47" name="PlaceHolder 1"/>
           <p:cNvSpPr>
             <a:spLocks noGrp="1"/>
           </p:cNvSpPr>
@@ -2638,8 +2582,8 @@
         </p:nvSpPr>
         <p:spPr>
           <a:xfrm>
-            <a:off x="457200" y="274680"/>
-            <a:ext cx="8229240" cy="1142640"/>
+            <a:off x="457200" y="273600"/>
+            <a:ext cx="8229240" cy="1144800"/>
           </a:xfrm>
           <a:prstGeom prst="rect">
             <a:avLst/>
@@ -2648,10 +2592,8 @@
         <p:txBody>
           <a:bodyPr lIns="0" rIns="0" tIns="0" bIns="0" anchor="ctr"/>
           <a:p>
-            <a:endParaRPr b="0" lang="en-US" sz="1400" spc="-1" strike="noStrike">
-              <a:solidFill>
-                <a:srgbClr val="000000"/>
-              </a:solidFill>
+            <a:pPr algn="ctr"/>
+            <a:endParaRPr b="0" lang="en-US" sz="4400" spc="-1" strike="noStrike">
               <a:latin typeface="Arial"/>
             </a:endParaRPr>
           </a:p>
@@ -2681,7 +2623,7 @@
       </p:grpSpPr>
       <p:sp>
         <p:nvSpPr>
-          <p:cNvPr id="54" name="PlaceHolder 1"/>
+          <p:cNvPr id="48" name="PlaceHolder 1"/>
           <p:cNvSpPr>
             <a:spLocks noGrp="1"/>
           </p:cNvSpPr>
@@ -2691,8 +2633,8 @@
         </p:nvSpPr>
         <p:spPr>
           <a:xfrm>
-            <a:off x="457200" y="274680"/>
-            <a:ext cx="8229240" cy="5297760"/>
+            <a:off x="457200" y="273600"/>
+            <a:ext cx="8229240" cy="5307840"/>
           </a:xfrm>
           <a:prstGeom prst="rect">
             <a:avLst/>
@@ -2732,7 +2674,7 @@
       </p:grpSpPr>
       <p:sp>
         <p:nvSpPr>
-          <p:cNvPr id="55" name="PlaceHolder 1"/>
+          <p:cNvPr id="49" name="PlaceHolder 1"/>
           <p:cNvSpPr>
             <a:spLocks noGrp="1"/>
           </p:cNvSpPr>
@@ -2742,8 +2684,8 @@
         </p:nvSpPr>
         <p:spPr>
           <a:xfrm>
-            <a:off x="457200" y="274680"/>
-            <a:ext cx="8229240" cy="1142640"/>
+            <a:off x="457200" y="273600"/>
+            <a:ext cx="8229240" cy="1144800"/>
           </a:xfrm>
           <a:prstGeom prst="rect">
             <a:avLst/>
@@ -2752,18 +2694,16 @@
         <p:txBody>
           <a:bodyPr lIns="0" rIns="0" tIns="0" bIns="0" anchor="ctr"/>
           <a:p>
-            <a:endParaRPr b="0" lang="en-US" sz="1400" spc="-1" strike="noStrike">
-              <a:solidFill>
-                <a:srgbClr val="000000"/>
-              </a:solidFill>
-              <a:latin typeface="Arial"/>
-            </a:endParaRPr>
-          </a:p>
-        </p:txBody>
-      </p:sp>
-      <p:sp>
-        <p:nvSpPr>
-          <p:cNvPr id="56" name="PlaceHolder 2"/>
+            <a:pPr algn="ctr"/>
+            <a:endParaRPr b="0" lang="en-US" sz="4400" spc="-1" strike="noStrike">
+              <a:latin typeface="Arial"/>
+            </a:endParaRPr>
+          </a:p>
+        </p:txBody>
+      </p:sp>
+      <p:sp>
+        <p:nvSpPr>
+          <p:cNvPr id="50" name="PlaceHolder 2"/>
           <p:cNvSpPr>
             <a:spLocks noGrp="1"/>
           </p:cNvSpPr>
@@ -2773,8 +2713,8 @@
         </p:nvSpPr>
         <p:spPr>
           <a:xfrm>
-            <a:off x="457200" y="1600200"/>
-            <a:ext cx="4015800" cy="2158560"/>
+            <a:off x="457200" y="1604520"/>
+            <a:ext cx="4015800" cy="1896840"/>
           </a:xfrm>
           <a:prstGeom prst="rect">
             <a:avLst/>
@@ -2785,18 +2725,15 @@
             <a:normAutofit/>
           </a:bodyPr>
           <a:p>
-            <a:endParaRPr b="0" lang="en-US" sz="1400" spc="-1" strike="noStrike">
-              <a:solidFill>
-                <a:srgbClr val="000000"/>
-              </a:solidFill>
-              <a:latin typeface="Arial"/>
-            </a:endParaRPr>
-          </a:p>
-        </p:txBody>
-      </p:sp>
-      <p:sp>
-        <p:nvSpPr>
-          <p:cNvPr id="57" name="PlaceHolder 3"/>
+            <a:endParaRPr b="0" lang="en-US" sz="3200" spc="-1" strike="noStrike">
+              <a:latin typeface="Arial"/>
+            </a:endParaRPr>
+          </a:p>
+        </p:txBody>
+      </p:sp>
+      <p:sp>
+        <p:nvSpPr>
+          <p:cNvPr id="51" name="PlaceHolder 3"/>
           <p:cNvSpPr>
             <a:spLocks noGrp="1"/>
           </p:cNvSpPr>
@@ -2806,8 +2743,8 @@
         </p:nvSpPr>
         <p:spPr>
           <a:xfrm>
-            <a:off x="4674240" y="1600200"/>
-            <a:ext cx="4015800" cy="4525560"/>
+            <a:off x="4674240" y="1604520"/>
+            <a:ext cx="4015800" cy="3977280"/>
           </a:xfrm>
           <a:prstGeom prst="rect">
             <a:avLst/>
@@ -2818,18 +2755,15 @@
             <a:normAutofit/>
           </a:bodyPr>
           <a:p>
-            <a:endParaRPr b="0" lang="en-US" sz="1400" spc="-1" strike="noStrike">
-              <a:solidFill>
-                <a:srgbClr val="000000"/>
-              </a:solidFill>
-              <a:latin typeface="Arial"/>
-            </a:endParaRPr>
-          </a:p>
-        </p:txBody>
-      </p:sp>
-      <p:sp>
-        <p:nvSpPr>
-          <p:cNvPr id="58" name="PlaceHolder 4"/>
+            <a:endParaRPr b="0" lang="en-US" sz="3200" spc="-1" strike="noStrike">
+              <a:latin typeface="Arial"/>
+            </a:endParaRPr>
+          </a:p>
+        </p:txBody>
+      </p:sp>
+      <p:sp>
+        <p:nvSpPr>
+          <p:cNvPr id="52" name="PlaceHolder 4"/>
           <p:cNvSpPr>
             <a:spLocks noGrp="1"/>
           </p:cNvSpPr>
@@ -2839,8 +2773,8 @@
         </p:nvSpPr>
         <p:spPr>
           <a:xfrm>
-            <a:off x="457200" y="3964320"/>
-            <a:ext cx="4015800" cy="2158560"/>
+            <a:off x="457200" y="3682080"/>
+            <a:ext cx="4015800" cy="1896840"/>
           </a:xfrm>
           <a:prstGeom prst="rect">
             <a:avLst/>
@@ -2851,10 +2785,7 @@
             <a:normAutofit/>
           </a:bodyPr>
           <a:p>
-            <a:endParaRPr b="0" lang="en-US" sz="1400" spc="-1" strike="noStrike">
-              <a:solidFill>
-                <a:srgbClr val="000000"/>
-              </a:solidFill>
+            <a:endParaRPr b="0" lang="en-US" sz="3200" spc="-1" strike="noStrike">
               <a:latin typeface="Arial"/>
             </a:endParaRPr>
           </a:p>
@@ -2884,7 +2815,7 @@
       </p:grpSpPr>
       <p:sp>
         <p:nvSpPr>
-          <p:cNvPr id="5" name="PlaceHolder 1"/>
+          <p:cNvPr id="2" name="PlaceHolder 1"/>
           <p:cNvSpPr>
             <a:spLocks noGrp="1"/>
           </p:cNvSpPr>
@@ -2894,8 +2825,8 @@
         </p:nvSpPr>
         <p:spPr>
           <a:xfrm>
-            <a:off x="457200" y="274680"/>
-            <a:ext cx="8229240" cy="1142640"/>
+            <a:off x="457200" y="273600"/>
+            <a:ext cx="8229240" cy="1144800"/>
           </a:xfrm>
           <a:prstGeom prst="rect">
             <a:avLst/>
@@ -2904,18 +2835,16 @@
         <p:txBody>
           <a:bodyPr lIns="0" rIns="0" tIns="0" bIns="0" anchor="ctr"/>
           <a:p>
-            <a:endParaRPr b="0" lang="en-US" sz="1400" spc="-1" strike="noStrike">
-              <a:solidFill>
-                <a:srgbClr val="000000"/>
-              </a:solidFill>
-              <a:latin typeface="Arial"/>
-            </a:endParaRPr>
-          </a:p>
-        </p:txBody>
-      </p:sp>
-      <p:sp>
-        <p:nvSpPr>
-          <p:cNvPr id="6" name="PlaceHolder 2"/>
+            <a:pPr algn="ctr"/>
+            <a:endParaRPr b="0" lang="en-US" sz="4400" spc="-1" strike="noStrike">
+              <a:latin typeface="Arial"/>
+            </a:endParaRPr>
+          </a:p>
+        </p:txBody>
+      </p:sp>
+      <p:sp>
+        <p:nvSpPr>
+          <p:cNvPr id="3" name="PlaceHolder 2"/>
           <p:cNvSpPr>
             <a:spLocks noGrp="1"/>
           </p:cNvSpPr>
@@ -2925,8 +2854,8 @@
         </p:nvSpPr>
         <p:spPr>
           <a:xfrm>
-            <a:off x="457200" y="1600200"/>
-            <a:ext cx="8229240" cy="4525560"/>
+            <a:off x="457200" y="1604520"/>
+            <a:ext cx="8229240" cy="3977280"/>
           </a:xfrm>
           <a:prstGeom prst="rect">
             <a:avLst/>
@@ -2966,7 +2895,7 @@
       </p:grpSpPr>
       <p:sp>
         <p:nvSpPr>
-          <p:cNvPr id="59" name="PlaceHolder 1"/>
+          <p:cNvPr id="53" name="PlaceHolder 1"/>
           <p:cNvSpPr>
             <a:spLocks noGrp="1"/>
           </p:cNvSpPr>
@@ -2976,8 +2905,8 @@
         </p:nvSpPr>
         <p:spPr>
           <a:xfrm>
-            <a:off x="457200" y="274680"/>
-            <a:ext cx="8229240" cy="1142640"/>
+            <a:off x="457200" y="273600"/>
+            <a:ext cx="8229240" cy="1144800"/>
           </a:xfrm>
           <a:prstGeom prst="rect">
             <a:avLst/>
@@ -2986,18 +2915,16 @@
         <p:txBody>
           <a:bodyPr lIns="0" rIns="0" tIns="0" bIns="0" anchor="ctr"/>
           <a:p>
-            <a:endParaRPr b="0" lang="en-US" sz="1400" spc="-1" strike="noStrike">
-              <a:solidFill>
-                <a:srgbClr val="000000"/>
-              </a:solidFill>
-              <a:latin typeface="Arial"/>
-            </a:endParaRPr>
-          </a:p>
-        </p:txBody>
-      </p:sp>
-      <p:sp>
-        <p:nvSpPr>
-          <p:cNvPr id="60" name="PlaceHolder 2"/>
+            <a:pPr algn="ctr"/>
+            <a:endParaRPr b="0" lang="en-US" sz="4400" spc="-1" strike="noStrike">
+              <a:latin typeface="Arial"/>
+            </a:endParaRPr>
+          </a:p>
+        </p:txBody>
+      </p:sp>
+      <p:sp>
+        <p:nvSpPr>
+          <p:cNvPr id="54" name="PlaceHolder 2"/>
           <p:cNvSpPr>
             <a:spLocks noGrp="1"/>
           </p:cNvSpPr>
@@ -3007,8 +2934,8 @@
         </p:nvSpPr>
         <p:spPr>
           <a:xfrm>
-            <a:off x="457200" y="1600200"/>
-            <a:ext cx="4015800" cy="4525560"/>
+            <a:off x="457200" y="1604520"/>
+            <a:ext cx="4015800" cy="3977280"/>
           </a:xfrm>
           <a:prstGeom prst="rect">
             <a:avLst/>
@@ -3019,18 +2946,15 @@
             <a:normAutofit/>
           </a:bodyPr>
           <a:p>
-            <a:endParaRPr b="0" lang="en-US" sz="1400" spc="-1" strike="noStrike">
-              <a:solidFill>
-                <a:srgbClr val="000000"/>
-              </a:solidFill>
-              <a:latin typeface="Arial"/>
-            </a:endParaRPr>
-          </a:p>
-        </p:txBody>
-      </p:sp>
-      <p:sp>
-        <p:nvSpPr>
-          <p:cNvPr id="61" name="PlaceHolder 3"/>
+            <a:endParaRPr b="0" lang="en-US" sz="3200" spc="-1" strike="noStrike">
+              <a:latin typeface="Arial"/>
+            </a:endParaRPr>
+          </a:p>
+        </p:txBody>
+      </p:sp>
+      <p:sp>
+        <p:nvSpPr>
+          <p:cNvPr id="55" name="PlaceHolder 3"/>
           <p:cNvSpPr>
             <a:spLocks noGrp="1"/>
           </p:cNvSpPr>
@@ -3040,8 +2964,8 @@
         </p:nvSpPr>
         <p:spPr>
           <a:xfrm>
-            <a:off x="4674240" y="1600200"/>
-            <a:ext cx="4015800" cy="2158560"/>
+            <a:off x="4674240" y="1604520"/>
+            <a:ext cx="4015800" cy="1896840"/>
           </a:xfrm>
           <a:prstGeom prst="rect">
             <a:avLst/>
@@ -3052,18 +2976,15 @@
             <a:normAutofit/>
           </a:bodyPr>
           <a:p>
-            <a:endParaRPr b="0" lang="en-US" sz="1400" spc="-1" strike="noStrike">
-              <a:solidFill>
-                <a:srgbClr val="000000"/>
-              </a:solidFill>
-              <a:latin typeface="Arial"/>
-            </a:endParaRPr>
-          </a:p>
-        </p:txBody>
-      </p:sp>
-      <p:sp>
-        <p:nvSpPr>
-          <p:cNvPr id="62" name="PlaceHolder 4"/>
+            <a:endParaRPr b="0" lang="en-US" sz="3200" spc="-1" strike="noStrike">
+              <a:latin typeface="Arial"/>
+            </a:endParaRPr>
+          </a:p>
+        </p:txBody>
+      </p:sp>
+      <p:sp>
+        <p:nvSpPr>
+          <p:cNvPr id="56" name="PlaceHolder 4"/>
           <p:cNvSpPr>
             <a:spLocks noGrp="1"/>
           </p:cNvSpPr>
@@ -3073,8 +2994,8 @@
         </p:nvSpPr>
         <p:spPr>
           <a:xfrm>
-            <a:off x="4674240" y="3964320"/>
-            <a:ext cx="4015800" cy="2158560"/>
+            <a:off x="4674240" y="3682080"/>
+            <a:ext cx="4015800" cy="1896840"/>
           </a:xfrm>
           <a:prstGeom prst="rect">
             <a:avLst/>
@@ -3085,10 +3006,7 @@
             <a:normAutofit/>
           </a:bodyPr>
           <a:p>
-            <a:endParaRPr b="0" lang="en-US" sz="1400" spc="-1" strike="noStrike">
-              <a:solidFill>
-                <a:srgbClr val="000000"/>
-              </a:solidFill>
+            <a:endParaRPr b="0" lang="en-US" sz="3200" spc="-1" strike="noStrike">
               <a:latin typeface="Arial"/>
             </a:endParaRPr>
           </a:p>
@@ -3118,7 +3036,7 @@
       </p:grpSpPr>
       <p:sp>
         <p:nvSpPr>
-          <p:cNvPr id="63" name="PlaceHolder 1"/>
+          <p:cNvPr id="57" name="PlaceHolder 1"/>
           <p:cNvSpPr>
             <a:spLocks noGrp="1"/>
           </p:cNvSpPr>
@@ -3128,8 +3046,8 @@
         </p:nvSpPr>
         <p:spPr>
           <a:xfrm>
-            <a:off x="457200" y="274680"/>
-            <a:ext cx="8229240" cy="1142640"/>
+            <a:off x="457200" y="273600"/>
+            <a:ext cx="8229240" cy="1144800"/>
           </a:xfrm>
           <a:prstGeom prst="rect">
             <a:avLst/>
@@ -3138,18 +3056,16 @@
         <p:txBody>
           <a:bodyPr lIns="0" rIns="0" tIns="0" bIns="0" anchor="ctr"/>
           <a:p>
-            <a:endParaRPr b="0" lang="en-US" sz="1400" spc="-1" strike="noStrike">
-              <a:solidFill>
-                <a:srgbClr val="000000"/>
-              </a:solidFill>
-              <a:latin typeface="Arial"/>
-            </a:endParaRPr>
-          </a:p>
-        </p:txBody>
-      </p:sp>
-      <p:sp>
-        <p:nvSpPr>
-          <p:cNvPr id="64" name="PlaceHolder 2"/>
+            <a:pPr algn="ctr"/>
+            <a:endParaRPr b="0" lang="en-US" sz="4400" spc="-1" strike="noStrike">
+              <a:latin typeface="Arial"/>
+            </a:endParaRPr>
+          </a:p>
+        </p:txBody>
+      </p:sp>
+      <p:sp>
+        <p:nvSpPr>
+          <p:cNvPr id="58" name="PlaceHolder 2"/>
           <p:cNvSpPr>
             <a:spLocks noGrp="1"/>
           </p:cNvSpPr>
@@ -3159,8 +3075,8 @@
         </p:nvSpPr>
         <p:spPr>
           <a:xfrm>
-            <a:off x="457200" y="1600200"/>
-            <a:ext cx="4015800" cy="2158560"/>
+            <a:off x="457200" y="1604520"/>
+            <a:ext cx="4015800" cy="1896840"/>
           </a:xfrm>
           <a:prstGeom prst="rect">
             <a:avLst/>
@@ -3171,18 +3087,15 @@
             <a:normAutofit/>
           </a:bodyPr>
           <a:p>
-            <a:endParaRPr b="0" lang="en-US" sz="1400" spc="-1" strike="noStrike">
-              <a:solidFill>
-                <a:srgbClr val="000000"/>
-              </a:solidFill>
-              <a:latin typeface="Arial"/>
-            </a:endParaRPr>
-          </a:p>
-        </p:txBody>
-      </p:sp>
-      <p:sp>
-        <p:nvSpPr>
-          <p:cNvPr id="65" name="PlaceHolder 3"/>
+            <a:endParaRPr b="0" lang="en-US" sz="3200" spc="-1" strike="noStrike">
+              <a:latin typeface="Arial"/>
+            </a:endParaRPr>
+          </a:p>
+        </p:txBody>
+      </p:sp>
+      <p:sp>
+        <p:nvSpPr>
+          <p:cNvPr id="59" name="PlaceHolder 3"/>
           <p:cNvSpPr>
             <a:spLocks noGrp="1"/>
           </p:cNvSpPr>
@@ -3192,8 +3105,8 @@
         </p:nvSpPr>
         <p:spPr>
           <a:xfrm>
-            <a:off x="4674240" y="1600200"/>
-            <a:ext cx="4015800" cy="2158560"/>
+            <a:off x="4674240" y="1604520"/>
+            <a:ext cx="4015800" cy="1896840"/>
           </a:xfrm>
           <a:prstGeom prst="rect">
             <a:avLst/>
@@ -3204,18 +3117,15 @@
             <a:normAutofit/>
           </a:bodyPr>
           <a:p>
-            <a:endParaRPr b="0" lang="en-US" sz="1400" spc="-1" strike="noStrike">
-              <a:solidFill>
-                <a:srgbClr val="000000"/>
-              </a:solidFill>
-              <a:latin typeface="Arial"/>
-            </a:endParaRPr>
-          </a:p>
-        </p:txBody>
-      </p:sp>
-      <p:sp>
-        <p:nvSpPr>
-          <p:cNvPr id="66" name="PlaceHolder 4"/>
+            <a:endParaRPr b="0" lang="en-US" sz="3200" spc="-1" strike="noStrike">
+              <a:latin typeface="Arial"/>
+            </a:endParaRPr>
+          </a:p>
+        </p:txBody>
+      </p:sp>
+      <p:sp>
+        <p:nvSpPr>
+          <p:cNvPr id="60" name="PlaceHolder 4"/>
           <p:cNvSpPr>
             <a:spLocks noGrp="1"/>
           </p:cNvSpPr>
@@ -3225,8 +3135,8 @@
         </p:nvSpPr>
         <p:spPr>
           <a:xfrm>
-            <a:off x="457200" y="3964320"/>
-            <a:ext cx="8229240" cy="2158560"/>
+            <a:off x="457200" y="3682080"/>
+            <a:ext cx="8229240" cy="1896840"/>
           </a:xfrm>
           <a:prstGeom prst="rect">
             <a:avLst/>
@@ -3237,10 +3147,7 @@
             <a:normAutofit/>
           </a:bodyPr>
           <a:p>
-            <a:endParaRPr b="0" lang="en-US" sz="1400" spc="-1" strike="noStrike">
-              <a:solidFill>
-                <a:srgbClr val="000000"/>
-              </a:solidFill>
+            <a:endParaRPr b="0" lang="en-US" sz="3200" spc="-1" strike="noStrike">
               <a:latin typeface="Arial"/>
             </a:endParaRPr>
           </a:p>
@@ -3270,7 +3177,7 @@
       </p:grpSpPr>
       <p:sp>
         <p:nvSpPr>
-          <p:cNvPr id="67" name="PlaceHolder 1"/>
+          <p:cNvPr id="61" name="PlaceHolder 1"/>
           <p:cNvSpPr>
             <a:spLocks noGrp="1"/>
           </p:cNvSpPr>
@@ -3280,8 +3187,8 @@
         </p:nvSpPr>
         <p:spPr>
           <a:xfrm>
-            <a:off x="457200" y="274680"/>
-            <a:ext cx="8229240" cy="1142640"/>
+            <a:off x="457200" y="273600"/>
+            <a:ext cx="8229240" cy="1144800"/>
           </a:xfrm>
           <a:prstGeom prst="rect">
             <a:avLst/>
@@ -3290,18 +3197,16 @@
         <p:txBody>
           <a:bodyPr lIns="0" rIns="0" tIns="0" bIns="0" anchor="ctr"/>
           <a:p>
-            <a:endParaRPr b="0" lang="en-US" sz="1400" spc="-1" strike="noStrike">
-              <a:solidFill>
-                <a:srgbClr val="000000"/>
-              </a:solidFill>
-              <a:latin typeface="Arial"/>
-            </a:endParaRPr>
-          </a:p>
-        </p:txBody>
-      </p:sp>
-      <p:sp>
-        <p:nvSpPr>
-          <p:cNvPr id="68" name="PlaceHolder 2"/>
+            <a:pPr algn="ctr"/>
+            <a:endParaRPr b="0" lang="en-US" sz="4400" spc="-1" strike="noStrike">
+              <a:latin typeface="Arial"/>
+            </a:endParaRPr>
+          </a:p>
+        </p:txBody>
+      </p:sp>
+      <p:sp>
+        <p:nvSpPr>
+          <p:cNvPr id="62" name="PlaceHolder 2"/>
           <p:cNvSpPr>
             <a:spLocks noGrp="1"/>
           </p:cNvSpPr>
@@ -3311,8 +3216,8 @@
         </p:nvSpPr>
         <p:spPr>
           <a:xfrm>
-            <a:off x="457200" y="1600200"/>
-            <a:ext cx="8229240" cy="2158560"/>
+            <a:off x="457200" y="1604520"/>
+            <a:ext cx="8229240" cy="1896840"/>
           </a:xfrm>
           <a:prstGeom prst="rect">
             <a:avLst/>
@@ -3323,18 +3228,15 @@
             <a:normAutofit/>
           </a:bodyPr>
           <a:p>
-            <a:endParaRPr b="0" lang="en-US" sz="1400" spc="-1" strike="noStrike">
-              <a:solidFill>
-                <a:srgbClr val="000000"/>
-              </a:solidFill>
-              <a:latin typeface="Arial"/>
-            </a:endParaRPr>
-          </a:p>
-        </p:txBody>
-      </p:sp>
-      <p:sp>
-        <p:nvSpPr>
-          <p:cNvPr id="69" name="PlaceHolder 3"/>
+            <a:endParaRPr b="0" lang="en-US" sz="3200" spc="-1" strike="noStrike">
+              <a:latin typeface="Arial"/>
+            </a:endParaRPr>
+          </a:p>
+        </p:txBody>
+      </p:sp>
+      <p:sp>
+        <p:nvSpPr>
+          <p:cNvPr id="63" name="PlaceHolder 3"/>
           <p:cNvSpPr>
             <a:spLocks noGrp="1"/>
           </p:cNvSpPr>
@@ -3344,8 +3246,8 @@
         </p:nvSpPr>
         <p:spPr>
           <a:xfrm>
-            <a:off x="457200" y="3964320"/>
-            <a:ext cx="8229240" cy="2158560"/>
+            <a:off x="457200" y="3682080"/>
+            <a:ext cx="8229240" cy="1896840"/>
           </a:xfrm>
           <a:prstGeom prst="rect">
             <a:avLst/>
@@ -3356,10 +3258,7 @@
             <a:normAutofit/>
           </a:bodyPr>
           <a:p>
-            <a:endParaRPr b="0" lang="en-US" sz="1400" spc="-1" strike="noStrike">
-              <a:solidFill>
-                <a:srgbClr val="000000"/>
-              </a:solidFill>
+            <a:endParaRPr b="0" lang="en-US" sz="3200" spc="-1" strike="noStrike">
               <a:latin typeface="Arial"/>
             </a:endParaRPr>
           </a:p>
@@ -3389,7 +3288,7 @@
       </p:grpSpPr>
       <p:sp>
         <p:nvSpPr>
-          <p:cNvPr id="70" name="PlaceHolder 1"/>
+          <p:cNvPr id="64" name="PlaceHolder 1"/>
           <p:cNvSpPr>
             <a:spLocks noGrp="1"/>
           </p:cNvSpPr>
@@ -3399,8 +3298,8 @@
         </p:nvSpPr>
         <p:spPr>
           <a:xfrm>
-            <a:off x="457200" y="274680"/>
-            <a:ext cx="8229240" cy="1142640"/>
+            <a:off x="457200" y="273600"/>
+            <a:ext cx="8229240" cy="1144800"/>
           </a:xfrm>
           <a:prstGeom prst="rect">
             <a:avLst/>
@@ -3409,18 +3308,16 @@
         <p:txBody>
           <a:bodyPr lIns="0" rIns="0" tIns="0" bIns="0" anchor="ctr"/>
           <a:p>
-            <a:endParaRPr b="0" lang="en-US" sz="1400" spc="-1" strike="noStrike">
-              <a:solidFill>
-                <a:srgbClr val="000000"/>
-              </a:solidFill>
-              <a:latin typeface="Arial"/>
-            </a:endParaRPr>
-          </a:p>
-        </p:txBody>
-      </p:sp>
-      <p:sp>
-        <p:nvSpPr>
-          <p:cNvPr id="71" name="PlaceHolder 2"/>
+            <a:pPr algn="ctr"/>
+            <a:endParaRPr b="0" lang="en-US" sz="4400" spc="-1" strike="noStrike">
+              <a:latin typeface="Arial"/>
+            </a:endParaRPr>
+          </a:p>
+        </p:txBody>
+      </p:sp>
+      <p:sp>
+        <p:nvSpPr>
+          <p:cNvPr id="65" name="PlaceHolder 2"/>
           <p:cNvSpPr>
             <a:spLocks noGrp="1"/>
           </p:cNvSpPr>
@@ -3430,8 +3327,8 @@
         </p:nvSpPr>
         <p:spPr>
           <a:xfrm>
-            <a:off x="457200" y="1600200"/>
-            <a:ext cx="4015800" cy="2158560"/>
+            <a:off x="457200" y="1604520"/>
+            <a:ext cx="4015800" cy="1896840"/>
           </a:xfrm>
           <a:prstGeom prst="rect">
             <a:avLst/>
@@ -3442,18 +3339,15 @@
             <a:normAutofit/>
           </a:bodyPr>
           <a:p>
-            <a:endParaRPr b="0" lang="en-US" sz="1400" spc="-1" strike="noStrike">
-              <a:solidFill>
-                <a:srgbClr val="000000"/>
-              </a:solidFill>
-              <a:latin typeface="Arial"/>
-            </a:endParaRPr>
-          </a:p>
-        </p:txBody>
-      </p:sp>
-      <p:sp>
-        <p:nvSpPr>
-          <p:cNvPr id="72" name="PlaceHolder 3"/>
+            <a:endParaRPr b="0" lang="en-US" sz="3200" spc="-1" strike="noStrike">
+              <a:latin typeface="Arial"/>
+            </a:endParaRPr>
+          </a:p>
+        </p:txBody>
+      </p:sp>
+      <p:sp>
+        <p:nvSpPr>
+          <p:cNvPr id="66" name="PlaceHolder 3"/>
           <p:cNvSpPr>
             <a:spLocks noGrp="1"/>
           </p:cNvSpPr>
@@ -3463,8 +3357,8 @@
         </p:nvSpPr>
         <p:spPr>
           <a:xfrm>
-            <a:off x="4674240" y="1600200"/>
-            <a:ext cx="4015800" cy="2158560"/>
+            <a:off x="4674240" y="1604520"/>
+            <a:ext cx="4015800" cy="1896840"/>
           </a:xfrm>
           <a:prstGeom prst="rect">
             <a:avLst/>
@@ -3475,18 +3369,15 @@
             <a:normAutofit/>
           </a:bodyPr>
           <a:p>
-            <a:endParaRPr b="0" lang="en-US" sz="1400" spc="-1" strike="noStrike">
-              <a:solidFill>
-                <a:srgbClr val="000000"/>
-              </a:solidFill>
-              <a:latin typeface="Arial"/>
-            </a:endParaRPr>
-          </a:p>
-        </p:txBody>
-      </p:sp>
-      <p:sp>
-        <p:nvSpPr>
-          <p:cNvPr id="73" name="PlaceHolder 4"/>
+            <a:endParaRPr b="0" lang="en-US" sz="3200" spc="-1" strike="noStrike">
+              <a:latin typeface="Arial"/>
+            </a:endParaRPr>
+          </a:p>
+        </p:txBody>
+      </p:sp>
+      <p:sp>
+        <p:nvSpPr>
+          <p:cNvPr id="67" name="PlaceHolder 4"/>
           <p:cNvSpPr>
             <a:spLocks noGrp="1"/>
           </p:cNvSpPr>
@@ -3496,8 +3387,8 @@
         </p:nvSpPr>
         <p:spPr>
           <a:xfrm>
-            <a:off x="457200" y="3964320"/>
-            <a:ext cx="4015800" cy="2158560"/>
+            <a:off x="457200" y="3682080"/>
+            <a:ext cx="4015800" cy="1896840"/>
           </a:xfrm>
           <a:prstGeom prst="rect">
             <a:avLst/>
@@ -3508,18 +3399,15 @@
             <a:normAutofit/>
           </a:bodyPr>
           <a:p>
-            <a:endParaRPr b="0" lang="en-US" sz="1400" spc="-1" strike="noStrike">
-              <a:solidFill>
-                <a:srgbClr val="000000"/>
-              </a:solidFill>
-              <a:latin typeface="Arial"/>
-            </a:endParaRPr>
-          </a:p>
-        </p:txBody>
-      </p:sp>
-      <p:sp>
-        <p:nvSpPr>
-          <p:cNvPr id="74" name="PlaceHolder 5"/>
+            <a:endParaRPr b="0" lang="en-US" sz="3200" spc="-1" strike="noStrike">
+              <a:latin typeface="Arial"/>
+            </a:endParaRPr>
+          </a:p>
+        </p:txBody>
+      </p:sp>
+      <p:sp>
+        <p:nvSpPr>
+          <p:cNvPr id="68" name="PlaceHolder 5"/>
           <p:cNvSpPr>
             <a:spLocks noGrp="1"/>
           </p:cNvSpPr>
@@ -3529,8 +3417,8 @@
         </p:nvSpPr>
         <p:spPr>
           <a:xfrm>
-            <a:off x="4674240" y="3964320"/>
-            <a:ext cx="4015800" cy="2158560"/>
+            <a:off x="4674240" y="3682080"/>
+            <a:ext cx="4015800" cy="1896840"/>
           </a:xfrm>
           <a:prstGeom prst="rect">
             <a:avLst/>
@@ -3541,10 +3429,7 @@
             <a:normAutofit/>
           </a:bodyPr>
           <a:p>
-            <a:endParaRPr b="0" lang="en-US" sz="1400" spc="-1" strike="noStrike">
-              <a:solidFill>
-                <a:srgbClr val="000000"/>
-              </a:solidFill>
+            <a:endParaRPr b="0" lang="en-US" sz="3200" spc="-1" strike="noStrike">
               <a:latin typeface="Arial"/>
             </a:endParaRPr>
           </a:p>
@@ -3574,7 +3459,7 @@
       </p:grpSpPr>
       <p:sp>
         <p:nvSpPr>
-          <p:cNvPr id="75" name="PlaceHolder 1"/>
+          <p:cNvPr id="69" name="PlaceHolder 1"/>
           <p:cNvSpPr>
             <a:spLocks noGrp="1"/>
           </p:cNvSpPr>
@@ -3584,8 +3469,8 @@
         </p:nvSpPr>
         <p:spPr>
           <a:xfrm>
-            <a:off x="457200" y="274680"/>
-            <a:ext cx="8229240" cy="1142640"/>
+            <a:off x="457200" y="273600"/>
+            <a:ext cx="8229240" cy="1144800"/>
           </a:xfrm>
           <a:prstGeom prst="rect">
             <a:avLst/>
@@ -3594,18 +3479,16 @@
         <p:txBody>
           <a:bodyPr lIns="0" rIns="0" tIns="0" bIns="0" anchor="ctr"/>
           <a:p>
-            <a:endParaRPr b="0" lang="en-US" sz="1400" spc="-1" strike="noStrike">
-              <a:solidFill>
-                <a:srgbClr val="000000"/>
-              </a:solidFill>
-              <a:latin typeface="Arial"/>
-            </a:endParaRPr>
-          </a:p>
-        </p:txBody>
-      </p:sp>
-      <p:sp>
-        <p:nvSpPr>
-          <p:cNvPr id="76" name="PlaceHolder 2"/>
+            <a:pPr algn="ctr"/>
+            <a:endParaRPr b="0" lang="en-US" sz="4400" spc="-1" strike="noStrike">
+              <a:latin typeface="Arial"/>
+            </a:endParaRPr>
+          </a:p>
+        </p:txBody>
+      </p:sp>
+      <p:sp>
+        <p:nvSpPr>
+          <p:cNvPr id="70" name="PlaceHolder 2"/>
           <p:cNvSpPr>
             <a:spLocks noGrp="1"/>
           </p:cNvSpPr>
@@ -3615,8 +3498,8 @@
         </p:nvSpPr>
         <p:spPr>
           <a:xfrm>
-            <a:off x="457200" y="1600200"/>
-            <a:ext cx="2649600" cy="2158560"/>
+            <a:off x="457200" y="1604520"/>
+            <a:ext cx="2649600" cy="1896840"/>
           </a:xfrm>
           <a:prstGeom prst="rect">
             <a:avLst/>
@@ -3627,18 +3510,15 @@
             <a:normAutofit/>
           </a:bodyPr>
           <a:p>
-            <a:endParaRPr b="0" lang="en-US" sz="1400" spc="-1" strike="noStrike">
-              <a:solidFill>
-                <a:srgbClr val="000000"/>
-              </a:solidFill>
-              <a:latin typeface="Arial"/>
-            </a:endParaRPr>
-          </a:p>
-        </p:txBody>
-      </p:sp>
-      <p:sp>
-        <p:nvSpPr>
-          <p:cNvPr id="77" name="PlaceHolder 3"/>
+            <a:endParaRPr b="0" lang="en-US" sz="3200" spc="-1" strike="noStrike">
+              <a:latin typeface="Arial"/>
+            </a:endParaRPr>
+          </a:p>
+        </p:txBody>
+      </p:sp>
+      <p:sp>
+        <p:nvSpPr>
+          <p:cNvPr id="71" name="PlaceHolder 3"/>
           <p:cNvSpPr>
             <a:spLocks noGrp="1"/>
           </p:cNvSpPr>
@@ -3648,8 +3528,8 @@
         </p:nvSpPr>
         <p:spPr>
           <a:xfrm>
-            <a:off x="3239640" y="1600200"/>
-            <a:ext cx="2649600" cy="2158560"/>
+            <a:off x="3239640" y="1604520"/>
+            <a:ext cx="2649600" cy="1896840"/>
           </a:xfrm>
           <a:prstGeom prst="rect">
             <a:avLst/>
@@ -3660,18 +3540,15 @@
             <a:normAutofit/>
           </a:bodyPr>
           <a:p>
-            <a:endParaRPr b="0" lang="en-US" sz="1400" spc="-1" strike="noStrike">
-              <a:solidFill>
-                <a:srgbClr val="000000"/>
-              </a:solidFill>
-              <a:latin typeface="Arial"/>
-            </a:endParaRPr>
-          </a:p>
-        </p:txBody>
-      </p:sp>
-      <p:sp>
-        <p:nvSpPr>
-          <p:cNvPr id="78" name="PlaceHolder 4"/>
+            <a:endParaRPr b="0" lang="en-US" sz="3200" spc="-1" strike="noStrike">
+              <a:latin typeface="Arial"/>
+            </a:endParaRPr>
+          </a:p>
+        </p:txBody>
+      </p:sp>
+      <p:sp>
+        <p:nvSpPr>
+          <p:cNvPr id="72" name="PlaceHolder 4"/>
           <p:cNvSpPr>
             <a:spLocks noGrp="1"/>
           </p:cNvSpPr>
@@ -3681,8 +3558,8 @@
         </p:nvSpPr>
         <p:spPr>
           <a:xfrm>
-            <a:off x="6022080" y="1600200"/>
-            <a:ext cx="2649600" cy="2158560"/>
+            <a:off x="6022080" y="1604520"/>
+            <a:ext cx="2649600" cy="1896840"/>
           </a:xfrm>
           <a:prstGeom prst="rect">
             <a:avLst/>
@@ -3693,18 +3570,15 @@
             <a:normAutofit/>
           </a:bodyPr>
           <a:p>
-            <a:endParaRPr b="0" lang="en-US" sz="1400" spc="-1" strike="noStrike">
-              <a:solidFill>
-                <a:srgbClr val="000000"/>
-              </a:solidFill>
-              <a:latin typeface="Arial"/>
-            </a:endParaRPr>
-          </a:p>
-        </p:txBody>
-      </p:sp>
-      <p:sp>
-        <p:nvSpPr>
-          <p:cNvPr id="79" name="PlaceHolder 5"/>
+            <a:endParaRPr b="0" lang="en-US" sz="3200" spc="-1" strike="noStrike">
+              <a:latin typeface="Arial"/>
+            </a:endParaRPr>
+          </a:p>
+        </p:txBody>
+      </p:sp>
+      <p:sp>
+        <p:nvSpPr>
+          <p:cNvPr id="73" name="PlaceHolder 5"/>
           <p:cNvSpPr>
             <a:spLocks noGrp="1"/>
           </p:cNvSpPr>
@@ -3714,8 +3588,8 @@
         </p:nvSpPr>
         <p:spPr>
           <a:xfrm>
-            <a:off x="457200" y="3964320"/>
-            <a:ext cx="2649600" cy="2158560"/>
+            <a:off x="457200" y="3682080"/>
+            <a:ext cx="2649600" cy="1896840"/>
           </a:xfrm>
           <a:prstGeom prst="rect">
             <a:avLst/>
@@ -3726,18 +3600,15 @@
             <a:normAutofit/>
           </a:bodyPr>
           <a:p>
-            <a:endParaRPr b="0" lang="en-US" sz="1400" spc="-1" strike="noStrike">
-              <a:solidFill>
-                <a:srgbClr val="000000"/>
-              </a:solidFill>
-              <a:latin typeface="Arial"/>
-            </a:endParaRPr>
-          </a:p>
-        </p:txBody>
-      </p:sp>
-      <p:sp>
-        <p:nvSpPr>
-          <p:cNvPr id="80" name="PlaceHolder 6"/>
+            <a:endParaRPr b="0" lang="en-US" sz="3200" spc="-1" strike="noStrike">
+              <a:latin typeface="Arial"/>
+            </a:endParaRPr>
+          </a:p>
+        </p:txBody>
+      </p:sp>
+      <p:sp>
+        <p:nvSpPr>
+          <p:cNvPr id="74" name="PlaceHolder 6"/>
           <p:cNvSpPr>
             <a:spLocks noGrp="1"/>
           </p:cNvSpPr>
@@ -3747,8 +3618,8 @@
         </p:nvSpPr>
         <p:spPr>
           <a:xfrm>
-            <a:off x="3239640" y="3964320"/>
-            <a:ext cx="2649600" cy="2158560"/>
+            <a:off x="3239640" y="3682080"/>
+            <a:ext cx="2649600" cy="1896840"/>
           </a:xfrm>
           <a:prstGeom prst="rect">
             <a:avLst/>
@@ -3759,18 +3630,15 @@
             <a:normAutofit/>
           </a:bodyPr>
           <a:p>
-            <a:endParaRPr b="0" lang="en-US" sz="1400" spc="-1" strike="noStrike">
-              <a:solidFill>
-                <a:srgbClr val="000000"/>
-              </a:solidFill>
-              <a:latin typeface="Arial"/>
-            </a:endParaRPr>
-          </a:p>
-        </p:txBody>
-      </p:sp>
-      <p:sp>
-        <p:nvSpPr>
-          <p:cNvPr id="81" name="PlaceHolder 7"/>
+            <a:endParaRPr b="0" lang="en-US" sz="3200" spc="-1" strike="noStrike">
+              <a:latin typeface="Arial"/>
+            </a:endParaRPr>
+          </a:p>
+        </p:txBody>
+      </p:sp>
+      <p:sp>
+        <p:nvSpPr>
+          <p:cNvPr id="75" name="PlaceHolder 7"/>
           <p:cNvSpPr>
             <a:spLocks noGrp="1"/>
           </p:cNvSpPr>
@@ -3780,8 +3648,8 @@
         </p:nvSpPr>
         <p:spPr>
           <a:xfrm>
-            <a:off x="6022080" y="3964320"/>
-            <a:ext cx="2649600" cy="2158560"/>
+            <a:off x="6022080" y="3682080"/>
+            <a:ext cx="2649600" cy="1896840"/>
           </a:xfrm>
           <a:prstGeom prst="rect">
             <a:avLst/>
@@ -3792,10 +3660,7 @@
             <a:normAutofit/>
           </a:bodyPr>
           <a:p>
-            <a:endParaRPr b="0" lang="en-US" sz="1400" spc="-1" strike="noStrike">
-              <a:solidFill>
-                <a:srgbClr val="000000"/>
-              </a:solidFill>
+            <a:endParaRPr b="0" lang="en-US" sz="3200" spc="-1" strike="noStrike">
               <a:latin typeface="Arial"/>
             </a:endParaRPr>
           </a:p>
@@ -3825,7 +3690,7 @@
       </p:grpSpPr>
       <p:sp>
         <p:nvSpPr>
-          <p:cNvPr id="7" name="PlaceHolder 1"/>
+          <p:cNvPr id="4" name="PlaceHolder 1"/>
           <p:cNvSpPr>
             <a:spLocks noGrp="1"/>
           </p:cNvSpPr>
@@ -3835,8 +3700,8 @@
         </p:nvSpPr>
         <p:spPr>
           <a:xfrm>
-            <a:off x="457200" y="274680"/>
-            <a:ext cx="8229240" cy="1142640"/>
+            <a:off x="457200" y="273600"/>
+            <a:ext cx="8229240" cy="1144800"/>
           </a:xfrm>
           <a:prstGeom prst="rect">
             <a:avLst/>
@@ -3845,18 +3710,16 @@
         <p:txBody>
           <a:bodyPr lIns="0" rIns="0" tIns="0" bIns="0" anchor="ctr"/>
           <a:p>
-            <a:endParaRPr b="0" lang="en-US" sz="1400" spc="-1" strike="noStrike">
-              <a:solidFill>
-                <a:srgbClr val="000000"/>
-              </a:solidFill>
-              <a:latin typeface="Arial"/>
-            </a:endParaRPr>
-          </a:p>
-        </p:txBody>
-      </p:sp>
-      <p:sp>
-        <p:nvSpPr>
-          <p:cNvPr id="8" name="PlaceHolder 2"/>
+            <a:pPr algn="ctr"/>
+            <a:endParaRPr b="0" lang="en-US" sz="4400" spc="-1" strike="noStrike">
+              <a:latin typeface="Arial"/>
+            </a:endParaRPr>
+          </a:p>
+        </p:txBody>
+      </p:sp>
+      <p:sp>
+        <p:nvSpPr>
+          <p:cNvPr id="5" name="PlaceHolder 2"/>
           <p:cNvSpPr>
             <a:spLocks noGrp="1"/>
           </p:cNvSpPr>
@@ -3866,8 +3729,8 @@
         </p:nvSpPr>
         <p:spPr>
           <a:xfrm>
-            <a:off x="457200" y="1600200"/>
-            <a:ext cx="8229240" cy="4525560"/>
+            <a:off x="457200" y="1604520"/>
+            <a:ext cx="8229240" cy="3977280"/>
           </a:xfrm>
           <a:prstGeom prst="rect">
             <a:avLst/>
@@ -3878,10 +3741,7 @@
             <a:normAutofit/>
           </a:bodyPr>
           <a:p>
-            <a:endParaRPr b="0" lang="en-US" sz="1400" spc="-1" strike="noStrike">
-              <a:solidFill>
-                <a:srgbClr val="000000"/>
-              </a:solidFill>
+            <a:endParaRPr b="0" lang="en-US" sz="3200" spc="-1" strike="noStrike">
               <a:latin typeface="Arial"/>
             </a:endParaRPr>
           </a:p>
@@ -3911,7 +3771,7 @@
       </p:grpSpPr>
       <p:sp>
         <p:nvSpPr>
-          <p:cNvPr id="9" name="PlaceHolder 1"/>
+          <p:cNvPr id="6" name="PlaceHolder 1"/>
           <p:cNvSpPr>
             <a:spLocks noGrp="1"/>
           </p:cNvSpPr>
@@ -3921,8 +3781,8 @@
         </p:nvSpPr>
         <p:spPr>
           <a:xfrm>
-            <a:off x="457200" y="274680"/>
-            <a:ext cx="8229240" cy="1142640"/>
+            <a:off x="457200" y="273600"/>
+            <a:ext cx="8229240" cy="1144800"/>
           </a:xfrm>
           <a:prstGeom prst="rect">
             <a:avLst/>
@@ -3931,18 +3791,16 @@
         <p:txBody>
           <a:bodyPr lIns="0" rIns="0" tIns="0" bIns="0" anchor="ctr"/>
           <a:p>
-            <a:endParaRPr b="0" lang="en-US" sz="1400" spc="-1" strike="noStrike">
-              <a:solidFill>
-                <a:srgbClr val="000000"/>
-              </a:solidFill>
-              <a:latin typeface="Arial"/>
-            </a:endParaRPr>
-          </a:p>
-        </p:txBody>
-      </p:sp>
-      <p:sp>
-        <p:nvSpPr>
-          <p:cNvPr id="10" name="PlaceHolder 2"/>
+            <a:pPr algn="ctr"/>
+            <a:endParaRPr b="0" lang="en-US" sz="4400" spc="-1" strike="noStrike">
+              <a:latin typeface="Arial"/>
+            </a:endParaRPr>
+          </a:p>
+        </p:txBody>
+      </p:sp>
+      <p:sp>
+        <p:nvSpPr>
+          <p:cNvPr id="7" name="PlaceHolder 2"/>
           <p:cNvSpPr>
             <a:spLocks noGrp="1"/>
           </p:cNvSpPr>
@@ -3952,8 +3810,8 @@
         </p:nvSpPr>
         <p:spPr>
           <a:xfrm>
-            <a:off x="457200" y="1600200"/>
-            <a:ext cx="4015800" cy="4525560"/>
+            <a:off x="457200" y="1604520"/>
+            <a:ext cx="4015800" cy="3977280"/>
           </a:xfrm>
           <a:prstGeom prst="rect">
             <a:avLst/>
@@ -3964,18 +3822,15 @@
             <a:normAutofit/>
           </a:bodyPr>
           <a:p>
-            <a:endParaRPr b="0" lang="en-US" sz="1400" spc="-1" strike="noStrike">
-              <a:solidFill>
-                <a:srgbClr val="000000"/>
-              </a:solidFill>
-              <a:latin typeface="Arial"/>
-            </a:endParaRPr>
-          </a:p>
-        </p:txBody>
-      </p:sp>
-      <p:sp>
-        <p:nvSpPr>
-          <p:cNvPr id="11" name="PlaceHolder 3"/>
+            <a:endParaRPr b="0" lang="en-US" sz="3200" spc="-1" strike="noStrike">
+              <a:latin typeface="Arial"/>
+            </a:endParaRPr>
+          </a:p>
+        </p:txBody>
+      </p:sp>
+      <p:sp>
+        <p:nvSpPr>
+          <p:cNvPr id="8" name="PlaceHolder 3"/>
           <p:cNvSpPr>
             <a:spLocks noGrp="1"/>
           </p:cNvSpPr>
@@ -3985,8 +3840,8 @@
         </p:nvSpPr>
         <p:spPr>
           <a:xfrm>
-            <a:off x="4674240" y="1600200"/>
-            <a:ext cx="4015800" cy="4525560"/>
+            <a:off x="4674240" y="1604520"/>
+            <a:ext cx="4015800" cy="3977280"/>
           </a:xfrm>
           <a:prstGeom prst="rect">
             <a:avLst/>
@@ -3997,10 +3852,7 @@
             <a:normAutofit/>
           </a:bodyPr>
           <a:p>
-            <a:endParaRPr b="0" lang="en-US" sz="1400" spc="-1" strike="noStrike">
-              <a:solidFill>
-                <a:srgbClr val="000000"/>
-              </a:solidFill>
+            <a:endParaRPr b="0" lang="en-US" sz="3200" spc="-1" strike="noStrike">
               <a:latin typeface="Arial"/>
             </a:endParaRPr>
           </a:p>
@@ -4030,7 +3882,7 @@
       </p:grpSpPr>
       <p:sp>
         <p:nvSpPr>
-          <p:cNvPr id="12" name="PlaceHolder 1"/>
+          <p:cNvPr id="9" name="PlaceHolder 1"/>
           <p:cNvSpPr>
             <a:spLocks noGrp="1"/>
           </p:cNvSpPr>
@@ -4040,8 +3892,8 @@
         </p:nvSpPr>
         <p:spPr>
           <a:xfrm>
-            <a:off x="457200" y="274680"/>
-            <a:ext cx="8229240" cy="1142640"/>
+            <a:off x="457200" y="273600"/>
+            <a:ext cx="8229240" cy="1144800"/>
           </a:xfrm>
           <a:prstGeom prst="rect">
             <a:avLst/>
@@ -4050,10 +3902,8 @@
         <p:txBody>
           <a:bodyPr lIns="0" rIns="0" tIns="0" bIns="0" anchor="ctr"/>
           <a:p>
-            <a:endParaRPr b="0" lang="en-US" sz="1400" spc="-1" strike="noStrike">
-              <a:solidFill>
-                <a:srgbClr val="000000"/>
-              </a:solidFill>
+            <a:pPr algn="ctr"/>
+            <a:endParaRPr b="0" lang="en-US" sz="4400" spc="-1" strike="noStrike">
               <a:latin typeface="Arial"/>
             </a:endParaRPr>
           </a:p>
@@ -4083,7 +3933,7 @@
       </p:grpSpPr>
       <p:sp>
         <p:nvSpPr>
-          <p:cNvPr id="13" name="PlaceHolder 1"/>
+          <p:cNvPr id="10" name="PlaceHolder 1"/>
           <p:cNvSpPr>
             <a:spLocks noGrp="1"/>
           </p:cNvSpPr>
@@ -4093,8 +3943,8 @@
         </p:nvSpPr>
         <p:spPr>
           <a:xfrm>
-            <a:off x="457200" y="274680"/>
-            <a:ext cx="8229240" cy="5297760"/>
+            <a:off x="457200" y="273600"/>
+            <a:ext cx="8229240" cy="5307840"/>
           </a:xfrm>
           <a:prstGeom prst="rect">
             <a:avLst/>
@@ -4134,7 +3984,7 @@
       </p:grpSpPr>
       <p:sp>
         <p:nvSpPr>
-          <p:cNvPr id="14" name="PlaceHolder 1"/>
+          <p:cNvPr id="11" name="PlaceHolder 1"/>
           <p:cNvSpPr>
             <a:spLocks noGrp="1"/>
           </p:cNvSpPr>
@@ -4144,8 +3994,8 @@
         </p:nvSpPr>
         <p:spPr>
           <a:xfrm>
-            <a:off x="457200" y="274680"/>
-            <a:ext cx="8229240" cy="1142640"/>
+            <a:off x="457200" y="273600"/>
+            <a:ext cx="8229240" cy="1144800"/>
           </a:xfrm>
           <a:prstGeom prst="rect">
             <a:avLst/>
@@ -4154,18 +4004,16 @@
         <p:txBody>
           <a:bodyPr lIns="0" rIns="0" tIns="0" bIns="0" anchor="ctr"/>
           <a:p>
-            <a:endParaRPr b="0" lang="en-US" sz="1400" spc="-1" strike="noStrike">
-              <a:solidFill>
-                <a:srgbClr val="000000"/>
-              </a:solidFill>
-              <a:latin typeface="Arial"/>
-            </a:endParaRPr>
-          </a:p>
-        </p:txBody>
-      </p:sp>
-      <p:sp>
-        <p:nvSpPr>
-          <p:cNvPr id="15" name="PlaceHolder 2"/>
+            <a:pPr algn="ctr"/>
+            <a:endParaRPr b="0" lang="en-US" sz="4400" spc="-1" strike="noStrike">
+              <a:latin typeface="Arial"/>
+            </a:endParaRPr>
+          </a:p>
+        </p:txBody>
+      </p:sp>
+      <p:sp>
+        <p:nvSpPr>
+          <p:cNvPr id="12" name="PlaceHolder 2"/>
           <p:cNvSpPr>
             <a:spLocks noGrp="1"/>
           </p:cNvSpPr>
@@ -4175,8 +4023,8 @@
         </p:nvSpPr>
         <p:spPr>
           <a:xfrm>
-            <a:off x="457200" y="1600200"/>
-            <a:ext cx="4015800" cy="2158560"/>
+            <a:off x="457200" y="1604520"/>
+            <a:ext cx="4015800" cy="1896840"/>
           </a:xfrm>
           <a:prstGeom prst="rect">
             <a:avLst/>
@@ -4187,18 +4035,15 @@
             <a:normAutofit/>
           </a:bodyPr>
           <a:p>
-            <a:endParaRPr b="0" lang="en-US" sz="1400" spc="-1" strike="noStrike">
-              <a:solidFill>
-                <a:srgbClr val="000000"/>
-              </a:solidFill>
-              <a:latin typeface="Arial"/>
-            </a:endParaRPr>
-          </a:p>
-        </p:txBody>
-      </p:sp>
-      <p:sp>
-        <p:nvSpPr>
-          <p:cNvPr id="16" name="PlaceHolder 3"/>
+            <a:endParaRPr b="0" lang="en-US" sz="3200" spc="-1" strike="noStrike">
+              <a:latin typeface="Arial"/>
+            </a:endParaRPr>
+          </a:p>
+        </p:txBody>
+      </p:sp>
+      <p:sp>
+        <p:nvSpPr>
+          <p:cNvPr id="13" name="PlaceHolder 3"/>
           <p:cNvSpPr>
             <a:spLocks noGrp="1"/>
           </p:cNvSpPr>
@@ -4208,8 +4053,8 @@
         </p:nvSpPr>
         <p:spPr>
           <a:xfrm>
-            <a:off x="4674240" y="1600200"/>
-            <a:ext cx="4015800" cy="4525560"/>
+            <a:off x="4674240" y="1604520"/>
+            <a:ext cx="4015800" cy="3977280"/>
           </a:xfrm>
           <a:prstGeom prst="rect">
             <a:avLst/>
@@ -4220,18 +4065,15 @@
             <a:normAutofit/>
           </a:bodyPr>
           <a:p>
-            <a:endParaRPr b="0" lang="en-US" sz="1400" spc="-1" strike="noStrike">
-              <a:solidFill>
-                <a:srgbClr val="000000"/>
-              </a:solidFill>
-              <a:latin typeface="Arial"/>
-            </a:endParaRPr>
-          </a:p>
-        </p:txBody>
-      </p:sp>
-      <p:sp>
-        <p:nvSpPr>
-          <p:cNvPr id="17" name="PlaceHolder 4"/>
+            <a:endParaRPr b="0" lang="en-US" sz="3200" spc="-1" strike="noStrike">
+              <a:latin typeface="Arial"/>
+            </a:endParaRPr>
+          </a:p>
+        </p:txBody>
+      </p:sp>
+      <p:sp>
+        <p:nvSpPr>
+          <p:cNvPr id="14" name="PlaceHolder 4"/>
           <p:cNvSpPr>
             <a:spLocks noGrp="1"/>
           </p:cNvSpPr>
@@ -4241,8 +4083,8 @@
         </p:nvSpPr>
         <p:spPr>
           <a:xfrm>
-            <a:off x="457200" y="3964320"/>
-            <a:ext cx="4015800" cy="2158560"/>
+            <a:off x="457200" y="3682080"/>
+            <a:ext cx="4015800" cy="1896840"/>
           </a:xfrm>
           <a:prstGeom prst="rect">
             <a:avLst/>
@@ -4253,10 +4095,7 @@
             <a:normAutofit/>
           </a:bodyPr>
           <a:p>
-            <a:endParaRPr b="0" lang="en-US" sz="1400" spc="-1" strike="noStrike">
-              <a:solidFill>
-                <a:srgbClr val="000000"/>
-              </a:solidFill>
+            <a:endParaRPr b="0" lang="en-US" sz="3200" spc="-1" strike="noStrike">
               <a:latin typeface="Arial"/>
             </a:endParaRPr>
           </a:p>
@@ -4286,7 +4125,7 @@
       </p:grpSpPr>
       <p:sp>
         <p:nvSpPr>
-          <p:cNvPr id="18" name="PlaceHolder 1"/>
+          <p:cNvPr id="15" name="PlaceHolder 1"/>
           <p:cNvSpPr>
             <a:spLocks noGrp="1"/>
           </p:cNvSpPr>
@@ -4296,8 +4135,8 @@
         </p:nvSpPr>
         <p:spPr>
           <a:xfrm>
-            <a:off x="457200" y="274680"/>
-            <a:ext cx="8229240" cy="1142640"/>
+            <a:off x="457200" y="273600"/>
+            <a:ext cx="8229240" cy="1144800"/>
           </a:xfrm>
           <a:prstGeom prst="rect">
             <a:avLst/>
@@ -4306,18 +4145,16 @@
         <p:txBody>
           <a:bodyPr lIns="0" rIns="0" tIns="0" bIns="0" anchor="ctr"/>
           <a:p>
-            <a:endParaRPr b="0" lang="en-US" sz="1400" spc="-1" strike="noStrike">
-              <a:solidFill>
-                <a:srgbClr val="000000"/>
-              </a:solidFill>
-              <a:latin typeface="Arial"/>
-            </a:endParaRPr>
-          </a:p>
-        </p:txBody>
-      </p:sp>
-      <p:sp>
-        <p:nvSpPr>
-          <p:cNvPr id="19" name="PlaceHolder 2"/>
+            <a:pPr algn="ctr"/>
+            <a:endParaRPr b="0" lang="en-US" sz="4400" spc="-1" strike="noStrike">
+              <a:latin typeface="Arial"/>
+            </a:endParaRPr>
+          </a:p>
+        </p:txBody>
+      </p:sp>
+      <p:sp>
+        <p:nvSpPr>
+          <p:cNvPr id="16" name="PlaceHolder 2"/>
           <p:cNvSpPr>
             <a:spLocks noGrp="1"/>
           </p:cNvSpPr>
@@ -4327,8 +4164,8 @@
         </p:nvSpPr>
         <p:spPr>
           <a:xfrm>
-            <a:off x="457200" y="1600200"/>
-            <a:ext cx="4015800" cy="4525560"/>
+            <a:off x="457200" y="1604520"/>
+            <a:ext cx="4015800" cy="3977280"/>
           </a:xfrm>
           <a:prstGeom prst="rect">
             <a:avLst/>
@@ -4339,18 +4176,15 @@
             <a:normAutofit/>
           </a:bodyPr>
           <a:p>
-            <a:endParaRPr b="0" lang="en-US" sz="1400" spc="-1" strike="noStrike">
-              <a:solidFill>
-                <a:srgbClr val="000000"/>
-              </a:solidFill>
-              <a:latin typeface="Arial"/>
-            </a:endParaRPr>
-          </a:p>
-        </p:txBody>
-      </p:sp>
-      <p:sp>
-        <p:nvSpPr>
-          <p:cNvPr id="20" name="PlaceHolder 3"/>
+            <a:endParaRPr b="0" lang="en-US" sz="3200" spc="-1" strike="noStrike">
+              <a:latin typeface="Arial"/>
+            </a:endParaRPr>
+          </a:p>
+        </p:txBody>
+      </p:sp>
+      <p:sp>
+        <p:nvSpPr>
+          <p:cNvPr id="17" name="PlaceHolder 3"/>
           <p:cNvSpPr>
             <a:spLocks noGrp="1"/>
           </p:cNvSpPr>
@@ -4360,8 +4194,8 @@
         </p:nvSpPr>
         <p:spPr>
           <a:xfrm>
-            <a:off x="4674240" y="1600200"/>
-            <a:ext cx="4015800" cy="2158560"/>
+            <a:off x="4674240" y="1604520"/>
+            <a:ext cx="4015800" cy="1896840"/>
           </a:xfrm>
           <a:prstGeom prst="rect">
             <a:avLst/>
@@ -4372,18 +4206,15 @@
             <a:normAutofit/>
           </a:bodyPr>
           <a:p>
-            <a:endParaRPr b="0" lang="en-US" sz="1400" spc="-1" strike="noStrike">
-              <a:solidFill>
-                <a:srgbClr val="000000"/>
-              </a:solidFill>
-              <a:latin typeface="Arial"/>
-            </a:endParaRPr>
-          </a:p>
-        </p:txBody>
-      </p:sp>
-      <p:sp>
-        <p:nvSpPr>
-          <p:cNvPr id="21" name="PlaceHolder 4"/>
+            <a:endParaRPr b="0" lang="en-US" sz="3200" spc="-1" strike="noStrike">
+              <a:latin typeface="Arial"/>
+            </a:endParaRPr>
+          </a:p>
+        </p:txBody>
+      </p:sp>
+      <p:sp>
+        <p:nvSpPr>
+          <p:cNvPr id="18" name="PlaceHolder 4"/>
           <p:cNvSpPr>
             <a:spLocks noGrp="1"/>
           </p:cNvSpPr>
@@ -4393,8 +4224,8 @@
         </p:nvSpPr>
         <p:spPr>
           <a:xfrm>
-            <a:off x="4674240" y="3964320"/>
-            <a:ext cx="4015800" cy="2158560"/>
+            <a:off x="4674240" y="3682080"/>
+            <a:ext cx="4015800" cy="1896840"/>
           </a:xfrm>
           <a:prstGeom prst="rect">
             <a:avLst/>
@@ -4405,10 +4236,7 @@
             <a:normAutofit/>
           </a:bodyPr>
           <a:p>
-            <a:endParaRPr b="0" lang="en-US" sz="1400" spc="-1" strike="noStrike">
-              <a:solidFill>
-                <a:srgbClr val="000000"/>
-              </a:solidFill>
+            <a:endParaRPr b="0" lang="en-US" sz="3200" spc="-1" strike="noStrike">
               <a:latin typeface="Arial"/>
             </a:endParaRPr>
           </a:p>
@@ -4438,7 +4266,7 @@
       </p:grpSpPr>
       <p:sp>
         <p:nvSpPr>
-          <p:cNvPr id="22" name="PlaceHolder 1"/>
+          <p:cNvPr id="19" name="PlaceHolder 1"/>
           <p:cNvSpPr>
             <a:spLocks noGrp="1"/>
           </p:cNvSpPr>
@@ -4448,8 +4276,8 @@
         </p:nvSpPr>
         <p:spPr>
           <a:xfrm>
-            <a:off x="457200" y="274680"/>
-            <a:ext cx="8229240" cy="1142640"/>
+            <a:off x="457200" y="273600"/>
+            <a:ext cx="8229240" cy="1144800"/>
           </a:xfrm>
           <a:prstGeom prst="rect">
             <a:avLst/>
@@ -4458,18 +4286,16 @@
         <p:txBody>
           <a:bodyPr lIns="0" rIns="0" tIns="0" bIns="0" anchor="ctr"/>
           <a:p>
-            <a:endParaRPr b="0" lang="en-US" sz="1400" spc="-1" strike="noStrike">
-              <a:solidFill>
-                <a:srgbClr val="000000"/>
-              </a:solidFill>
-              <a:latin typeface="Arial"/>
-            </a:endParaRPr>
-          </a:p>
-        </p:txBody>
-      </p:sp>
-      <p:sp>
-        <p:nvSpPr>
-          <p:cNvPr id="23" name="PlaceHolder 2"/>
+            <a:pPr algn="ctr"/>
+            <a:endParaRPr b="0" lang="en-US" sz="4400" spc="-1" strike="noStrike">
+              <a:latin typeface="Arial"/>
+            </a:endParaRPr>
+          </a:p>
+        </p:txBody>
+      </p:sp>
+      <p:sp>
+        <p:nvSpPr>
+          <p:cNvPr id="20" name="PlaceHolder 2"/>
           <p:cNvSpPr>
             <a:spLocks noGrp="1"/>
           </p:cNvSpPr>
@@ -4479,8 +4305,8 @@
         </p:nvSpPr>
         <p:spPr>
           <a:xfrm>
-            <a:off x="457200" y="1600200"/>
-            <a:ext cx="4015800" cy="2158560"/>
+            <a:off x="457200" y="1604520"/>
+            <a:ext cx="4015800" cy="1896840"/>
           </a:xfrm>
           <a:prstGeom prst="rect">
             <a:avLst/>
@@ -4491,18 +4317,15 @@
             <a:normAutofit/>
           </a:bodyPr>
           <a:p>
-            <a:endParaRPr b="0" lang="en-US" sz="1400" spc="-1" strike="noStrike">
-              <a:solidFill>
-                <a:srgbClr val="000000"/>
-              </a:solidFill>
-              <a:latin typeface="Arial"/>
-            </a:endParaRPr>
-          </a:p>
-        </p:txBody>
-      </p:sp>
-      <p:sp>
-        <p:nvSpPr>
-          <p:cNvPr id="24" name="PlaceHolder 3"/>
+            <a:endParaRPr b="0" lang="en-US" sz="3200" spc="-1" strike="noStrike">
+              <a:latin typeface="Arial"/>
+            </a:endParaRPr>
+          </a:p>
+        </p:txBody>
+      </p:sp>
+      <p:sp>
+        <p:nvSpPr>
+          <p:cNvPr id="21" name="PlaceHolder 3"/>
           <p:cNvSpPr>
             <a:spLocks noGrp="1"/>
           </p:cNvSpPr>
@@ -4512,8 +4335,8 @@
         </p:nvSpPr>
         <p:spPr>
           <a:xfrm>
-            <a:off x="4674240" y="1600200"/>
-            <a:ext cx="4015800" cy="2158560"/>
+            <a:off x="4674240" y="1604520"/>
+            <a:ext cx="4015800" cy="1896840"/>
           </a:xfrm>
           <a:prstGeom prst="rect">
             <a:avLst/>
@@ -4524,18 +4347,15 @@
             <a:normAutofit/>
           </a:bodyPr>
           <a:p>
-            <a:endParaRPr b="0" lang="en-US" sz="1400" spc="-1" strike="noStrike">
-              <a:solidFill>
-                <a:srgbClr val="000000"/>
-              </a:solidFill>
-              <a:latin typeface="Arial"/>
-            </a:endParaRPr>
-          </a:p>
-        </p:txBody>
-      </p:sp>
-      <p:sp>
-        <p:nvSpPr>
-          <p:cNvPr id="25" name="PlaceHolder 4"/>
+            <a:endParaRPr b="0" lang="en-US" sz="3200" spc="-1" strike="noStrike">
+              <a:latin typeface="Arial"/>
+            </a:endParaRPr>
+          </a:p>
+        </p:txBody>
+      </p:sp>
+      <p:sp>
+        <p:nvSpPr>
+          <p:cNvPr id="22" name="PlaceHolder 4"/>
           <p:cNvSpPr>
             <a:spLocks noGrp="1"/>
           </p:cNvSpPr>
@@ -4545,8 +4365,8 @@
         </p:nvSpPr>
         <p:spPr>
           <a:xfrm>
-            <a:off x="457200" y="3964320"/>
-            <a:ext cx="8229240" cy="2158560"/>
+            <a:off x="457200" y="3682080"/>
+            <a:ext cx="8229240" cy="1896840"/>
           </a:xfrm>
           <a:prstGeom prst="rect">
             <a:avLst/>
@@ -4557,10 +4377,7 @@
             <a:normAutofit/>
           </a:bodyPr>
           <a:p>
-            <a:endParaRPr b="0" lang="en-US" sz="1400" spc="-1" strike="noStrike">
-              <a:solidFill>
-                <a:srgbClr val="000000"/>
-              </a:solidFill>
+            <a:endParaRPr b="0" lang="en-US" sz="3200" spc="-1" strike="noStrike">
               <a:latin typeface="Arial"/>
             </a:endParaRPr>
           </a:p>
@@ -4607,29 +4424,24 @@
         </p:nvSpPr>
         <p:spPr>
           <a:xfrm>
-            <a:off x="457200" y="274680"/>
-            <a:ext cx="8229240" cy="1142640"/>
-          </a:xfrm>
-          <a:prstGeom prst="rect">
-            <a:avLst/>
-          </a:prstGeom>
-        </p:spPr>
-        <p:txBody>
-          <a:bodyPr tIns="91440" bIns="91440" anchor="ctr"/>
-          <a:p>
+            <a:off x="457200" y="273600"/>
+            <a:ext cx="8229240" cy="1144800"/>
+          </a:xfrm>
+          <a:prstGeom prst="rect">
+            <a:avLst/>
+          </a:prstGeom>
+        </p:spPr>
+        <p:txBody>
+          <a:bodyPr lIns="0" rIns="0" tIns="0" bIns="0" anchor="ctr"/>
+          <a:p>
+            <a:pPr algn="ctr"/>
             <a:r>
               <a:rPr b="0" lang="en-US" sz="4400" spc="-1" strike="noStrike">
-                <a:solidFill>
-                  <a:srgbClr val="000000"/>
-                </a:solidFill>
                 <a:latin typeface="Arial"/>
               </a:rPr>
               <a:t>Click to edit the title text format</a:t>
             </a:r>
             <a:endParaRPr b="0" lang="en-US" sz="4400" spc="-1" strike="noStrike">
-              <a:solidFill>
-                <a:srgbClr val="000000"/>
-              </a:solidFill>
               <a:latin typeface="Arial"/>
             </a:endParaRPr>
           </a:p>
@@ -4647,15 +4459,17 @@
         </p:nvSpPr>
         <p:spPr>
           <a:xfrm>
-            <a:off x="457200" y="1600200"/>
-            <a:ext cx="8229240" cy="4525560"/>
-          </a:xfrm>
-          <a:prstGeom prst="rect">
-            <a:avLst/>
-          </a:prstGeom>
-        </p:spPr>
-        <p:txBody>
-          <a:bodyPr tIns="91440" bIns="91440"/>
+            <a:off x="457200" y="1604520"/>
+            <a:ext cx="8229240" cy="3977280"/>
+          </a:xfrm>
+          <a:prstGeom prst="rect">
+            <a:avLst/>
+          </a:prstGeom>
+        </p:spPr>
+        <p:txBody>
+          <a:bodyPr lIns="0" rIns="0" tIns="0" bIns="0">
+            <a:normAutofit/>
+          </a:bodyPr>
           <a:p>
             <a:pPr marL="432000" indent="-324000">
               <a:spcBef>
@@ -4670,17 +4484,11 @@
             </a:pPr>
             <a:r>
               <a:rPr b="0" lang="en-US" sz="3200" spc="-1" strike="noStrike">
-                <a:solidFill>
-                  <a:srgbClr val="000000"/>
-                </a:solidFill>
                 <a:latin typeface="Arial"/>
               </a:rPr>
               <a:t>Click to edit the outline text format</a:t>
             </a:r>
             <a:endParaRPr b="0" lang="en-US" sz="3200" spc="-1" strike="noStrike">
-              <a:solidFill>
-                <a:srgbClr val="000000"/>
-              </a:solidFill>
               <a:latin typeface="Arial"/>
             </a:endParaRPr>
           </a:p>
@@ -4697,18 +4505,12 @@
               <a:buChar char=""/>
             </a:pPr>
             <a:r>
-              <a:rPr b="0" lang="en-US" sz="3200" spc="-1" strike="noStrike">
-                <a:solidFill>
-                  <a:srgbClr val="000000"/>
-                </a:solidFill>
+              <a:rPr b="0" lang="en-US" sz="2800" spc="-1" strike="noStrike">
                 <a:latin typeface="Arial"/>
               </a:rPr>
               <a:t>Second Outline Level</a:t>
             </a:r>
-            <a:endParaRPr b="0" lang="en-US" sz="3200" spc="-1" strike="noStrike">
-              <a:solidFill>
-                <a:srgbClr val="000000"/>
-              </a:solidFill>
+            <a:endParaRPr b="0" lang="en-US" sz="2800" spc="-1" strike="noStrike">
               <a:latin typeface="Arial"/>
             </a:endParaRPr>
           </a:p>
@@ -4725,18 +4527,12 @@
               <a:buChar char=""/>
             </a:pPr>
             <a:r>
-              <a:rPr b="0" lang="en-US" sz="3200" spc="-1" strike="noStrike">
-                <a:solidFill>
-                  <a:srgbClr val="000000"/>
-                </a:solidFill>
+              <a:rPr b="0" lang="en-US" sz="2400" spc="-1" strike="noStrike">
                 <a:latin typeface="Arial"/>
               </a:rPr>
               <a:t>Third Outline Level</a:t>
             </a:r>
-            <a:endParaRPr b="0" lang="en-US" sz="3200" spc="-1" strike="noStrike">
-              <a:solidFill>
-                <a:srgbClr val="000000"/>
-              </a:solidFill>
+            <a:endParaRPr b="0" lang="en-US" sz="2400" spc="-1" strike="noStrike">
               <a:latin typeface="Arial"/>
             </a:endParaRPr>
           </a:p>
@@ -4753,18 +4549,12 @@
               <a:buChar char=""/>
             </a:pPr>
             <a:r>
-              <a:rPr b="0" lang="en-US" sz="3200" spc="-1" strike="noStrike">
-                <a:solidFill>
-                  <a:srgbClr val="000000"/>
-                </a:solidFill>
+              <a:rPr b="0" lang="en-US" sz="2000" spc="-1" strike="noStrike">
                 <a:latin typeface="Arial"/>
               </a:rPr>
               <a:t>Fourth Outline Level</a:t>
             </a:r>
-            <a:endParaRPr b="0" lang="en-US" sz="3200" spc="-1" strike="noStrike">
-              <a:solidFill>
-                <a:srgbClr val="000000"/>
-              </a:solidFill>
+            <a:endParaRPr b="0" lang="en-US" sz="2000" spc="-1" strike="noStrike">
               <a:latin typeface="Arial"/>
             </a:endParaRPr>
           </a:p>
@@ -4781,18 +4571,12 @@
               <a:buChar char=""/>
             </a:pPr>
             <a:r>
-              <a:rPr b="0" lang="en-US" sz="3200" spc="-1" strike="noStrike">
-                <a:solidFill>
-                  <a:srgbClr val="000000"/>
-                </a:solidFill>
+              <a:rPr b="0" lang="en-US" sz="2000" spc="-1" strike="noStrike">
                 <a:latin typeface="Arial"/>
               </a:rPr>
               <a:t>Fifth Outline Level</a:t>
             </a:r>
-            <a:endParaRPr b="0" lang="en-US" sz="3200" spc="-1" strike="noStrike">
-              <a:solidFill>
-                <a:srgbClr val="000000"/>
-              </a:solidFill>
+            <a:endParaRPr b="0" lang="en-US" sz="2000" spc="-1" strike="noStrike">
               <a:latin typeface="Arial"/>
             </a:endParaRPr>
           </a:p>
@@ -4809,18 +4593,12 @@
               <a:buChar char=""/>
             </a:pPr>
             <a:r>
-              <a:rPr b="0" lang="en-US" sz="3200" spc="-1" strike="noStrike">
-                <a:solidFill>
-                  <a:srgbClr val="000000"/>
-                </a:solidFill>
+              <a:rPr b="0" lang="en-US" sz="2000" spc="-1" strike="noStrike">
                 <a:latin typeface="Arial"/>
               </a:rPr>
               <a:t>Sixth Outline Level</a:t>
             </a:r>
-            <a:endParaRPr b="0" lang="en-US" sz="3200" spc="-1" strike="noStrike">
-              <a:solidFill>
-                <a:srgbClr val="000000"/>
-              </a:solidFill>
+            <a:endParaRPr b="0" lang="en-US" sz="2000" spc="-1" strike="noStrike">
               <a:latin typeface="Arial"/>
             </a:endParaRPr>
           </a:p>
@@ -4837,118 +4615,13 @@
               <a:buChar char=""/>
             </a:pPr>
             <a:r>
-              <a:rPr b="0" lang="en-US" sz="3200" spc="-1" strike="noStrike">
-                <a:solidFill>
-                  <a:srgbClr val="000000"/>
-                </a:solidFill>
+              <a:rPr b="0" lang="en-US" sz="2000" spc="-1" strike="noStrike">
                 <a:latin typeface="Arial"/>
               </a:rPr>
               <a:t>Seventh Outline Level</a:t>
             </a:r>
-            <a:endParaRPr b="0" lang="en-US" sz="3200" spc="-1" strike="noStrike">
-              <a:solidFill>
-                <a:srgbClr val="000000"/>
-              </a:solidFill>
-              <a:latin typeface="Arial"/>
-            </a:endParaRPr>
-          </a:p>
-        </p:txBody>
-      </p:sp>
-      <p:sp>
-        <p:nvSpPr>
-          <p:cNvPr id="2" name="PlaceHolder 3"/>
-          <p:cNvSpPr>
-            <a:spLocks noGrp="1"/>
-          </p:cNvSpPr>
-          <p:nvPr>
-            <p:ph type="dt"/>
-          </p:nvPr>
-        </p:nvSpPr>
-        <p:spPr>
-          <a:xfrm>
-            <a:off x="457200" y="6356520"/>
-            <a:ext cx="2133360" cy="364680"/>
-          </a:xfrm>
-          <a:prstGeom prst="rect">
-            <a:avLst/>
-          </a:prstGeom>
-        </p:spPr>
-        <p:txBody>
-          <a:bodyPr tIns="91440" bIns="91440" anchor="ctr"/>
-          <a:p>
-            <a:endParaRPr b="0" lang="en-US" sz="2400" spc="-1" strike="noStrike">
-              <a:latin typeface="Times New Roman"/>
-            </a:endParaRPr>
-          </a:p>
-        </p:txBody>
-      </p:sp>
-      <p:sp>
-        <p:nvSpPr>
-          <p:cNvPr id="3" name="PlaceHolder 4"/>
-          <p:cNvSpPr>
-            <a:spLocks noGrp="1"/>
-          </p:cNvSpPr>
-          <p:nvPr>
-            <p:ph type="ftr"/>
-          </p:nvPr>
-        </p:nvSpPr>
-        <p:spPr>
-          <a:xfrm>
-            <a:off x="3124080" y="6356520"/>
-            <a:ext cx="2895120" cy="364680"/>
-          </a:xfrm>
-          <a:prstGeom prst="rect">
-            <a:avLst/>
-          </a:prstGeom>
-        </p:spPr>
-        <p:txBody>
-          <a:bodyPr tIns="91440" bIns="91440" anchor="ctr"/>
-          <a:p>
-            <a:endParaRPr b="0" lang="en-US" sz="2400" spc="-1" strike="noStrike">
-              <a:latin typeface="Times New Roman"/>
-            </a:endParaRPr>
-          </a:p>
-        </p:txBody>
-      </p:sp>
-      <p:sp>
-        <p:nvSpPr>
-          <p:cNvPr id="4" name="PlaceHolder 5"/>
-          <p:cNvSpPr>
-            <a:spLocks noGrp="1"/>
-          </p:cNvSpPr>
-          <p:nvPr>
-            <p:ph type="sldNum"/>
-          </p:nvPr>
-        </p:nvSpPr>
-        <p:spPr>
-          <a:xfrm>
-            <a:off x="6553080" y="6356520"/>
-            <a:ext cx="2133360" cy="364680"/>
-          </a:xfrm>
-          <a:prstGeom prst="rect">
-            <a:avLst/>
-          </a:prstGeom>
-        </p:spPr>
-        <p:txBody>
-          <a:bodyPr anchor="ctr"/>
-          <a:p>
-            <a:pPr algn="r">
-              <a:lnSpc>
-                <a:spcPct val="100000"/>
-              </a:lnSpc>
-            </a:pPr>
-            <a:fld id="{B6F195CC-4D92-4510-8AA1-9F87C898807F}" type="slidenum">
-              <a:rPr b="0" lang="en-US" sz="1200" spc="-1" strike="noStrike">
-                <a:solidFill>
-                  <a:srgbClr val="898989"/>
-                </a:solidFill>
-                <a:latin typeface="Calibri"/>
-                <a:ea typeface="Calibri"/>
-              </a:rPr>
-              <a:t>&lt;number&gt;</a:t>
-            </a:fld>
-            <a:endParaRPr b="0" lang="en-US" sz="1200" spc="-1" strike="noStrike">
-              <a:latin typeface="Times New Roman"/>
+            <a:endParaRPr b="0" lang="en-US" sz="2000" spc="-1" strike="noStrike">
+              <a:latin typeface="Arial"/>
             </a:endParaRPr>
           </a:p>
         </p:txBody>
@@ -4999,7 +4672,7 @@
       </p:grpSpPr>
       <p:sp>
         <p:nvSpPr>
-          <p:cNvPr id="41" name="PlaceHolder 1"/>
+          <p:cNvPr id="38" name="PlaceHolder 1"/>
           <p:cNvSpPr>
             <a:spLocks noGrp="1"/>
           </p:cNvSpPr>
@@ -5009,37 +4682,32 @@
         </p:nvSpPr>
         <p:spPr>
           <a:xfrm>
-            <a:off x="457200" y="274680"/>
-            <a:ext cx="8229240" cy="1142640"/>
-          </a:xfrm>
-          <a:prstGeom prst="rect">
-            <a:avLst/>
-          </a:prstGeom>
-        </p:spPr>
-        <p:txBody>
-          <a:bodyPr tIns="91440" bIns="91440" anchor="ctr"/>
-          <a:p>
+            <a:off x="457200" y="273600"/>
+            <a:ext cx="8229240" cy="1144800"/>
+          </a:xfrm>
+          <a:prstGeom prst="rect">
+            <a:avLst/>
+          </a:prstGeom>
+        </p:spPr>
+        <p:txBody>
+          <a:bodyPr lIns="0" rIns="0" tIns="0" bIns="0" anchor="ctr"/>
+          <a:p>
+            <a:pPr algn="ctr"/>
             <a:r>
               <a:rPr b="0" lang="en-US" sz="4400" spc="-1" strike="noStrike">
-                <a:solidFill>
-                  <a:srgbClr val="000000"/>
-                </a:solidFill>
                 <a:latin typeface="Arial"/>
               </a:rPr>
               <a:t>Click to edit the title text format</a:t>
             </a:r>
             <a:endParaRPr b="0" lang="en-US" sz="4400" spc="-1" strike="noStrike">
-              <a:solidFill>
-                <a:srgbClr val="000000"/>
-              </a:solidFill>
-              <a:latin typeface="Arial"/>
-            </a:endParaRPr>
-          </a:p>
-        </p:txBody>
-      </p:sp>
-      <p:sp>
-        <p:nvSpPr>
-          <p:cNvPr id="42" name="PlaceHolder 2"/>
+              <a:latin typeface="Arial"/>
+            </a:endParaRPr>
+          </a:p>
+        </p:txBody>
+      </p:sp>
+      <p:sp>
+        <p:nvSpPr>
+          <p:cNvPr id="39" name="PlaceHolder 2"/>
           <p:cNvSpPr>
             <a:spLocks noGrp="1"/>
           </p:cNvSpPr>
@@ -5049,15 +4717,17 @@
         </p:nvSpPr>
         <p:spPr>
           <a:xfrm>
-            <a:off x="457200" y="1600200"/>
-            <a:ext cx="8229240" cy="4525560"/>
-          </a:xfrm>
-          <a:prstGeom prst="rect">
-            <a:avLst/>
-          </a:prstGeom>
-        </p:spPr>
-        <p:txBody>
-          <a:bodyPr tIns="91440" bIns="91440"/>
+            <a:off x="457200" y="1604520"/>
+            <a:ext cx="8229240" cy="3977280"/>
+          </a:xfrm>
+          <a:prstGeom prst="rect">
+            <a:avLst/>
+          </a:prstGeom>
+        </p:spPr>
+        <p:txBody>
+          <a:bodyPr lIns="0" rIns="0" tIns="0" bIns="0">
+            <a:normAutofit/>
+          </a:bodyPr>
           <a:p>
             <a:pPr marL="432000" indent="-324000">
               <a:spcBef>
@@ -5072,17 +4742,11 @@
             </a:pPr>
             <a:r>
               <a:rPr b="0" lang="en-US" sz="3200" spc="-1" strike="noStrike">
-                <a:solidFill>
-                  <a:srgbClr val="000000"/>
-                </a:solidFill>
                 <a:latin typeface="Arial"/>
               </a:rPr>
               <a:t>Click to edit the outline text format</a:t>
             </a:r>
             <a:endParaRPr b="0" lang="en-US" sz="3200" spc="-1" strike="noStrike">
-              <a:solidFill>
-                <a:srgbClr val="000000"/>
-              </a:solidFill>
               <a:latin typeface="Arial"/>
             </a:endParaRPr>
           </a:p>
@@ -5099,18 +4763,12 @@
               <a:buChar char=""/>
             </a:pPr>
             <a:r>
-              <a:rPr b="0" lang="en-US" sz="3200" spc="-1" strike="noStrike">
-                <a:solidFill>
-                  <a:srgbClr val="000000"/>
-                </a:solidFill>
+              <a:rPr b="0" lang="en-US" sz="2800" spc="-1" strike="noStrike">
                 <a:latin typeface="Arial"/>
               </a:rPr>
               <a:t>Second Outline Level</a:t>
             </a:r>
-            <a:endParaRPr b="0" lang="en-US" sz="3200" spc="-1" strike="noStrike">
-              <a:solidFill>
-                <a:srgbClr val="000000"/>
-              </a:solidFill>
+            <a:endParaRPr b="0" lang="en-US" sz="2800" spc="-1" strike="noStrike">
               <a:latin typeface="Arial"/>
             </a:endParaRPr>
           </a:p>
@@ -5127,18 +4785,12 @@
               <a:buChar char=""/>
             </a:pPr>
             <a:r>
-              <a:rPr b="0" lang="en-US" sz="3200" spc="-1" strike="noStrike">
-                <a:solidFill>
-                  <a:srgbClr val="000000"/>
-                </a:solidFill>
+              <a:rPr b="0" lang="en-US" sz="2400" spc="-1" strike="noStrike">
                 <a:latin typeface="Arial"/>
               </a:rPr>
               <a:t>Third Outline Level</a:t>
             </a:r>
-            <a:endParaRPr b="0" lang="en-US" sz="3200" spc="-1" strike="noStrike">
-              <a:solidFill>
-                <a:srgbClr val="000000"/>
-              </a:solidFill>
+            <a:endParaRPr b="0" lang="en-US" sz="2400" spc="-1" strike="noStrike">
               <a:latin typeface="Arial"/>
             </a:endParaRPr>
           </a:p>
@@ -5155,18 +4807,12 @@
               <a:buChar char=""/>
             </a:pPr>
             <a:r>
-              <a:rPr b="0" lang="en-US" sz="3200" spc="-1" strike="noStrike">
-                <a:solidFill>
-                  <a:srgbClr val="000000"/>
-                </a:solidFill>
+              <a:rPr b="0" lang="en-US" sz="2000" spc="-1" strike="noStrike">
                 <a:latin typeface="Arial"/>
               </a:rPr>
               <a:t>Fourth Outline Level</a:t>
             </a:r>
-            <a:endParaRPr b="0" lang="en-US" sz="3200" spc="-1" strike="noStrike">
-              <a:solidFill>
-                <a:srgbClr val="000000"/>
-              </a:solidFill>
+            <a:endParaRPr b="0" lang="en-US" sz="2000" spc="-1" strike="noStrike">
               <a:latin typeface="Arial"/>
             </a:endParaRPr>
           </a:p>
@@ -5183,18 +4829,12 @@
               <a:buChar char=""/>
             </a:pPr>
             <a:r>
-              <a:rPr b="0" lang="en-US" sz="3200" spc="-1" strike="noStrike">
-                <a:solidFill>
-                  <a:srgbClr val="000000"/>
-                </a:solidFill>
+              <a:rPr b="0" lang="en-US" sz="2000" spc="-1" strike="noStrike">
                 <a:latin typeface="Arial"/>
               </a:rPr>
               <a:t>Fifth Outline Level</a:t>
             </a:r>
-            <a:endParaRPr b="0" lang="en-US" sz="3200" spc="-1" strike="noStrike">
-              <a:solidFill>
-                <a:srgbClr val="000000"/>
-              </a:solidFill>
+            <a:endParaRPr b="0" lang="en-US" sz="2000" spc="-1" strike="noStrike">
               <a:latin typeface="Arial"/>
             </a:endParaRPr>
           </a:p>
@@ -5211,18 +4851,12 @@
               <a:buChar char=""/>
             </a:pPr>
             <a:r>
-              <a:rPr b="0" lang="en-US" sz="3200" spc="-1" strike="noStrike">
-                <a:solidFill>
-                  <a:srgbClr val="000000"/>
-                </a:solidFill>
+              <a:rPr b="0" lang="en-US" sz="2000" spc="-1" strike="noStrike">
                 <a:latin typeface="Arial"/>
               </a:rPr>
               <a:t>Sixth Outline Level</a:t>
             </a:r>
-            <a:endParaRPr b="0" lang="en-US" sz="3200" spc="-1" strike="noStrike">
-              <a:solidFill>
-                <a:srgbClr val="000000"/>
-              </a:solidFill>
+            <a:endParaRPr b="0" lang="en-US" sz="2000" spc="-1" strike="noStrike">
               <a:latin typeface="Arial"/>
             </a:endParaRPr>
           </a:p>
@@ -5239,118 +4873,13 @@
               <a:buChar char=""/>
             </a:pPr>
             <a:r>
-              <a:rPr b="0" lang="en-US" sz="3200" spc="-1" strike="noStrike">
-                <a:solidFill>
-                  <a:srgbClr val="000000"/>
-                </a:solidFill>
+              <a:rPr b="0" lang="en-US" sz="2000" spc="-1" strike="noStrike">
                 <a:latin typeface="Arial"/>
               </a:rPr>
               <a:t>Seventh Outline Level</a:t>
             </a:r>
-            <a:endParaRPr b="0" lang="en-US" sz="3200" spc="-1" strike="noStrike">
-              <a:solidFill>
-                <a:srgbClr val="000000"/>
-              </a:solidFill>
-              <a:latin typeface="Arial"/>
-            </a:endParaRPr>
-          </a:p>
-        </p:txBody>
-      </p:sp>
-      <p:sp>
-        <p:nvSpPr>
-          <p:cNvPr id="43" name="PlaceHolder 3"/>
-          <p:cNvSpPr>
-            <a:spLocks noGrp="1"/>
-          </p:cNvSpPr>
-          <p:nvPr>
-            <p:ph type="dt"/>
-          </p:nvPr>
-        </p:nvSpPr>
-        <p:spPr>
-          <a:xfrm>
-            <a:off x="457200" y="6356520"/>
-            <a:ext cx="2133360" cy="364680"/>
-          </a:xfrm>
-          <a:prstGeom prst="rect">
-            <a:avLst/>
-          </a:prstGeom>
-        </p:spPr>
-        <p:txBody>
-          <a:bodyPr tIns="91440" bIns="91440" anchor="ctr"/>
-          <a:p>
-            <a:endParaRPr b="0" lang="en-US" sz="2400" spc="-1" strike="noStrike">
-              <a:latin typeface="Times New Roman"/>
-            </a:endParaRPr>
-          </a:p>
-        </p:txBody>
-      </p:sp>
-      <p:sp>
-        <p:nvSpPr>
-          <p:cNvPr id="44" name="PlaceHolder 4"/>
-          <p:cNvSpPr>
-            <a:spLocks noGrp="1"/>
-          </p:cNvSpPr>
-          <p:nvPr>
-            <p:ph type="ftr"/>
-          </p:nvPr>
-        </p:nvSpPr>
-        <p:spPr>
-          <a:xfrm>
-            <a:off x="3124080" y="6356520"/>
-            <a:ext cx="2895120" cy="364680"/>
-          </a:xfrm>
-          <a:prstGeom prst="rect">
-            <a:avLst/>
-          </a:prstGeom>
-        </p:spPr>
-        <p:txBody>
-          <a:bodyPr tIns="91440" bIns="91440" anchor="ctr"/>
-          <a:p>
-            <a:endParaRPr b="0" lang="en-US" sz="2400" spc="-1" strike="noStrike">
-              <a:latin typeface="Times New Roman"/>
-            </a:endParaRPr>
-          </a:p>
-        </p:txBody>
-      </p:sp>
-      <p:sp>
-        <p:nvSpPr>
-          <p:cNvPr id="45" name="PlaceHolder 5"/>
-          <p:cNvSpPr>
-            <a:spLocks noGrp="1"/>
-          </p:cNvSpPr>
-          <p:nvPr>
-            <p:ph type="sldNum"/>
-          </p:nvPr>
-        </p:nvSpPr>
-        <p:spPr>
-          <a:xfrm>
-            <a:off x="6553080" y="6356520"/>
-            <a:ext cx="2133360" cy="364680"/>
-          </a:xfrm>
-          <a:prstGeom prst="rect">
-            <a:avLst/>
-          </a:prstGeom>
-        </p:spPr>
-        <p:txBody>
-          <a:bodyPr anchor="ctr"/>
-          <a:p>
-            <a:pPr algn="r">
-              <a:lnSpc>
-                <a:spcPct val="100000"/>
-              </a:lnSpc>
-            </a:pPr>
-            <a:fld id="{86130376-D4F7-40C7-AF71-F84A52FEC75B}" type="slidenum">
-              <a:rPr b="0" lang="en-US" sz="1200" spc="-1" strike="noStrike">
-                <a:solidFill>
-                  <a:srgbClr val="898989"/>
-                </a:solidFill>
-                <a:latin typeface="Calibri"/>
-                <a:ea typeface="Calibri"/>
-              </a:rPr>
-              <a:t>&lt;number&gt;</a:t>
-            </a:fld>
-            <a:endParaRPr b="0" lang="en-US" sz="1200" spc="-1" strike="noStrike">
-              <a:latin typeface="Times New Roman"/>
+            <a:endParaRPr b="0" lang="en-US" sz="2000" spc="-1" strike="noStrike">
+              <a:latin typeface="Arial"/>
             </a:endParaRPr>
           </a:p>
         </p:txBody>
@@ -5394,14 +4923,14 @@
       </p:grpSpPr>
       <p:sp>
         <p:nvSpPr>
-          <p:cNvPr id="88" name="TextShape 1"/>
-          <p:cNvSpPr txBox="1"/>
+          <p:cNvPr id="82" name="CustomShape 1"/>
+          <p:cNvSpPr/>
           <p:nvPr/>
         </p:nvSpPr>
         <p:spPr>
           <a:xfrm>
             <a:off x="236520" y="2637000"/>
-            <a:ext cx="8670600" cy="1071360"/>
+            <a:ext cx="8670240" cy="1071000"/>
           </a:xfrm>
           <a:prstGeom prst="rect">
             <a:avLst/>
@@ -5411,8 +4940,14 @@
             <a:noFill/>
           </a:ln>
         </p:spPr>
-        <p:txBody>
-          <a:bodyPr anchor="ctr"/>
+        <p:style>
+          <a:lnRef idx="0"/>
+          <a:fillRef idx="0"/>
+          <a:effectRef idx="0"/>
+          <a:fontRef idx="minor"/>
+        </p:style>
+        <p:txBody>
+          <a:bodyPr lIns="90000" rIns="90000" tIns="45000" bIns="45000" anchor="ctr"/>
           <a:p>
             <a:pPr algn="ctr">
               <a:lnSpc>
@@ -5430,9 +4965,6 @@
               <a:t>Продаж книг</a:t>
             </a:r>
             <a:endParaRPr b="0" lang="en-US" sz="3200" spc="-1" strike="noStrike">
-              <a:solidFill>
-                <a:srgbClr val="000000"/>
-              </a:solidFill>
               <a:latin typeface="Arial"/>
             </a:endParaRPr>
           </a:p>
@@ -5440,7 +4972,7 @@
       </p:sp>
       <p:pic>
         <p:nvPicPr>
-          <p:cNvPr id="89" name="Google Shape;164;p1" descr=""/>
+          <p:cNvPr id="83" name="Google Shape;164;p1" descr=""/>
           <p:cNvPicPr/>
           <p:nvPr/>
         </p:nvPicPr>
@@ -5451,7 +4983,7 @@
         <p:spPr>
           <a:xfrm>
             <a:off x="6232680" y="5202360"/>
-            <a:ext cx="2923920" cy="1682280"/>
+            <a:ext cx="2923560" cy="1681920"/>
           </a:xfrm>
           <a:prstGeom prst="rect">
             <a:avLst/>
@@ -5463,14 +4995,14 @@
       </p:pic>
       <p:sp>
         <p:nvSpPr>
-          <p:cNvPr id="90" name="CustomShape 2"/>
+          <p:cNvPr id="84" name="CustomShape 2"/>
           <p:cNvSpPr/>
           <p:nvPr/>
         </p:nvSpPr>
         <p:spPr>
           <a:xfrm>
             <a:off x="144360" y="-144360"/>
-            <a:ext cx="304560" cy="304560"/>
+            <a:ext cx="304200" cy="304200"/>
           </a:xfrm>
           <a:prstGeom prst="rect">
             <a:avLst/>
@@ -5489,7 +5021,7 @@
       </p:sp>
       <p:pic>
         <p:nvPicPr>
-          <p:cNvPr id="91" name="Google Shape;166;p1" descr=""/>
+          <p:cNvPr id="85" name="Google Shape;166;p1" descr=""/>
           <p:cNvPicPr/>
           <p:nvPr/>
         </p:nvPicPr>
@@ -5500,7 +5032,7 @@
         <p:spPr>
           <a:xfrm>
             <a:off x="7070760" y="76320"/>
-            <a:ext cx="1909440" cy="1907640"/>
+            <a:ext cx="1909080" cy="1907280"/>
           </a:xfrm>
           <a:prstGeom prst="rect">
             <a:avLst/>
@@ -5512,7 +5044,7 @@
       </p:pic>
       <p:pic>
         <p:nvPicPr>
-          <p:cNvPr id="92" name="Google Shape;167;p1" descr=""/>
+          <p:cNvPr id="86" name="Google Shape;167;p1" descr=""/>
           <p:cNvPicPr/>
           <p:nvPr/>
         </p:nvPicPr>
@@ -5524,7 +5056,7 @@
         <p:spPr>
           <a:xfrm>
             <a:off x="0" y="0"/>
-            <a:ext cx="5644800" cy="2060280"/>
+            <a:ext cx="5644440" cy="2059920"/>
           </a:xfrm>
           <a:prstGeom prst="rect">
             <a:avLst/>
@@ -5536,7 +5068,7 @@
       </p:pic>
       <p:pic>
         <p:nvPicPr>
-          <p:cNvPr id="93" name="Google Shape;168;p1" descr=""/>
+          <p:cNvPr id="87" name="Google Shape;168;p1" descr=""/>
           <p:cNvPicPr/>
           <p:nvPr/>
         </p:nvPicPr>
@@ -5547,7 +5079,7 @@
         <p:spPr>
           <a:xfrm>
             <a:off x="0" y="2060640"/>
-            <a:ext cx="9143640" cy="107640"/>
+            <a:ext cx="9143280" cy="107280"/>
           </a:xfrm>
           <a:prstGeom prst="rect">
             <a:avLst/>
@@ -5559,14 +5091,14 @@
       </p:pic>
       <p:sp>
         <p:nvSpPr>
-          <p:cNvPr id="94" name="CustomShape 3"/>
+          <p:cNvPr id="88" name="CustomShape 3"/>
           <p:cNvSpPr/>
           <p:nvPr/>
         </p:nvSpPr>
         <p:spPr>
           <a:xfrm>
             <a:off x="250920" y="4869000"/>
-            <a:ext cx="6819480" cy="953640"/>
+            <a:ext cx="6819120" cy="953280"/>
           </a:xfrm>
           <a:prstGeom prst="rect">
             <a:avLst/>
@@ -5583,7 +5115,7 @@
           <a:fontRef idx="minor"/>
         </p:style>
         <p:txBody>
-          <a:bodyPr/>
+          <a:bodyPr lIns="90000" rIns="90000" tIns="45000" bIns="45000"/>
           <a:p>
             <a:pPr>
               <a:lnSpc>
@@ -5658,14 +5190,14 @@
       </p:sp>
       <p:sp>
         <p:nvSpPr>
-          <p:cNvPr id="95" name="CustomShape 4"/>
+          <p:cNvPr id="89" name="CustomShape 4"/>
           <p:cNvSpPr/>
           <p:nvPr/>
         </p:nvSpPr>
         <p:spPr>
           <a:xfrm>
             <a:off x="3870360" y="6350040"/>
-            <a:ext cx="1402920" cy="307440"/>
+            <a:ext cx="1402560" cy="307080"/>
           </a:xfrm>
           <a:prstGeom prst="rect">
             <a:avLst/>
@@ -5682,7 +5214,7 @@
           <a:fontRef idx="minor"/>
         </p:style>
         <p:txBody>
-          <a:bodyPr/>
+          <a:bodyPr lIns="90000" rIns="90000" tIns="45000" bIns="45000"/>
           <a:p>
             <a:pPr>
               <a:lnSpc>
@@ -5756,7 +5288,7 @@
       </p:grpSpPr>
       <p:pic>
         <p:nvPicPr>
-          <p:cNvPr id="96" name="Google Shape;175;p2" descr=""/>
+          <p:cNvPr id="90" name="Google Shape;175;p2" descr=""/>
           <p:cNvPicPr/>
           <p:nvPr/>
         </p:nvPicPr>
@@ -5767,7 +5299,7 @@
         <p:spPr>
           <a:xfrm>
             <a:off x="0" y="973080"/>
-            <a:ext cx="9143640" cy="107640"/>
+            <a:ext cx="9143280" cy="107280"/>
           </a:xfrm>
           <a:prstGeom prst="rect">
             <a:avLst/>
@@ -5779,14 +5311,14 @@
       </p:pic>
       <p:sp>
         <p:nvSpPr>
-          <p:cNvPr id="97" name="TextShape 1"/>
-          <p:cNvSpPr txBox="1"/>
+          <p:cNvPr id="91" name="CustomShape 1"/>
+          <p:cNvSpPr/>
           <p:nvPr/>
         </p:nvSpPr>
         <p:spPr>
           <a:xfrm>
             <a:off x="0" y="189000"/>
-            <a:ext cx="8243640" cy="783720"/>
+            <a:ext cx="8243280" cy="783360"/>
           </a:xfrm>
           <a:prstGeom prst="rect">
             <a:avLst/>
@@ -5796,8 +5328,14 @@
             <a:noFill/>
           </a:ln>
         </p:spPr>
-        <p:txBody>
-          <a:bodyPr anchor="ctr"/>
+        <p:style>
+          <a:lnRef idx="0"/>
+          <a:fillRef idx="0"/>
+          <a:effectRef idx="0"/>
+          <a:fontRef idx="minor"/>
+        </p:style>
+        <p:txBody>
+          <a:bodyPr lIns="90000" rIns="90000" tIns="45000" bIns="45000" anchor="ctr"/>
           <a:p>
             <a:pPr>
               <a:lnSpc>
@@ -5815,24 +5353,21 @@
               <a:t>Актуальність проблеми</a:t>
             </a:r>
             <a:endParaRPr b="0" lang="en-US" sz="2800" spc="-1" strike="noStrike">
-              <a:solidFill>
-                <a:srgbClr val="000000"/>
-              </a:solidFill>
-              <a:latin typeface="Arial"/>
-            </a:endParaRPr>
-          </a:p>
-        </p:txBody>
-      </p:sp>
-      <p:sp>
-        <p:nvSpPr>
-          <p:cNvPr id="98" name="CustomShape 2"/>
+              <a:latin typeface="Arial"/>
+            </a:endParaRPr>
+          </a:p>
+        </p:txBody>
+      </p:sp>
+      <p:sp>
+        <p:nvSpPr>
+          <p:cNvPr id="92" name="CustomShape 2"/>
           <p:cNvSpPr/>
           <p:nvPr/>
         </p:nvSpPr>
         <p:spPr>
           <a:xfrm>
             <a:off x="8372520" y="189000"/>
-            <a:ext cx="663120" cy="360000"/>
+            <a:ext cx="662760" cy="359640"/>
           </a:xfrm>
           <a:prstGeom prst="rect">
             <a:avLst/>
@@ -5872,7 +5407,7 @@
           <a:fontRef idx="minor"/>
         </p:style>
         <p:txBody>
-          <a:bodyPr anchor="ctr"/>
+          <a:bodyPr lIns="90000" rIns="90000" tIns="45000" bIns="45000" anchor="ctr"/>
           <a:p>
             <a:pPr algn="ctr">
               <a:lnSpc>
@@ -5897,14 +5432,14 @@
       </p:sp>
       <p:sp>
         <p:nvSpPr>
-          <p:cNvPr id="99" name="CustomShape 3"/>
+          <p:cNvPr id="93" name="CustomShape 3"/>
           <p:cNvSpPr/>
           <p:nvPr/>
         </p:nvSpPr>
         <p:spPr>
           <a:xfrm>
             <a:off x="8372520" y="189000"/>
-            <a:ext cx="663120" cy="360000"/>
+            <a:ext cx="662760" cy="359640"/>
           </a:xfrm>
           <a:prstGeom prst="rect">
             <a:avLst/>
@@ -5944,7 +5479,7 @@
           <a:fontRef idx="minor"/>
         </p:style>
         <p:txBody>
-          <a:bodyPr anchor="ctr"/>
+          <a:bodyPr lIns="90000" rIns="90000" tIns="45000" bIns="45000" anchor="ctr"/>
           <a:p>
             <a:pPr algn="ctr">
               <a:lnSpc>
@@ -5969,14 +5504,14 @@
       </p:sp>
       <p:sp>
         <p:nvSpPr>
-          <p:cNvPr id="100" name="CustomShape 4"/>
+          <p:cNvPr id="94" name="CustomShape 4"/>
           <p:cNvSpPr/>
           <p:nvPr/>
         </p:nvSpPr>
         <p:spPr>
           <a:xfrm>
             <a:off x="155520" y="-144360"/>
-            <a:ext cx="304560" cy="304560"/>
+            <a:ext cx="304200" cy="304200"/>
           </a:xfrm>
           <a:prstGeom prst="rect">
             <a:avLst/>
@@ -5995,14 +5530,14 @@
       </p:sp>
       <p:sp>
         <p:nvSpPr>
-          <p:cNvPr id="101" name="CustomShape 5"/>
+          <p:cNvPr id="95" name="CustomShape 5"/>
           <p:cNvSpPr/>
           <p:nvPr/>
         </p:nvSpPr>
         <p:spPr>
           <a:xfrm>
             <a:off x="237600" y="1243080"/>
-            <a:ext cx="2837880" cy="2980440"/>
+            <a:ext cx="2837520" cy="2980080"/>
           </a:xfrm>
           <a:prstGeom prst="rect">
             <a:avLst/>
@@ -6019,7 +5554,7 @@
           <a:fontRef idx="minor"/>
         </p:style>
         <p:txBody>
-          <a:bodyPr/>
+          <a:bodyPr lIns="90000" rIns="90000" tIns="45000" bIns="45000"/>
           <a:p>
             <a:pPr>
               <a:lnSpc>
@@ -6114,14 +5649,14 @@
       </p:sp>
       <p:sp>
         <p:nvSpPr>
-          <p:cNvPr id="102" name="CustomShape 6"/>
+          <p:cNvPr id="96" name="CustomShape 6"/>
           <p:cNvSpPr/>
           <p:nvPr/>
         </p:nvSpPr>
         <p:spPr>
           <a:xfrm>
             <a:off x="3204000" y="1258920"/>
-            <a:ext cx="2837520" cy="5043240"/>
+            <a:ext cx="2837160" cy="5042880"/>
           </a:xfrm>
           <a:prstGeom prst="rect">
             <a:avLst/>
@@ -6138,7 +5673,7 @@
           <a:fontRef idx="minor"/>
         </p:style>
         <p:txBody>
-          <a:bodyPr/>
+          <a:bodyPr lIns="90000" rIns="90000" tIns="45000" bIns="45000"/>
           <a:p>
             <a:pPr>
               <a:lnSpc>
@@ -6170,7 +5705,7 @@
             </a:endParaRPr>
           </a:p>
           <a:p>
-            <a:pPr marL="285840" indent="-285480">
+            <a:pPr marL="285840" indent="-285120">
               <a:lnSpc>
                 <a:spcPct val="100000"/>
               </a:lnSpc>
@@ -6195,7 +5730,7 @@
             </a:endParaRPr>
           </a:p>
           <a:p>
-            <a:pPr marL="285840" indent="-285480">
+            <a:pPr marL="285840" indent="-285120">
               <a:lnSpc>
                 <a:spcPct val="100000"/>
               </a:lnSpc>
@@ -6220,7 +5755,7 @@
             </a:endParaRPr>
           </a:p>
           <a:p>
-            <a:pPr marL="285840" indent="-285480">
+            <a:pPr marL="285840" indent="-285120">
               <a:lnSpc>
                 <a:spcPct val="100000"/>
               </a:lnSpc>
@@ -6245,7 +5780,7 @@
             </a:endParaRPr>
           </a:p>
           <a:p>
-            <a:pPr marL="285840" indent="-285480">
+            <a:pPr marL="285840" indent="-285120">
               <a:lnSpc>
                 <a:spcPct val="100000"/>
               </a:lnSpc>
@@ -6270,7 +5805,7 @@
             </a:endParaRPr>
           </a:p>
           <a:p>
-            <a:pPr marL="285840" indent="-285480">
+            <a:pPr marL="285840" indent="-285120">
               <a:lnSpc>
                 <a:spcPct val="100000"/>
               </a:lnSpc>
@@ -6295,7 +5830,7 @@
             </a:endParaRPr>
           </a:p>
           <a:p>
-            <a:pPr marL="285840" indent="-285480">
+            <a:pPr marL="285840" indent="-285120">
               <a:lnSpc>
                 <a:spcPct val="100000"/>
               </a:lnSpc>
@@ -6373,14 +5908,14 @@
       </p:sp>
       <p:sp>
         <p:nvSpPr>
-          <p:cNvPr id="103" name="CustomShape 7"/>
+          <p:cNvPr id="97" name="CustomShape 7"/>
           <p:cNvSpPr/>
           <p:nvPr/>
         </p:nvSpPr>
         <p:spPr>
           <a:xfrm>
             <a:off x="6248160" y="1207800"/>
-            <a:ext cx="2837520" cy="4388400"/>
+            <a:ext cx="2837160" cy="4388040"/>
           </a:xfrm>
           <a:prstGeom prst="rect">
             <a:avLst/>
@@ -6397,7 +5932,7 @@
           <a:fontRef idx="minor"/>
         </p:style>
         <p:txBody>
-          <a:bodyPr/>
+          <a:bodyPr lIns="90000" rIns="90000" tIns="45000" bIns="45000"/>
           <a:p>
             <a:pPr>
               <a:lnSpc>
@@ -6429,7 +5964,7 @@
             </a:endParaRPr>
           </a:p>
           <a:p>
-            <a:pPr marL="285840" indent="-285480">
+            <a:pPr marL="285840" indent="-285120">
               <a:lnSpc>
                 <a:spcPct val="100000"/>
               </a:lnSpc>
@@ -6454,7 +5989,7 @@
             </a:endParaRPr>
           </a:p>
           <a:p>
-            <a:pPr marL="285840" indent="-285480">
+            <a:pPr marL="285840" indent="-285120">
               <a:lnSpc>
                 <a:spcPct val="100000"/>
               </a:lnSpc>
@@ -6479,7 +6014,7 @@
             </a:endParaRPr>
           </a:p>
           <a:p>
-            <a:pPr marL="285840" indent="-285480">
+            <a:pPr marL="285840" indent="-285120">
               <a:lnSpc>
                 <a:spcPct val="100000"/>
               </a:lnSpc>
@@ -6504,7 +6039,7 @@
             </a:endParaRPr>
           </a:p>
           <a:p>
-            <a:pPr marL="285840" indent="-285480">
+            <a:pPr marL="285840" indent="-285120">
               <a:lnSpc>
                 <a:spcPct val="100000"/>
               </a:lnSpc>
@@ -6529,7 +6064,7 @@
             </a:endParaRPr>
           </a:p>
           <a:p>
-            <a:pPr marL="285840" indent="-285480">
+            <a:pPr marL="285840" indent="-285120">
               <a:lnSpc>
                 <a:spcPct val="100000"/>
               </a:lnSpc>
@@ -6626,7 +6161,7 @@
       </p:grpSpPr>
       <p:pic>
         <p:nvPicPr>
-          <p:cNvPr id="104" name="Google Shape;187;p3" descr=""/>
+          <p:cNvPr id="98" name="Google Shape;187;p3" descr=""/>
           <p:cNvPicPr/>
           <p:nvPr/>
         </p:nvPicPr>
@@ -6637,7 +6172,7 @@
         <p:spPr>
           <a:xfrm>
             <a:off x="-27000" y="973080"/>
-            <a:ext cx="9143640" cy="107640"/>
+            <a:ext cx="9143280" cy="107280"/>
           </a:xfrm>
           <a:prstGeom prst="rect">
             <a:avLst/>
@@ -6649,14 +6184,14 @@
       </p:pic>
       <p:sp>
         <p:nvSpPr>
-          <p:cNvPr id="105" name="TextShape 1"/>
-          <p:cNvSpPr txBox="1"/>
+          <p:cNvPr id="99" name="CustomShape 1"/>
+          <p:cNvSpPr/>
           <p:nvPr/>
         </p:nvSpPr>
         <p:spPr>
           <a:xfrm>
             <a:off x="0" y="189000"/>
-            <a:ext cx="8243640" cy="783720"/>
+            <a:ext cx="8243280" cy="783360"/>
           </a:xfrm>
           <a:prstGeom prst="rect">
             <a:avLst/>
@@ -6666,8 +6201,14 @@
             <a:noFill/>
           </a:ln>
         </p:spPr>
-        <p:txBody>
-          <a:bodyPr anchor="ctr"/>
+        <p:style>
+          <a:lnRef idx="0"/>
+          <a:fillRef idx="0"/>
+          <a:effectRef idx="0"/>
+          <a:fontRef idx="minor"/>
+        </p:style>
+        <p:txBody>
+          <a:bodyPr lIns="90000" rIns="90000" tIns="45000" bIns="45000" anchor="ctr"/>
           <a:p>
             <a:pPr>
               <a:lnSpc>
@@ -6685,24 +6226,21 @@
               <a:t>Мета та завдання проекту</a:t>
             </a:r>
             <a:endParaRPr b="0" lang="en-US" sz="2800" spc="-1" strike="noStrike">
-              <a:solidFill>
-                <a:srgbClr val="000000"/>
-              </a:solidFill>
-              <a:latin typeface="Arial"/>
-            </a:endParaRPr>
-          </a:p>
-        </p:txBody>
-      </p:sp>
-      <p:sp>
-        <p:nvSpPr>
-          <p:cNvPr id="106" name="CustomShape 2"/>
+              <a:latin typeface="Arial"/>
+            </a:endParaRPr>
+          </a:p>
+        </p:txBody>
+      </p:sp>
+      <p:sp>
+        <p:nvSpPr>
+          <p:cNvPr id="100" name="CustomShape 2"/>
           <p:cNvSpPr/>
           <p:nvPr/>
         </p:nvSpPr>
         <p:spPr>
           <a:xfrm>
             <a:off x="8372520" y="189000"/>
-            <a:ext cx="663120" cy="360000"/>
+            <a:ext cx="662760" cy="359640"/>
           </a:xfrm>
           <a:prstGeom prst="rect">
             <a:avLst/>
@@ -6742,7 +6280,7 @@
           <a:fontRef idx="minor"/>
         </p:style>
         <p:txBody>
-          <a:bodyPr anchor="ctr"/>
+          <a:bodyPr lIns="90000" rIns="90000" tIns="45000" bIns="45000" anchor="ctr"/>
           <a:p>
             <a:pPr algn="ctr">
               <a:lnSpc>
@@ -6767,14 +6305,14 @@
       </p:sp>
       <p:sp>
         <p:nvSpPr>
-          <p:cNvPr id="107" name="CustomShape 3"/>
+          <p:cNvPr id="101" name="CustomShape 3"/>
           <p:cNvSpPr/>
           <p:nvPr/>
         </p:nvSpPr>
         <p:spPr>
           <a:xfrm>
             <a:off x="8372520" y="189000"/>
-            <a:ext cx="663120" cy="360000"/>
+            <a:ext cx="662760" cy="359640"/>
           </a:xfrm>
           <a:prstGeom prst="rect">
             <a:avLst/>
@@ -6814,7 +6352,7 @@
           <a:fontRef idx="minor"/>
         </p:style>
         <p:txBody>
-          <a:bodyPr anchor="ctr"/>
+          <a:bodyPr lIns="90000" rIns="90000" tIns="45000" bIns="45000" anchor="ctr"/>
           <a:p>
             <a:pPr algn="ctr">
               <a:lnSpc>
@@ -6839,14 +6377,14 @@
       </p:sp>
       <p:sp>
         <p:nvSpPr>
-          <p:cNvPr id="108" name="CustomShape 4"/>
+          <p:cNvPr id="102" name="CustomShape 4"/>
           <p:cNvSpPr/>
           <p:nvPr/>
         </p:nvSpPr>
         <p:spPr>
           <a:xfrm>
             <a:off x="155520" y="-144360"/>
-            <a:ext cx="304560" cy="304560"/>
+            <a:ext cx="304200" cy="304200"/>
           </a:xfrm>
           <a:prstGeom prst="rect">
             <a:avLst/>
@@ -6865,14 +6403,14 @@
       </p:sp>
       <p:sp>
         <p:nvSpPr>
-          <p:cNvPr id="109" name="CustomShape 5"/>
+          <p:cNvPr id="103" name="CustomShape 5"/>
           <p:cNvSpPr/>
           <p:nvPr/>
         </p:nvSpPr>
         <p:spPr>
           <a:xfrm>
             <a:off x="155520" y="1327320"/>
-            <a:ext cx="8654760" cy="923760"/>
+            <a:ext cx="8654400" cy="923400"/>
           </a:xfrm>
           <a:prstGeom prst="rect">
             <a:avLst/>
@@ -6889,7 +6427,7 @@
           <a:fontRef idx="minor"/>
         </p:style>
         <p:txBody>
-          <a:bodyPr/>
+          <a:bodyPr lIns="90000" rIns="90000" tIns="45000" bIns="45000"/>
           <a:p>
             <a:pPr>
               <a:lnSpc>
@@ -6911,7 +6449,7 @@
             </a:endParaRPr>
           </a:p>
           <a:p>
-            <a:pPr marL="285840" indent="-171000">
+            <a:pPr marL="285840" indent="-170640">
               <a:lnSpc>
                 <a:spcPct val="100000"/>
               </a:lnSpc>
@@ -6921,7 +6459,7 @@
             </a:endParaRPr>
           </a:p>
           <a:p>
-            <a:pPr>
+            <a:pPr marL="285840" indent="-170640">
               <a:lnSpc>
                 <a:spcPct val="100000"/>
               </a:lnSpc>
@@ -6934,14 +6472,14 @@
       </p:sp>
       <p:sp>
         <p:nvSpPr>
-          <p:cNvPr id="110" name="CustomShape 6"/>
+          <p:cNvPr id="104" name="CustomShape 6"/>
           <p:cNvSpPr/>
           <p:nvPr/>
         </p:nvSpPr>
         <p:spPr>
           <a:xfrm>
             <a:off x="155520" y="2670120"/>
-            <a:ext cx="8778600" cy="3762360"/>
+            <a:ext cx="8778240" cy="3762000"/>
           </a:xfrm>
           <a:prstGeom prst="rect">
             <a:avLst/>
@@ -6958,7 +6496,7 @@
           <a:fontRef idx="minor"/>
         </p:style>
         <p:txBody>
-          <a:bodyPr/>
+          <a:bodyPr lIns="90000" rIns="90000" tIns="45000" bIns="45000"/>
           <a:p>
             <a:pPr>
               <a:lnSpc>
@@ -6990,7 +6528,7 @@
             </a:endParaRPr>
           </a:p>
           <a:p>
-            <a:pPr marL="343080" indent="-342720">
+            <a:pPr marL="343080" indent="-342360">
               <a:lnSpc>
                 <a:spcPct val="100000"/>
               </a:lnSpc>
@@ -7008,14 +6546,14 @@
                 <a:latin typeface="Times New Roman"/>
                 <a:ea typeface="Times New Roman"/>
               </a:rPr>
-              <a:t>Створити широкий асортимент книг, довідників, енциклопедій и статей.</a:t>
+              <a:t>Створити базу даних з книгами, довідниками, енциклопедіями и статями</a:t>
             </a:r>
             <a:endParaRPr b="0" lang="en-US" sz="1800" spc="-1" strike="noStrike">
               <a:latin typeface="Arial"/>
             </a:endParaRPr>
           </a:p>
           <a:p>
-            <a:pPr marL="343080" indent="-342720">
+            <a:pPr marL="343080" indent="-342360">
               <a:lnSpc>
                 <a:spcPct val="100000"/>
               </a:lnSpc>
@@ -7040,7 +6578,7 @@
             </a:endParaRPr>
           </a:p>
           <a:p>
-            <a:pPr marL="343080" indent="-342720">
+            <a:pPr marL="343080" indent="-342360">
               <a:lnSpc>
                 <a:spcPct val="100000"/>
               </a:lnSpc>
@@ -7065,7 +6603,7 @@
             </a:endParaRPr>
           </a:p>
           <a:p>
-            <a:pPr marL="343080" indent="-342720">
+            <a:pPr marL="343080" indent="-342360">
               <a:lnSpc>
                 <a:spcPct val="100000"/>
               </a:lnSpc>
@@ -7090,7 +6628,7 @@
             </a:endParaRPr>
           </a:p>
           <a:p>
-            <a:pPr marL="343080" indent="-342720">
+            <a:pPr marL="343080" indent="-342360">
               <a:lnSpc>
                 <a:spcPct val="100000"/>
               </a:lnSpc>
@@ -7108,14 +6646,14 @@
                 <a:latin typeface="Times New Roman"/>
                 <a:ea typeface="Times New Roman"/>
               </a:rPr>
-              <a:t>Забезпечити зручну систему купівлі книг, з можливістю вибору різних видань, перекладів тощо.</a:t>
+              <a:t>Забезпечити зручний інтерфейс для купівлі книг, з можливістю вибору різних видань, перекладів та оплати банківською карткою.</a:t>
             </a:r>
             <a:endParaRPr b="0" lang="en-US" sz="1800" spc="-1" strike="noStrike">
               <a:latin typeface="Arial"/>
             </a:endParaRPr>
           </a:p>
           <a:p>
-            <a:pPr marL="343080" indent="-228240">
+            <a:pPr marL="343080" indent="-227880">
               <a:lnSpc>
                 <a:spcPct val="100000"/>
               </a:lnSpc>
@@ -7125,7 +6663,7 @@
             </a:endParaRPr>
           </a:p>
           <a:p>
-            <a:pPr marL="285840" indent="-171000">
+            <a:pPr marL="285840" indent="-170640">
               <a:lnSpc>
                 <a:spcPct val="100000"/>
               </a:lnSpc>
@@ -7135,7 +6673,7 @@
             </a:endParaRPr>
           </a:p>
           <a:p>
-            <a:pPr>
+            <a:pPr marL="285840" indent="-170640">
               <a:lnSpc>
                 <a:spcPct val="100000"/>
               </a:lnSpc>
@@ -7197,14 +6735,14 @@
       </p:grpSpPr>
       <p:sp>
         <p:nvSpPr>
-          <p:cNvPr id="111" name="TextShape 1"/>
-          <p:cNvSpPr txBox="1"/>
+          <p:cNvPr id="105" name="CustomShape 1"/>
+          <p:cNvSpPr/>
           <p:nvPr/>
         </p:nvSpPr>
         <p:spPr>
           <a:xfrm>
             <a:off x="0" y="189000"/>
-            <a:ext cx="8243640" cy="783720"/>
+            <a:ext cx="8243280" cy="783360"/>
           </a:xfrm>
           <a:prstGeom prst="rect">
             <a:avLst/>
@@ -7214,8 +6752,14 @@
             <a:noFill/>
           </a:ln>
         </p:spPr>
-        <p:txBody>
-          <a:bodyPr anchor="ctr"/>
+        <p:style>
+          <a:lnRef idx="0"/>
+          <a:fillRef idx="0"/>
+          <a:effectRef idx="0"/>
+          <a:fontRef idx="minor"/>
+        </p:style>
+        <p:txBody>
+          <a:bodyPr lIns="90000" rIns="90000" tIns="45000" bIns="45000" anchor="ctr"/>
           <a:p>
             <a:pPr>
               <a:lnSpc>
@@ -7233,9 +6777,6 @@
               <a:t>Бізнес-правила</a:t>
             </a:r>
             <a:endParaRPr b="0" lang="en-US" sz="2800" spc="-1" strike="noStrike">
-              <a:solidFill>
-                <a:srgbClr val="000000"/>
-              </a:solidFill>
               <a:latin typeface="Arial"/>
             </a:endParaRPr>
           </a:p>
@@ -7243,7 +6784,7 @@
       </p:sp>
       <p:pic>
         <p:nvPicPr>
-          <p:cNvPr id="112" name="Google Shape;200;g7dbc34d640_0_0" descr=""/>
+          <p:cNvPr id="106" name="Google Shape;200;g7dbc34d640_0_0" descr=""/>
           <p:cNvPicPr/>
           <p:nvPr/>
         </p:nvPicPr>
@@ -7254,7 +6795,7 @@
         <p:spPr>
           <a:xfrm>
             <a:off x="0" y="973080"/>
-            <a:ext cx="9143640" cy="107640"/>
+            <a:ext cx="9143280" cy="107280"/>
           </a:xfrm>
           <a:prstGeom prst="rect">
             <a:avLst/>
@@ -7266,14 +6807,14 @@
       </p:pic>
       <p:sp>
         <p:nvSpPr>
-          <p:cNvPr id="113" name="CustomShape 2"/>
+          <p:cNvPr id="107" name="CustomShape 2"/>
           <p:cNvSpPr/>
           <p:nvPr/>
         </p:nvSpPr>
         <p:spPr>
           <a:xfrm>
             <a:off x="8372520" y="189000"/>
-            <a:ext cx="663120" cy="360000"/>
+            <a:ext cx="662760" cy="359640"/>
           </a:xfrm>
           <a:prstGeom prst="rect">
             <a:avLst/>
@@ -7313,7 +6854,7 @@
           <a:fontRef idx="minor"/>
         </p:style>
         <p:txBody>
-          <a:bodyPr anchor="ctr"/>
+          <a:bodyPr lIns="90000" rIns="90000" tIns="45000" bIns="45000" anchor="ctr"/>
           <a:p>
             <a:pPr algn="ctr">
               <a:lnSpc>
@@ -7338,14 +6879,14 @@
       </p:sp>
       <p:sp>
         <p:nvSpPr>
-          <p:cNvPr id="114" name="CustomShape 3"/>
+          <p:cNvPr id="108" name="CustomShape 3"/>
           <p:cNvSpPr/>
           <p:nvPr/>
         </p:nvSpPr>
         <p:spPr>
           <a:xfrm>
             <a:off x="365760" y="1062360"/>
-            <a:ext cx="8243640" cy="5795640"/>
+            <a:ext cx="8243280" cy="5795280"/>
           </a:xfrm>
           <a:prstGeom prst="rect">
             <a:avLst/>
@@ -7362,15 +6903,12 @@
           <a:fontRef idx="minor"/>
         </p:style>
         <p:txBody>
-          <a:bodyPr tIns="91440" bIns="91440"/>
-          <a:p>
-            <a:pPr marL="457200" indent="-298080">
+          <a:bodyPr lIns="90000" rIns="90000" tIns="91440" bIns="91440"/>
+          <a:p>
+            <a:pPr marL="457200" indent="-297720">
               <a:lnSpc>
                 <a:spcPct val="115000"/>
               </a:lnSpc>
-              <a:spcBef>
-                <a:spcPts val="1199"/>
-              </a:spcBef>
               <a:buClr>
                 <a:srgbClr val="000000"/>
               </a:buClr>
@@ -7392,7 +6930,7 @@
             </a:endParaRPr>
           </a:p>
           <a:p>
-            <a:pPr marL="457200" indent="-298080">
+            <a:pPr marL="457200" indent="-297720">
               <a:lnSpc>
                 <a:spcPct val="115000"/>
               </a:lnSpc>
@@ -7410,14 +6948,14 @@
                 <a:latin typeface="Times New Roman"/>
                 <a:ea typeface="Times New Roman"/>
               </a:rPr>
-              <a:t>Якщо в наявності не залишилося книг, то треба замовити нову партію, розмір якої залежить від популярності книги.</a:t>
+              <a:t>Оплата у веб-застосунку здійснюється онлайн і тільки за допомогою банківської картки.</a:t>
             </a:r>
             <a:endParaRPr b="0" lang="en-US" sz="1400" spc="-1" strike="noStrike">
               <a:latin typeface="Arial"/>
             </a:endParaRPr>
           </a:p>
           <a:p>
-            <a:pPr marL="457200" indent="-298080">
+            <a:pPr marL="457200" indent="-297720">
               <a:lnSpc>
                 <a:spcPct val="115000"/>
               </a:lnSpc>
@@ -7435,14 +6973,14 @@
                 <a:latin typeface="Times New Roman"/>
                 <a:ea typeface="Times New Roman"/>
               </a:rPr>
-              <a:t>Максимальна кількість екземплярів однієї книги - 500 одиниць.</a:t>
+              <a:t>Якщо в наявності не залишилося книг, то треба замовити нову партію, розмір якої залежить від популярності книги.</a:t>
             </a:r>
             <a:endParaRPr b="0" lang="en-US" sz="1400" spc="-1" strike="noStrike">
               <a:latin typeface="Arial"/>
             </a:endParaRPr>
           </a:p>
           <a:p>
-            <a:pPr marL="457200" indent="-298080">
+            <a:pPr marL="457200" indent="-297720">
               <a:lnSpc>
                 <a:spcPct val="115000"/>
               </a:lnSpc>
@@ -7460,14 +6998,14 @@
                 <a:latin typeface="Times New Roman"/>
                 <a:ea typeface="Times New Roman"/>
               </a:rPr>
-              <a:t>Якщо книгу купили більше 100 користувачів за минулий день, максимальна кількість її екземплярів збільшується до 1500.</a:t>
+              <a:t>Максимальна кількість екземплярів однієї книги - 500 одиниць.</a:t>
             </a:r>
             <a:endParaRPr b="0" lang="en-US" sz="1400" spc="-1" strike="noStrike">
               <a:latin typeface="Arial"/>
             </a:endParaRPr>
           </a:p>
           <a:p>
-            <a:pPr marL="457200" indent="-298080">
+            <a:pPr marL="457200" indent="-297720">
               <a:lnSpc>
                 <a:spcPct val="115000"/>
               </a:lnSpc>
@@ -7485,14 +7023,14 @@
                 <a:latin typeface="Times New Roman"/>
                 <a:ea typeface="Times New Roman"/>
               </a:rPr>
-              <a:t>Якщо користувач бажає замовити книгу, якої на даний момент немає в наявності, то при появі даної книги, треба надіслати оповіщення цьому користувачеві.</a:t>
+              <a:t>Якщо книгу купили більше 100 користувачів за минулий день, максимальна кількість її екземплярів збільшується до 1500.</a:t>
             </a:r>
             <a:endParaRPr b="0" lang="en-US" sz="1400" spc="-1" strike="noStrike">
               <a:latin typeface="Arial"/>
             </a:endParaRPr>
           </a:p>
           <a:p>
-            <a:pPr marL="457200" indent="-298080">
+            <a:pPr marL="457200" indent="-297720">
               <a:lnSpc>
                 <a:spcPct val="115000"/>
               </a:lnSpc>
@@ -7510,14 +7048,14 @@
                 <a:latin typeface="Times New Roman"/>
                 <a:ea typeface="Times New Roman"/>
               </a:rPr>
-              <a:t>Акційні пропозиції містять 10 книг і змінюються кожну неділю.</a:t>
+              <a:t>Якщо користувач бажає замовити книгу, якої на даний момент немає в наявності, то при появі даної книги, треба надіслати оповіщення цьому користувачеві.</a:t>
             </a:r>
             <a:endParaRPr b="0" lang="en-US" sz="1400" spc="-1" strike="noStrike">
               <a:latin typeface="Arial"/>
             </a:endParaRPr>
           </a:p>
           <a:p>
-            <a:pPr marL="457200" indent="-298080">
+            <a:pPr marL="457200" indent="-297720">
               <a:lnSpc>
                 <a:spcPct val="115000"/>
               </a:lnSpc>
@@ -7535,14 +7073,14 @@
                 <a:latin typeface="Times New Roman"/>
                 <a:ea typeface="Times New Roman"/>
               </a:rPr>
-              <a:t>Акційні пропозиції однакові для всіх користувачів і не залежать від їх уподобань.</a:t>
+              <a:t>Акційні пропозиції містять 10 книг і змінюються кожну неділю.</a:t>
             </a:r>
             <a:endParaRPr b="0" lang="en-US" sz="1400" spc="-1" strike="noStrike">
               <a:latin typeface="Arial"/>
             </a:endParaRPr>
           </a:p>
           <a:p>
-            <a:pPr marL="457200" indent="-298080">
+            <a:pPr marL="457200" indent="-297720">
               <a:lnSpc>
                 <a:spcPct val="115000"/>
               </a:lnSpc>
@@ -7560,14 +7098,14 @@
                 <a:latin typeface="Times New Roman"/>
                 <a:ea typeface="Times New Roman"/>
               </a:rPr>
-              <a:t>При купівлі двох книжок з однієї серії, на третю надається знижка у 40%, окрім ситуацій, коли третя книга входить до акційних пропозицій.</a:t>
+              <a:t>Акційні пропозиції однакові для всіх користувачів і не залежать від їх уподобань.</a:t>
             </a:r>
             <a:endParaRPr b="0" lang="en-US" sz="1400" spc="-1" strike="noStrike">
               <a:latin typeface="Arial"/>
             </a:endParaRPr>
           </a:p>
           <a:p>
-            <a:pPr marL="457200" indent="-298080">
+            <a:pPr marL="457200" indent="-297720">
               <a:lnSpc>
                 <a:spcPct val="115000"/>
               </a:lnSpc>
@@ -7585,14 +7123,14 @@
                 <a:latin typeface="Times New Roman"/>
                 <a:ea typeface="Times New Roman"/>
               </a:rPr>
-              <a:t>Якщо користувач зробив більше 25 покупок за один каледарний рік, то його акаунту надається статус “Преміум”.</a:t>
+              <a:t>При купівлі двох книжок з однієї серії, на третю надається знижка у 40%, окрім ситуацій, коли третя книга входить до акційних пропозицій.</a:t>
             </a:r>
             <a:endParaRPr b="0" lang="en-US" sz="1400" spc="-1" strike="noStrike">
               <a:latin typeface="Arial"/>
             </a:endParaRPr>
           </a:p>
           <a:p>
-            <a:pPr marL="457200" indent="-298080">
+            <a:pPr marL="457200" indent="-297720">
               <a:lnSpc>
                 <a:spcPct val="115000"/>
               </a:lnSpc>
@@ -7610,14 +7148,14 @@
                 <a:latin typeface="Times New Roman"/>
                 <a:ea typeface="Times New Roman"/>
               </a:rPr>
-              <a:t>Користувачі з преміум акаунтом кожного місяця отримують знижку в 60% на будь-яку книгу, вартістю до 1000 гривень.</a:t>
+              <a:t>Якщо користувач зробив більше 25 покупок за один каледарний рік, то його акаунту надається статус “Преміум”.</a:t>
             </a:r>
             <a:endParaRPr b="0" lang="en-US" sz="1400" spc="-1" strike="noStrike">
               <a:latin typeface="Arial"/>
             </a:endParaRPr>
           </a:p>
           <a:p>
-            <a:pPr marL="457200" indent="-298080">
+            <a:pPr marL="457200" indent="-297720">
               <a:lnSpc>
                 <a:spcPct val="115000"/>
               </a:lnSpc>
@@ -7635,14 +7173,14 @@
                 <a:latin typeface="Times New Roman"/>
                 <a:ea typeface="Times New Roman"/>
               </a:rPr>
-              <a:t>Якщо користувач з преміум акаунтом не обрав книгу, на яку бажає отримати знижку до кінця місяця, то знижка буде надана випадковим чином на будь-яку з рекомендованих користувачеві книг, вартістю до 1000 грн.</a:t>
+              <a:t>Користувачі з преміум акаунтом кожного місяця отримують знижку в 60% на будь-яку книгу, вартістю до 1000 гривень.</a:t>
             </a:r>
             <a:endParaRPr b="0" lang="en-US" sz="1400" spc="-1" strike="noStrike">
               <a:latin typeface="Arial"/>
             </a:endParaRPr>
           </a:p>
           <a:p>
-            <a:pPr marL="457200" indent="-298080">
+            <a:pPr marL="457200" indent="-297720">
               <a:lnSpc>
                 <a:spcPct val="115000"/>
               </a:lnSpc>
@@ -7660,14 +7198,14 @@
                 <a:latin typeface="Times New Roman"/>
                 <a:ea typeface="Times New Roman"/>
               </a:rPr>
-              <a:t>Якщо користувач з преміум акаунтом замовив менше 15 книг за один календарний рік, його акаунт втрачає статус преміумного.</a:t>
+              <a:t>Якщо користувач з преміум акаунтом не обрав книгу, на яку бажає отримати знижку до кінця місяця, то знижка буде надана випадковим чином на будь-яку з рекомендованих користувачеві книг, вартістю до 1000 грн.</a:t>
             </a:r>
             <a:endParaRPr b="0" lang="en-US" sz="1400" spc="-1" strike="noStrike">
               <a:latin typeface="Arial"/>
             </a:endParaRPr>
           </a:p>
           <a:p>
-            <a:pPr marL="457200" indent="-298080">
+            <a:pPr marL="457200" indent="-297720">
               <a:lnSpc>
                 <a:spcPct val="115000"/>
               </a:lnSpc>
@@ -7685,33 +7223,18 @@
                 <a:latin typeface="Times New Roman"/>
                 <a:ea typeface="Times New Roman"/>
               </a:rPr>
-              <a:t>За неділю до Нового року, та одну неділю після проводиться розпродаж.</a:t>
+              <a:t>Якщо користувач з преміум акаунтом замовив менше 15 книг за один календарний рік, його акаунт втрачає статус преміумного.</a:t>
             </a:r>
             <a:endParaRPr b="0" lang="en-US" sz="1400" spc="-1" strike="noStrike">
               <a:latin typeface="Arial"/>
             </a:endParaRPr>
           </a:p>
           <a:p>
-            <a:pPr marL="457200" indent="-298080">
+            <a:pPr>
               <a:lnSpc>
                 <a:spcPct val="115000"/>
               </a:lnSpc>
-              <a:buClr>
-                <a:srgbClr val="000000"/>
-              </a:buClr>
-              <a:buFont typeface="Arial"/>
-              <a:buAutoNum type="arabicPeriod"/>
-            </a:pPr>
-            <a:r>
-              <a:rPr b="1" lang="en-US" sz="1400" spc="-1" strike="noStrike">
-                <a:solidFill>
-                  <a:srgbClr val="000000"/>
-                </a:solidFill>
-                <a:latin typeface="Times New Roman"/>
-                <a:ea typeface="Times New Roman"/>
-              </a:rPr>
-              <a:t>Під час розпродажу кількість книжок, на які надаються акції, збільшується до 100.</a:t>
-            </a:r>
+            </a:pPr>
             <a:endParaRPr b="0" lang="en-US" sz="1400" spc="-1" strike="noStrike">
               <a:latin typeface="Arial"/>
             </a:endParaRPr>
@@ -7769,7 +7292,7 @@
       </p:grpSpPr>
       <p:pic>
         <p:nvPicPr>
-          <p:cNvPr id="115" name="Google Shape;207;p4" descr=""/>
+          <p:cNvPr id="109" name="Google Shape;207;p4" descr=""/>
           <p:cNvPicPr/>
           <p:nvPr/>
         </p:nvPicPr>
@@ -7780,7 +7303,7 @@
         <p:spPr>
           <a:xfrm>
             <a:off x="0" y="1062000"/>
-            <a:ext cx="9143640" cy="107640"/>
+            <a:ext cx="9143280" cy="107280"/>
           </a:xfrm>
           <a:prstGeom prst="rect">
             <a:avLst/>
@@ -7792,14 +7315,14 @@
       </p:pic>
       <p:sp>
         <p:nvSpPr>
-          <p:cNvPr id="116" name="TextShape 1"/>
-          <p:cNvSpPr txBox="1"/>
+          <p:cNvPr id="110" name="CustomShape 1"/>
+          <p:cNvSpPr/>
           <p:nvPr/>
         </p:nvSpPr>
         <p:spPr>
           <a:xfrm>
             <a:off x="0" y="189000"/>
-            <a:ext cx="8243640" cy="783720"/>
+            <a:ext cx="8243280" cy="783360"/>
           </a:xfrm>
           <a:prstGeom prst="rect">
             <a:avLst/>
@@ -7809,8 +7332,14 @@
             <a:noFill/>
           </a:ln>
         </p:spPr>
-        <p:txBody>
-          <a:bodyPr anchor="ctr"/>
+        <p:style>
+          <a:lnRef idx="0"/>
+          <a:fillRef idx="0"/>
+          <a:effectRef idx="0"/>
+          <a:fontRef idx="minor"/>
+        </p:style>
+        <p:txBody>
+          <a:bodyPr lIns="90000" rIns="90000" tIns="45000" bIns="45000" anchor="ctr"/>
           <a:p>
             <a:pPr>
               <a:lnSpc>
@@ -7828,24 +7357,21 @@
               <a:t>Ієрархія процесів</a:t>
             </a:r>
             <a:endParaRPr b="0" lang="en-US" sz="2800" spc="-1" strike="noStrike">
-              <a:solidFill>
-                <a:srgbClr val="000000"/>
-              </a:solidFill>
-              <a:latin typeface="Arial"/>
-            </a:endParaRPr>
-          </a:p>
-        </p:txBody>
-      </p:sp>
-      <p:sp>
-        <p:nvSpPr>
-          <p:cNvPr id="117" name="CustomShape 2"/>
+              <a:latin typeface="Arial"/>
+            </a:endParaRPr>
+          </a:p>
+        </p:txBody>
+      </p:sp>
+      <p:sp>
+        <p:nvSpPr>
+          <p:cNvPr id="111" name="CustomShape 2"/>
           <p:cNvSpPr/>
           <p:nvPr/>
         </p:nvSpPr>
         <p:spPr>
           <a:xfrm>
             <a:off x="8372520" y="189000"/>
-            <a:ext cx="663120" cy="360000"/>
+            <a:ext cx="662760" cy="359640"/>
           </a:xfrm>
           <a:prstGeom prst="rect">
             <a:avLst/>
@@ -7885,7 +7411,7 @@
           <a:fontRef idx="minor"/>
         </p:style>
         <p:txBody>
-          <a:bodyPr anchor="ctr"/>
+          <a:bodyPr lIns="90000" rIns="90000" tIns="45000" bIns="45000" anchor="ctr"/>
           <a:p>
             <a:pPr algn="ctr">
               <a:lnSpc>
@@ -7910,14 +7436,14 @@
       </p:sp>
       <p:sp>
         <p:nvSpPr>
-          <p:cNvPr id="118" name="CustomShape 3"/>
+          <p:cNvPr id="112" name="CustomShape 3"/>
           <p:cNvSpPr/>
           <p:nvPr/>
         </p:nvSpPr>
         <p:spPr>
           <a:xfrm>
             <a:off x="8372520" y="189000"/>
-            <a:ext cx="663120" cy="360000"/>
+            <a:ext cx="662760" cy="359640"/>
           </a:xfrm>
           <a:prstGeom prst="rect">
             <a:avLst/>
@@ -7957,7 +7483,7 @@
           <a:fontRef idx="minor"/>
         </p:style>
         <p:txBody>
-          <a:bodyPr anchor="ctr"/>
+          <a:bodyPr lIns="90000" rIns="90000" tIns="45000" bIns="45000" anchor="ctr"/>
           <a:p>
             <a:pPr algn="ctr">
               <a:lnSpc>
@@ -7982,14 +7508,14 @@
       </p:sp>
       <p:sp>
         <p:nvSpPr>
-          <p:cNvPr id="119" name="CustomShape 4"/>
+          <p:cNvPr id="113" name="CustomShape 4"/>
           <p:cNvSpPr/>
           <p:nvPr/>
         </p:nvSpPr>
         <p:spPr>
           <a:xfrm>
             <a:off x="155520" y="-144360"/>
-            <a:ext cx="304560" cy="304560"/>
+            <a:ext cx="304200" cy="304200"/>
           </a:xfrm>
           <a:prstGeom prst="rect">
             <a:avLst/>
@@ -8008,7 +7534,7 @@
       </p:sp>
       <p:pic>
         <p:nvPicPr>
-          <p:cNvPr id="120" name="Google Shape;212;p4" descr=""/>
+          <p:cNvPr id="114" name="Google Shape;212;p4" descr=""/>
           <p:cNvPicPr/>
           <p:nvPr/>
         </p:nvPicPr>
@@ -8019,7 +7545,7 @@
         <p:spPr>
           <a:xfrm>
             <a:off x="152280" y="1322280"/>
-            <a:ext cx="8883360" cy="5382720"/>
+            <a:ext cx="8883000" cy="5382360"/>
           </a:xfrm>
           <a:prstGeom prst="rect">
             <a:avLst/>
@@ -8080,7 +7606,7 @@
       </p:grpSpPr>
       <p:pic>
         <p:nvPicPr>
-          <p:cNvPr id="121" name="Google Shape;217;p5" descr=""/>
+          <p:cNvPr id="115" name="Google Shape;217;p5" descr=""/>
           <p:cNvPicPr/>
           <p:nvPr/>
         </p:nvPicPr>
@@ -8091,7 +7617,7 @@
         <p:spPr>
           <a:xfrm>
             <a:off x="0" y="1062000"/>
-            <a:ext cx="9143640" cy="107640"/>
+            <a:ext cx="9143280" cy="107280"/>
           </a:xfrm>
           <a:prstGeom prst="rect">
             <a:avLst/>
@@ -8103,14 +7629,14 @@
       </p:pic>
       <p:sp>
         <p:nvSpPr>
-          <p:cNvPr id="122" name="TextShape 1"/>
-          <p:cNvSpPr txBox="1"/>
+          <p:cNvPr id="116" name="CustomShape 1"/>
+          <p:cNvSpPr/>
           <p:nvPr/>
         </p:nvSpPr>
         <p:spPr>
           <a:xfrm>
             <a:off x="0" y="189000"/>
-            <a:ext cx="8243640" cy="783720"/>
+            <a:ext cx="8243280" cy="783360"/>
           </a:xfrm>
           <a:prstGeom prst="rect">
             <a:avLst/>
@@ -8120,8 +7646,14 @@
             <a:noFill/>
           </a:ln>
         </p:spPr>
-        <p:txBody>
-          <a:bodyPr anchor="ctr"/>
+        <p:style>
+          <a:lnRef idx="0"/>
+          <a:fillRef idx="0"/>
+          <a:effectRef idx="0"/>
+          <a:fontRef idx="minor"/>
+        </p:style>
+        <p:txBody>
+          <a:bodyPr lIns="90000" rIns="90000" tIns="45000" bIns="45000" anchor="ctr"/>
           <a:p>
             <a:pPr>
               <a:lnSpc>
@@ -8139,24 +7671,21 @@
               <a:t>Use Case</a:t>
             </a:r>
             <a:endParaRPr b="0" lang="en-US" sz="2800" spc="-1" strike="noStrike">
-              <a:solidFill>
-                <a:srgbClr val="000000"/>
-              </a:solidFill>
-              <a:latin typeface="Arial"/>
-            </a:endParaRPr>
-          </a:p>
-        </p:txBody>
-      </p:sp>
-      <p:sp>
-        <p:nvSpPr>
-          <p:cNvPr id="123" name="CustomShape 2"/>
+              <a:latin typeface="Arial"/>
+            </a:endParaRPr>
+          </a:p>
+        </p:txBody>
+      </p:sp>
+      <p:sp>
+        <p:nvSpPr>
+          <p:cNvPr id="117" name="CustomShape 2"/>
           <p:cNvSpPr/>
           <p:nvPr/>
         </p:nvSpPr>
         <p:spPr>
           <a:xfrm>
             <a:off x="8372520" y="189000"/>
-            <a:ext cx="663120" cy="360000"/>
+            <a:ext cx="662760" cy="359640"/>
           </a:xfrm>
           <a:prstGeom prst="rect">
             <a:avLst/>
@@ -8196,7 +7725,7 @@
           <a:fontRef idx="minor"/>
         </p:style>
         <p:txBody>
-          <a:bodyPr anchor="ctr"/>
+          <a:bodyPr lIns="90000" rIns="90000" tIns="45000" bIns="45000" anchor="ctr"/>
           <a:p>
             <a:pPr algn="ctr">
               <a:lnSpc>
@@ -8221,14 +7750,14 @@
       </p:sp>
       <p:sp>
         <p:nvSpPr>
-          <p:cNvPr id="124" name="CustomShape 3"/>
+          <p:cNvPr id="118" name="CustomShape 3"/>
           <p:cNvSpPr/>
           <p:nvPr/>
         </p:nvSpPr>
         <p:spPr>
           <a:xfrm>
             <a:off x="8372520" y="189000"/>
-            <a:ext cx="663120" cy="360000"/>
+            <a:ext cx="662760" cy="359640"/>
           </a:xfrm>
           <a:prstGeom prst="rect">
             <a:avLst/>
@@ -8268,7 +7797,7 @@
           <a:fontRef idx="minor"/>
         </p:style>
         <p:txBody>
-          <a:bodyPr anchor="ctr"/>
+          <a:bodyPr lIns="90000" rIns="90000" tIns="45000" bIns="45000" anchor="ctr"/>
           <a:p>
             <a:pPr algn="ctr">
               <a:lnSpc>
@@ -8293,14 +7822,14 @@
       </p:sp>
       <p:sp>
         <p:nvSpPr>
-          <p:cNvPr id="125" name="CustomShape 4"/>
+          <p:cNvPr id="119" name="CustomShape 4"/>
           <p:cNvSpPr/>
           <p:nvPr/>
         </p:nvSpPr>
         <p:spPr>
           <a:xfrm>
             <a:off x="155520" y="-144360"/>
-            <a:ext cx="304560" cy="304560"/>
+            <a:ext cx="304200" cy="304200"/>
           </a:xfrm>
           <a:prstGeom prst="rect">
             <a:avLst/>
@@ -8319,7 +7848,7 @@
       </p:sp>
       <p:pic>
         <p:nvPicPr>
-          <p:cNvPr id="126" name="Google Shape;222;p5" descr=""/>
+          <p:cNvPr id="120" name="Google Shape;222;p5" descr=""/>
           <p:cNvPicPr/>
           <p:nvPr/>
         </p:nvPicPr>
@@ -8330,7 +7859,7 @@
         <p:spPr>
           <a:xfrm>
             <a:off x="1106640" y="1322280"/>
-            <a:ext cx="6956280" cy="5382720"/>
+            <a:ext cx="6955920" cy="5382360"/>
           </a:xfrm>
           <a:prstGeom prst="rect">
             <a:avLst/>
@@ -8391,7 +7920,7 @@
       </p:grpSpPr>
       <p:pic>
         <p:nvPicPr>
-          <p:cNvPr id="127" name="Google Shape;227;p6" descr=""/>
+          <p:cNvPr id="121" name="Google Shape;227;p6" descr=""/>
           <p:cNvPicPr/>
           <p:nvPr/>
         </p:nvPicPr>
@@ -8402,7 +7931,7 @@
         <p:spPr>
           <a:xfrm>
             <a:off x="0" y="1062000"/>
-            <a:ext cx="9143640" cy="107640"/>
+            <a:ext cx="9143280" cy="107280"/>
           </a:xfrm>
           <a:prstGeom prst="rect">
             <a:avLst/>
@@ -8414,14 +7943,14 @@
       </p:pic>
       <p:sp>
         <p:nvSpPr>
-          <p:cNvPr id="128" name="TextShape 1"/>
-          <p:cNvSpPr txBox="1"/>
+          <p:cNvPr id="122" name="CustomShape 1"/>
+          <p:cNvSpPr/>
           <p:nvPr/>
         </p:nvSpPr>
         <p:spPr>
           <a:xfrm>
             <a:off x="0" y="189000"/>
-            <a:ext cx="8243640" cy="783720"/>
+            <a:ext cx="8243280" cy="783360"/>
           </a:xfrm>
           <a:prstGeom prst="rect">
             <a:avLst/>
@@ -8431,8 +7960,14 @@
             <a:noFill/>
           </a:ln>
         </p:spPr>
-        <p:txBody>
-          <a:bodyPr anchor="ctr"/>
+        <p:style>
+          <a:lnRef idx="0"/>
+          <a:fillRef idx="0"/>
+          <a:effectRef idx="0"/>
+          <a:fontRef idx="minor"/>
+        </p:style>
+        <p:txBody>
+          <a:bodyPr lIns="90000" rIns="90000" tIns="45000" bIns="45000" anchor="ctr"/>
           <a:p>
             <a:pPr>
               <a:lnSpc>
@@ -8450,24 +7985,21 @@
               <a:t>DashBoard</a:t>
             </a:r>
             <a:endParaRPr b="0" lang="en-US" sz="2800" spc="-1" strike="noStrike">
-              <a:solidFill>
-                <a:srgbClr val="000000"/>
-              </a:solidFill>
-              <a:latin typeface="Arial"/>
-            </a:endParaRPr>
-          </a:p>
-        </p:txBody>
-      </p:sp>
-      <p:sp>
-        <p:nvSpPr>
-          <p:cNvPr id="129" name="CustomShape 2"/>
+              <a:latin typeface="Arial"/>
+            </a:endParaRPr>
+          </a:p>
+        </p:txBody>
+      </p:sp>
+      <p:sp>
+        <p:nvSpPr>
+          <p:cNvPr id="123" name="CustomShape 2"/>
           <p:cNvSpPr/>
           <p:nvPr/>
         </p:nvSpPr>
         <p:spPr>
           <a:xfrm>
             <a:off x="8372520" y="189000"/>
-            <a:ext cx="663120" cy="360000"/>
+            <a:ext cx="662760" cy="359640"/>
           </a:xfrm>
           <a:prstGeom prst="rect">
             <a:avLst/>
@@ -8507,7 +8039,7 @@
           <a:fontRef idx="minor"/>
         </p:style>
         <p:txBody>
-          <a:bodyPr anchor="ctr"/>
+          <a:bodyPr lIns="90000" rIns="90000" tIns="45000" bIns="45000" anchor="ctr"/>
           <a:p>
             <a:pPr algn="ctr">
               <a:lnSpc>
@@ -8532,14 +8064,14 @@
       </p:sp>
       <p:sp>
         <p:nvSpPr>
-          <p:cNvPr id="130" name="CustomShape 3"/>
+          <p:cNvPr id="124" name="CustomShape 3"/>
           <p:cNvSpPr/>
           <p:nvPr/>
         </p:nvSpPr>
         <p:spPr>
           <a:xfrm>
             <a:off x="8372520" y="189000"/>
-            <a:ext cx="663120" cy="360000"/>
+            <a:ext cx="662760" cy="359640"/>
           </a:xfrm>
           <a:prstGeom prst="rect">
             <a:avLst/>
@@ -8579,7 +8111,7 @@
           <a:fontRef idx="minor"/>
         </p:style>
         <p:txBody>
-          <a:bodyPr anchor="ctr"/>
+          <a:bodyPr lIns="90000" rIns="90000" tIns="45000" bIns="45000" anchor="ctr"/>
           <a:p>
             <a:pPr algn="ctr">
               <a:lnSpc>
@@ -8604,14 +8136,14 @@
       </p:sp>
       <p:sp>
         <p:nvSpPr>
-          <p:cNvPr id="131" name="CustomShape 4"/>
+          <p:cNvPr id="125" name="CustomShape 4"/>
           <p:cNvSpPr/>
           <p:nvPr/>
         </p:nvSpPr>
         <p:spPr>
           <a:xfrm>
             <a:off x="155520" y="-144360"/>
-            <a:ext cx="304560" cy="304560"/>
+            <a:ext cx="304200" cy="304200"/>
           </a:xfrm>
           <a:prstGeom prst="rect">
             <a:avLst/>
@@ -8630,14 +8162,14 @@
       </p:sp>
       <p:sp>
         <p:nvSpPr>
-          <p:cNvPr id="132" name="CustomShape 5"/>
+          <p:cNvPr id="126" name="CustomShape 5"/>
           <p:cNvSpPr/>
           <p:nvPr/>
         </p:nvSpPr>
         <p:spPr>
           <a:xfrm>
             <a:off x="4572000" y="1486080"/>
-            <a:ext cx="3049200" cy="923400"/>
+            <a:ext cx="3048840" cy="923040"/>
           </a:xfrm>
           <a:prstGeom prst="rect">
             <a:avLst/>
@@ -8654,9 +8186,9 @@
           <a:fontRef idx="minor"/>
         </p:style>
         <p:txBody>
-          <a:bodyPr/>
-          <a:p>
-            <a:pPr marL="343080" indent="-228240">
+          <a:bodyPr lIns="90000" rIns="90000" tIns="45000" bIns="45000"/>
+          <a:p>
+            <a:pPr marL="343080" indent="-227880">
               <a:lnSpc>
                 <a:spcPct val="100000"/>
               </a:lnSpc>
@@ -8666,7 +8198,7 @@
             </a:endParaRPr>
           </a:p>
           <a:p>
-            <a:pPr marL="285840" indent="-171000">
+            <a:pPr marL="285840" indent="-170640">
               <a:lnSpc>
                 <a:spcPct val="100000"/>
               </a:lnSpc>
@@ -8676,7 +8208,7 @@
             </a:endParaRPr>
           </a:p>
           <a:p>
-            <a:pPr>
+            <a:pPr marL="285840" indent="-170640">
               <a:lnSpc>
                 <a:spcPct val="100000"/>
               </a:lnSpc>
@@ -8689,7 +8221,7 @@
       </p:sp>
       <p:pic>
         <p:nvPicPr>
-          <p:cNvPr id="133" name="Google Shape;233;p6" descr=""/>
+          <p:cNvPr id="127" name="Google Shape;233;p6" descr=""/>
           <p:cNvPicPr/>
           <p:nvPr/>
         </p:nvPicPr>
@@ -8700,7 +8232,7 @@
         <p:spPr>
           <a:xfrm>
             <a:off x="155520" y="1258920"/>
-            <a:ext cx="7295040" cy="3418920"/>
+            <a:ext cx="7294680" cy="3418560"/>
           </a:xfrm>
           <a:prstGeom prst="rect">
             <a:avLst/>
@@ -8712,7 +8244,7 @@
       </p:pic>
       <p:pic>
         <p:nvPicPr>
-          <p:cNvPr id="134" name="Google Shape;234;p6" descr=""/>
+          <p:cNvPr id="128" name="Google Shape;234;p6" descr=""/>
           <p:cNvPicPr/>
           <p:nvPr/>
         </p:nvPicPr>
@@ -8723,7 +8255,7 @@
         <p:spPr>
           <a:xfrm>
             <a:off x="5093280" y="4767120"/>
-            <a:ext cx="3859200" cy="2226600"/>
+            <a:ext cx="3858840" cy="2226240"/>
           </a:xfrm>
           <a:prstGeom prst="rect">
             <a:avLst/>
@@ -8735,6 +8267,33 @@
       </p:pic>
     </p:spTree>
   </p:cSld>
+  <p:timing>
+    <p:tnLst>
+      <p:par>
+        <p:cTn id="13" dur="indefinite" restart="never" nodeType="tmRoot">
+          <p:childTnLst>
+            <p:seq>
+              <p:cTn id="14" dur="indefinite" nodeType="mainSeq"/>
+              <p:prevCondLst>
+                <p:cond delay="0" evt="onPrev">
+                  <p:tgtEl>
+                    <p:sldTgt/>
+                  </p:tgtEl>
+                </p:cond>
+              </p:prevCondLst>
+              <p:nextCondLst>
+                <p:cond delay="0" evt="onNext">
+                  <p:tgtEl>
+                    <p:sldTgt/>
+                  </p:tgtEl>
+                </p:cond>
+              </p:nextCondLst>
+            </p:seq>
+          </p:childTnLst>
+        </p:cTn>
+      </p:par>
+    </p:tnLst>
+  </p:timing>
 </p:sld>
 </file>
 
@@ -8757,7 +8316,7 @@
       </p:grpSpPr>
       <p:pic>
         <p:nvPicPr>
-          <p:cNvPr id="135" name="Google Shape;239;p7" descr=""/>
+          <p:cNvPr id="129" name="Google Shape;239;p7" descr=""/>
           <p:cNvPicPr/>
           <p:nvPr/>
         </p:nvPicPr>
@@ -8768,7 +8327,7 @@
         <p:spPr>
           <a:xfrm>
             <a:off x="0" y="1062000"/>
-            <a:ext cx="9143640" cy="107640"/>
+            <a:ext cx="9143280" cy="107280"/>
           </a:xfrm>
           <a:prstGeom prst="rect">
             <a:avLst/>
@@ -8780,14 +8339,14 @@
       </p:pic>
       <p:sp>
         <p:nvSpPr>
-          <p:cNvPr id="136" name="TextShape 1"/>
-          <p:cNvSpPr txBox="1"/>
+          <p:cNvPr id="130" name="CustomShape 1"/>
+          <p:cNvSpPr/>
           <p:nvPr/>
         </p:nvSpPr>
         <p:spPr>
           <a:xfrm>
             <a:off x="0" y="189000"/>
-            <a:ext cx="8243640" cy="783720"/>
+            <a:ext cx="8243280" cy="783360"/>
           </a:xfrm>
           <a:prstGeom prst="rect">
             <a:avLst/>
@@ -8797,8 +8356,14 @@
             <a:noFill/>
           </a:ln>
         </p:spPr>
-        <p:txBody>
-          <a:bodyPr anchor="ctr"/>
+        <p:style>
+          <a:lnRef idx="0"/>
+          <a:fillRef idx="0"/>
+          <a:effectRef idx="0"/>
+          <a:fontRef idx="minor"/>
+        </p:style>
+        <p:txBody>
+          <a:bodyPr lIns="90000" rIns="90000" tIns="45000" bIns="45000" anchor="ctr"/>
           <a:p>
             <a:pPr>
               <a:lnSpc>
@@ -8816,24 +8381,21 @@
               <a:t>Прототипи інтерфейсу</a:t>
             </a:r>
             <a:endParaRPr b="0" lang="en-US" sz="2800" spc="-1" strike="noStrike">
-              <a:solidFill>
-                <a:srgbClr val="000000"/>
-              </a:solidFill>
-              <a:latin typeface="Arial"/>
-            </a:endParaRPr>
-          </a:p>
-        </p:txBody>
-      </p:sp>
-      <p:sp>
-        <p:nvSpPr>
-          <p:cNvPr id="137" name="CustomShape 2"/>
+              <a:latin typeface="Arial"/>
+            </a:endParaRPr>
+          </a:p>
+        </p:txBody>
+      </p:sp>
+      <p:sp>
+        <p:nvSpPr>
+          <p:cNvPr id="131" name="CustomShape 2"/>
           <p:cNvSpPr/>
           <p:nvPr/>
         </p:nvSpPr>
         <p:spPr>
           <a:xfrm>
             <a:off x="8372520" y="189000"/>
-            <a:ext cx="663120" cy="360000"/>
+            <a:ext cx="662760" cy="359640"/>
           </a:xfrm>
           <a:prstGeom prst="rect">
             <a:avLst/>
@@ -8873,7 +8435,7 @@
           <a:fontRef idx="minor"/>
         </p:style>
         <p:txBody>
-          <a:bodyPr anchor="ctr"/>
+          <a:bodyPr lIns="90000" rIns="90000" tIns="45000" bIns="45000" anchor="ctr"/>
           <a:p>
             <a:pPr algn="ctr">
               <a:lnSpc>
@@ -8898,14 +8460,14 @@
       </p:sp>
       <p:sp>
         <p:nvSpPr>
-          <p:cNvPr id="138" name="CustomShape 3"/>
+          <p:cNvPr id="132" name="CustomShape 3"/>
           <p:cNvSpPr/>
           <p:nvPr/>
         </p:nvSpPr>
         <p:spPr>
           <a:xfrm>
             <a:off x="8372520" y="189000"/>
-            <a:ext cx="663120" cy="360000"/>
+            <a:ext cx="662760" cy="359640"/>
           </a:xfrm>
           <a:prstGeom prst="rect">
             <a:avLst/>
@@ -8945,7 +8507,7 @@
           <a:fontRef idx="minor"/>
         </p:style>
         <p:txBody>
-          <a:bodyPr anchor="ctr"/>
+          <a:bodyPr lIns="90000" rIns="90000" tIns="45000" bIns="45000" anchor="ctr"/>
           <a:p>
             <a:pPr algn="ctr">
               <a:lnSpc>
@@ -8970,14 +8532,14 @@
       </p:sp>
       <p:sp>
         <p:nvSpPr>
-          <p:cNvPr id="139" name="CustomShape 4"/>
+          <p:cNvPr id="133" name="CustomShape 4"/>
           <p:cNvSpPr/>
           <p:nvPr/>
         </p:nvSpPr>
         <p:spPr>
           <a:xfrm>
             <a:off x="155520" y="-144360"/>
-            <a:ext cx="304560" cy="304560"/>
+            <a:ext cx="304200" cy="304200"/>
           </a:xfrm>
           <a:prstGeom prst="rect">
             <a:avLst/>
@@ -8996,7 +8558,7 @@
       </p:sp>
       <p:pic>
         <p:nvPicPr>
-          <p:cNvPr id="140" name="Google Shape;244;p7" descr=""/>
+          <p:cNvPr id="134" name="Google Shape;244;p7" descr=""/>
           <p:cNvPicPr/>
           <p:nvPr/>
         </p:nvPicPr>
@@ -9007,7 +8569,7 @@
         <p:spPr>
           <a:xfrm>
             <a:off x="152280" y="1322280"/>
-            <a:ext cx="8838720" cy="4917600"/>
+            <a:ext cx="8838360" cy="4917240"/>
           </a:xfrm>
           <a:prstGeom prst="rect">
             <a:avLst/>
@@ -9019,6 +8581,33 @@
       </p:pic>
     </p:spTree>
   </p:cSld>
+  <p:timing>
+    <p:tnLst>
+      <p:par>
+        <p:cTn id="15" dur="indefinite" restart="never" nodeType="tmRoot">
+          <p:childTnLst>
+            <p:seq>
+              <p:cTn id="16" dur="indefinite" nodeType="mainSeq"/>
+              <p:prevCondLst>
+                <p:cond delay="0" evt="onPrev">
+                  <p:tgtEl>
+                    <p:sldTgt/>
+                  </p:tgtEl>
+                </p:cond>
+              </p:prevCondLst>
+              <p:nextCondLst>
+                <p:cond delay="0" evt="onNext">
+                  <p:tgtEl>
+                    <p:sldTgt/>
+                  </p:tgtEl>
+                </p:cond>
+              </p:nextCondLst>
+            </p:seq>
+          </p:childTnLst>
+        </p:cTn>
+      </p:par>
+    </p:tnLst>
+  </p:timing>
 </p:sld>
 </file>
 
@@ -9041,7 +8630,7 @@
       </p:grpSpPr>
       <p:pic>
         <p:nvPicPr>
-          <p:cNvPr id="141" name="Google Shape;249;p8" descr=""/>
+          <p:cNvPr id="135" name="Google Shape;249;p8" descr=""/>
           <p:cNvPicPr/>
           <p:nvPr/>
         </p:nvPicPr>
@@ -9052,7 +8641,7 @@
         <p:spPr>
           <a:xfrm>
             <a:off x="138600" y="1671480"/>
-            <a:ext cx="3956400" cy="2930040"/>
+            <a:ext cx="3956040" cy="2929680"/>
           </a:xfrm>
           <a:prstGeom prst="rect">
             <a:avLst/>
@@ -9064,14 +8653,14 @@
       </p:pic>
       <p:sp>
         <p:nvSpPr>
-          <p:cNvPr id="142" name="CustomShape 1"/>
+          <p:cNvPr id="136" name="CustomShape 1"/>
           <p:cNvSpPr/>
           <p:nvPr/>
         </p:nvSpPr>
         <p:spPr>
           <a:xfrm>
             <a:off x="1115280" y="623160"/>
-            <a:ext cx="7095960" cy="774360"/>
+            <a:ext cx="7095600" cy="774000"/>
           </a:xfrm>
           <a:prstGeom prst="rect">
             <a:avLst/>
@@ -9088,7 +8677,7 @@
           <a:fontRef idx="minor"/>
         </p:style>
         <p:txBody>
-          <a:bodyPr/>
+          <a:bodyPr lIns="90000" rIns="90000" tIns="45000" bIns="45000"/>
           <a:p>
             <a:pPr algn="ctr">
               <a:lnSpc>
@@ -9123,14 +8712,14 @@
       </p:sp>
       <p:sp>
         <p:nvSpPr>
-          <p:cNvPr id="143" name="CustomShape 2"/>
+          <p:cNvPr id="137" name="CustomShape 2"/>
           <p:cNvSpPr/>
           <p:nvPr/>
         </p:nvSpPr>
         <p:spPr>
           <a:xfrm>
             <a:off x="420120" y="4601880"/>
-            <a:ext cx="8229240" cy="1976760"/>
+            <a:ext cx="8228880" cy="1976400"/>
           </a:xfrm>
           <a:prstGeom prst="rect">
             <a:avLst/>
@@ -9147,7 +8736,7 @@
           <a:fontRef idx="minor"/>
         </p:style>
         <p:txBody>
-          <a:bodyPr/>
+          <a:bodyPr lIns="90000" rIns="90000" tIns="45000" bIns="45000"/>
           <a:p>
             <a:pPr algn="r">
               <a:lnSpc>
@@ -9227,7 +8816,7 @@
             </a:endParaRPr>
           </a:p>
           <a:p>
-            <a:pPr marL="343080" indent="-190080">
+            <a:pPr marL="343080" indent="-189720">
               <a:lnSpc>
                 <a:spcPct val="100000"/>
               </a:lnSpc>
@@ -9243,6 +8832,33 @@
       </p:sp>
     </p:spTree>
   </p:cSld>
+  <p:timing>
+    <p:tnLst>
+      <p:par>
+        <p:cTn id="17" dur="indefinite" restart="never" nodeType="tmRoot">
+          <p:childTnLst>
+            <p:seq>
+              <p:cTn id="18" dur="indefinite" nodeType="mainSeq"/>
+              <p:prevCondLst>
+                <p:cond delay="0" evt="onPrev">
+                  <p:tgtEl>
+                    <p:sldTgt/>
+                  </p:tgtEl>
+                </p:cond>
+              </p:prevCondLst>
+              <p:nextCondLst>
+                <p:cond delay="0" evt="onNext">
+                  <p:tgtEl>
+                    <p:sldTgt/>
+                  </p:tgtEl>
+                </p:cond>
+              </p:nextCondLst>
+            </p:seq>
+          </p:childTnLst>
+        </p:cTn>
+      </p:par>
+    </p:tnLst>
+  </p:timing>
 </p:sld>
 </file>
 
